--- a/Новосибирск_2022_Верт-Миллер.pptx
+++ b/Новосибирск_2022_Верт-Миллер.pptx
@@ -114,7 +114,7 @@
   </p:defaultTextStyle>
   <p:extLst>
     <p:ext uri="{521415D9-36F7-43E2-AB2F-B90AF26B5E84}">
-      <p14:sectionLst xmlns:p14="http://schemas.microsoft.com/office/powerpoint/2010/main" xmlns="">
+      <p14:sectionLst xmlns="" xmlns:p14="http://schemas.microsoft.com/office/powerpoint/2010/main">
         <p14:section name="Раздел по умолчанию" id="{BD5C6BC8-79BA-43F2-AADE-73938FAF4224}">
           <p14:sldIdLst>
             <p14:sldId id="256"/>
@@ -138,7 +138,7 @@
       </p14:sectionLst>
     </p:ext>
     <p:ext uri="{EFAFB233-063F-42B5-8137-9DF3F51BA10A}">
-      <p15:sldGuideLst xmlns:p15="http://schemas.microsoft.com/office/powerpoint/2012/main" xmlns=""/>
+      <p15:sldGuideLst xmlns="" xmlns:p15="http://schemas.microsoft.com/office/powerpoint/2012/main"/>
     </p:ext>
   </p:extLst>
 </p:presentation>
@@ -166,7 +166,7 @@
           <p:cNvPr id="2" name="Заголовок 1">
             <a:extLst>
               <a:ext uri="{FF2B5EF4-FFF2-40B4-BE49-F238E27FC236}">
-                <a16:creationId xmlns="" xmlns:a16="http://schemas.microsoft.com/office/drawing/2014/main" id="{1DB5EE12-12DA-3950-B62D-D33374B0BE7E}"/>
+                <a16:creationId xmlns:a16="http://schemas.microsoft.com/office/drawing/2014/main" xmlns="" id="{1DB5EE12-12DA-3950-B62D-D33374B0BE7E}"/>
               </a:ext>
             </a:extLst>
           </p:cNvPr>
@@ -203,7 +203,7 @@
           <p:cNvPr id="3" name="Подзаголовок 2">
             <a:extLst>
               <a:ext uri="{FF2B5EF4-FFF2-40B4-BE49-F238E27FC236}">
-                <a16:creationId xmlns="" xmlns:a16="http://schemas.microsoft.com/office/drawing/2014/main" id="{9310A401-7D92-8873-4E08-D3550F252F8E}"/>
+                <a16:creationId xmlns:a16="http://schemas.microsoft.com/office/drawing/2014/main" xmlns="" id="{9310A401-7D92-8873-4E08-D3550F252F8E}"/>
               </a:ext>
             </a:extLst>
           </p:cNvPr>
@@ -273,7 +273,7 @@
           <p:cNvPr id="4" name="Дата 3">
             <a:extLst>
               <a:ext uri="{FF2B5EF4-FFF2-40B4-BE49-F238E27FC236}">
-                <a16:creationId xmlns="" xmlns:a16="http://schemas.microsoft.com/office/drawing/2014/main" id="{7D4058E0-2DEC-5116-B051-18E7D32D043B}"/>
+                <a16:creationId xmlns:a16="http://schemas.microsoft.com/office/drawing/2014/main" xmlns="" id="{7D4058E0-2DEC-5116-B051-18E7D32D043B}"/>
               </a:ext>
             </a:extLst>
           </p:cNvPr>
@@ -292,7 +292,7 @@
             <a:fld id="{ADA5A899-FE04-4992-84F0-79F7315CE005}" type="datetimeFigureOut">
               <a:rPr lang="ru-RU" smtClean="0"/>
               <a:pPr/>
-              <a:t>05.10.2022</a:t>
+              <a:t>06.10.2022</a:t>
             </a:fld>
             <a:endParaRPr lang="ru-RU"/>
           </a:p>
@@ -303,7 +303,7 @@
           <p:cNvPr id="5" name="Нижний колонтитул 4">
             <a:extLst>
               <a:ext uri="{FF2B5EF4-FFF2-40B4-BE49-F238E27FC236}">
-                <a16:creationId xmlns="" xmlns:a16="http://schemas.microsoft.com/office/drawing/2014/main" id="{27055A46-0CF7-C563-8CF1-66264A6FC0B4}"/>
+                <a16:creationId xmlns:a16="http://schemas.microsoft.com/office/drawing/2014/main" xmlns="" id="{27055A46-0CF7-C563-8CF1-66264A6FC0B4}"/>
               </a:ext>
             </a:extLst>
           </p:cNvPr>
@@ -328,7 +328,7 @@
           <p:cNvPr id="6" name="Номер слайда 5">
             <a:extLst>
               <a:ext uri="{FF2B5EF4-FFF2-40B4-BE49-F238E27FC236}">
-                <a16:creationId xmlns="" xmlns:a16="http://schemas.microsoft.com/office/drawing/2014/main" id="{14B98F1C-93D4-DA7E-C8FA-D797ED731D6E}"/>
+                <a16:creationId xmlns:a16="http://schemas.microsoft.com/office/drawing/2014/main" xmlns="" id="{14B98F1C-93D4-DA7E-C8FA-D797ED731D6E}"/>
               </a:ext>
             </a:extLst>
           </p:cNvPr>
@@ -356,7 +356,7 @@
     </p:spTree>
     <p:extLst>
       <p:ext uri="{BB962C8B-B14F-4D97-AF65-F5344CB8AC3E}">
-        <p14:creationId xmlns:p14="http://schemas.microsoft.com/office/powerpoint/2010/main" xmlns="" val="128424399"/>
+        <p14:creationId xmlns="" xmlns:p14="http://schemas.microsoft.com/office/powerpoint/2010/main" val="128424399"/>
       </p:ext>
     </p:extLst>
   </p:cSld>
@@ -388,7 +388,7 @@
           <p:cNvPr id="2" name="Заголовок 1">
             <a:extLst>
               <a:ext uri="{FF2B5EF4-FFF2-40B4-BE49-F238E27FC236}">
-                <a16:creationId xmlns="" xmlns:a16="http://schemas.microsoft.com/office/drawing/2014/main" id="{A10B2CFF-AB82-03C3-F32F-6161409FDE6C}"/>
+                <a16:creationId xmlns:a16="http://schemas.microsoft.com/office/drawing/2014/main" xmlns="" id="{A10B2CFF-AB82-03C3-F32F-6161409FDE6C}"/>
               </a:ext>
             </a:extLst>
           </p:cNvPr>
@@ -416,7 +416,7 @@
           <p:cNvPr id="3" name="Вертикальный текст 2">
             <a:extLst>
               <a:ext uri="{FF2B5EF4-FFF2-40B4-BE49-F238E27FC236}">
-                <a16:creationId xmlns="" xmlns:a16="http://schemas.microsoft.com/office/drawing/2014/main" id="{DE258D6E-E014-7A7F-FD4B-E03DBF7CD9B2}"/>
+                <a16:creationId xmlns:a16="http://schemas.microsoft.com/office/drawing/2014/main" xmlns="" id="{DE258D6E-E014-7A7F-FD4B-E03DBF7CD9B2}"/>
               </a:ext>
             </a:extLst>
           </p:cNvPr>
@@ -473,7 +473,7 @@
           <p:cNvPr id="4" name="Дата 3">
             <a:extLst>
               <a:ext uri="{FF2B5EF4-FFF2-40B4-BE49-F238E27FC236}">
-                <a16:creationId xmlns="" xmlns:a16="http://schemas.microsoft.com/office/drawing/2014/main" id="{71A21FF6-D17C-D67C-DA6E-A2281068FF1B}"/>
+                <a16:creationId xmlns:a16="http://schemas.microsoft.com/office/drawing/2014/main" xmlns="" id="{71A21FF6-D17C-D67C-DA6E-A2281068FF1B}"/>
               </a:ext>
             </a:extLst>
           </p:cNvPr>
@@ -492,7 +492,7 @@
             <a:fld id="{ADA5A899-FE04-4992-84F0-79F7315CE005}" type="datetimeFigureOut">
               <a:rPr lang="ru-RU" smtClean="0"/>
               <a:pPr/>
-              <a:t>05.10.2022</a:t>
+              <a:t>06.10.2022</a:t>
             </a:fld>
             <a:endParaRPr lang="ru-RU"/>
           </a:p>
@@ -503,7 +503,7 @@
           <p:cNvPr id="5" name="Нижний колонтитул 4">
             <a:extLst>
               <a:ext uri="{FF2B5EF4-FFF2-40B4-BE49-F238E27FC236}">
-                <a16:creationId xmlns="" xmlns:a16="http://schemas.microsoft.com/office/drawing/2014/main" id="{2F51315D-3A0E-2099-9673-471C8D297185}"/>
+                <a16:creationId xmlns:a16="http://schemas.microsoft.com/office/drawing/2014/main" xmlns="" id="{2F51315D-3A0E-2099-9673-471C8D297185}"/>
               </a:ext>
             </a:extLst>
           </p:cNvPr>
@@ -528,7 +528,7 @@
           <p:cNvPr id="6" name="Номер слайда 5">
             <a:extLst>
               <a:ext uri="{FF2B5EF4-FFF2-40B4-BE49-F238E27FC236}">
-                <a16:creationId xmlns="" xmlns:a16="http://schemas.microsoft.com/office/drawing/2014/main" id="{86D72241-8282-AC00-E3C4-1EC726D41963}"/>
+                <a16:creationId xmlns:a16="http://schemas.microsoft.com/office/drawing/2014/main" xmlns="" id="{86D72241-8282-AC00-E3C4-1EC726D41963}"/>
               </a:ext>
             </a:extLst>
           </p:cNvPr>
@@ -556,7 +556,7 @@
     </p:spTree>
     <p:extLst>
       <p:ext uri="{BB962C8B-B14F-4D97-AF65-F5344CB8AC3E}">
-        <p14:creationId xmlns:p14="http://schemas.microsoft.com/office/powerpoint/2010/main" xmlns="" val="476647262"/>
+        <p14:creationId xmlns="" xmlns:p14="http://schemas.microsoft.com/office/powerpoint/2010/main" val="476647262"/>
       </p:ext>
     </p:extLst>
   </p:cSld>
@@ -588,7 +588,7 @@
           <p:cNvPr id="2" name="Вертикальный заголовок 1">
             <a:extLst>
               <a:ext uri="{FF2B5EF4-FFF2-40B4-BE49-F238E27FC236}">
-                <a16:creationId xmlns="" xmlns:a16="http://schemas.microsoft.com/office/drawing/2014/main" id="{C74891AD-0420-D0C7-3DA8-8163EE207834}"/>
+                <a16:creationId xmlns:a16="http://schemas.microsoft.com/office/drawing/2014/main" xmlns="" id="{C74891AD-0420-D0C7-3DA8-8163EE207834}"/>
               </a:ext>
             </a:extLst>
           </p:cNvPr>
@@ -621,7 +621,7 @@
           <p:cNvPr id="3" name="Вертикальный текст 2">
             <a:extLst>
               <a:ext uri="{FF2B5EF4-FFF2-40B4-BE49-F238E27FC236}">
-                <a16:creationId xmlns="" xmlns:a16="http://schemas.microsoft.com/office/drawing/2014/main" id="{BA2096B8-E349-969E-D59E-00F39D708BB2}"/>
+                <a16:creationId xmlns:a16="http://schemas.microsoft.com/office/drawing/2014/main" xmlns="" id="{BA2096B8-E349-969E-D59E-00F39D708BB2}"/>
               </a:ext>
             </a:extLst>
           </p:cNvPr>
@@ -683,7 +683,7 @@
           <p:cNvPr id="4" name="Дата 3">
             <a:extLst>
               <a:ext uri="{FF2B5EF4-FFF2-40B4-BE49-F238E27FC236}">
-                <a16:creationId xmlns="" xmlns:a16="http://schemas.microsoft.com/office/drawing/2014/main" id="{69C25D58-31DE-8BEE-84F5-205F0D8220DA}"/>
+                <a16:creationId xmlns:a16="http://schemas.microsoft.com/office/drawing/2014/main" xmlns="" id="{69C25D58-31DE-8BEE-84F5-205F0D8220DA}"/>
               </a:ext>
             </a:extLst>
           </p:cNvPr>
@@ -702,7 +702,7 @@
             <a:fld id="{ADA5A899-FE04-4992-84F0-79F7315CE005}" type="datetimeFigureOut">
               <a:rPr lang="ru-RU" smtClean="0"/>
               <a:pPr/>
-              <a:t>05.10.2022</a:t>
+              <a:t>06.10.2022</a:t>
             </a:fld>
             <a:endParaRPr lang="ru-RU"/>
           </a:p>
@@ -713,7 +713,7 @@
           <p:cNvPr id="5" name="Нижний колонтитул 4">
             <a:extLst>
               <a:ext uri="{FF2B5EF4-FFF2-40B4-BE49-F238E27FC236}">
-                <a16:creationId xmlns="" xmlns:a16="http://schemas.microsoft.com/office/drawing/2014/main" id="{1200D78E-3621-B5A0-296F-3AE6064C881B}"/>
+                <a16:creationId xmlns:a16="http://schemas.microsoft.com/office/drawing/2014/main" xmlns="" id="{1200D78E-3621-B5A0-296F-3AE6064C881B}"/>
               </a:ext>
             </a:extLst>
           </p:cNvPr>
@@ -738,7 +738,7 @@
           <p:cNvPr id="6" name="Номер слайда 5">
             <a:extLst>
               <a:ext uri="{FF2B5EF4-FFF2-40B4-BE49-F238E27FC236}">
-                <a16:creationId xmlns="" xmlns:a16="http://schemas.microsoft.com/office/drawing/2014/main" id="{22801EF9-AD0E-9305-7A5F-BA5D57BAF8CD}"/>
+                <a16:creationId xmlns:a16="http://schemas.microsoft.com/office/drawing/2014/main" xmlns="" id="{22801EF9-AD0E-9305-7A5F-BA5D57BAF8CD}"/>
               </a:ext>
             </a:extLst>
           </p:cNvPr>
@@ -766,7 +766,7 @@
     </p:spTree>
     <p:extLst>
       <p:ext uri="{BB962C8B-B14F-4D97-AF65-F5344CB8AC3E}">
-        <p14:creationId xmlns:p14="http://schemas.microsoft.com/office/powerpoint/2010/main" xmlns="" val="4201004194"/>
+        <p14:creationId xmlns="" xmlns:p14="http://schemas.microsoft.com/office/powerpoint/2010/main" val="4201004194"/>
       </p:ext>
     </p:extLst>
   </p:cSld>
@@ -798,7 +798,7 @@
           <p:cNvPr id="2" name="Заголовок 1">
             <a:extLst>
               <a:ext uri="{FF2B5EF4-FFF2-40B4-BE49-F238E27FC236}">
-                <a16:creationId xmlns="" xmlns:a16="http://schemas.microsoft.com/office/drawing/2014/main" id="{9679A5A8-87F3-2FE7-AA0B-006AD31849FC}"/>
+                <a16:creationId xmlns:a16="http://schemas.microsoft.com/office/drawing/2014/main" xmlns="" id="{9679A5A8-87F3-2FE7-AA0B-006AD31849FC}"/>
               </a:ext>
             </a:extLst>
           </p:cNvPr>
@@ -826,7 +826,7 @@
           <p:cNvPr id="3" name="Объект 2">
             <a:extLst>
               <a:ext uri="{FF2B5EF4-FFF2-40B4-BE49-F238E27FC236}">
-                <a16:creationId xmlns="" xmlns:a16="http://schemas.microsoft.com/office/drawing/2014/main" id="{901121FF-5217-AE0C-0534-37B1E320A9BE}"/>
+                <a16:creationId xmlns:a16="http://schemas.microsoft.com/office/drawing/2014/main" xmlns="" id="{901121FF-5217-AE0C-0534-37B1E320A9BE}"/>
               </a:ext>
             </a:extLst>
           </p:cNvPr>
@@ -883,7 +883,7 @@
           <p:cNvPr id="4" name="Дата 3">
             <a:extLst>
               <a:ext uri="{FF2B5EF4-FFF2-40B4-BE49-F238E27FC236}">
-                <a16:creationId xmlns="" xmlns:a16="http://schemas.microsoft.com/office/drawing/2014/main" id="{A5F63383-F5DA-10B2-E837-68D33D937299}"/>
+                <a16:creationId xmlns:a16="http://schemas.microsoft.com/office/drawing/2014/main" xmlns="" id="{A5F63383-F5DA-10B2-E837-68D33D937299}"/>
               </a:ext>
             </a:extLst>
           </p:cNvPr>
@@ -902,7 +902,7 @@
             <a:fld id="{ADA5A899-FE04-4992-84F0-79F7315CE005}" type="datetimeFigureOut">
               <a:rPr lang="ru-RU" smtClean="0"/>
               <a:pPr/>
-              <a:t>05.10.2022</a:t>
+              <a:t>06.10.2022</a:t>
             </a:fld>
             <a:endParaRPr lang="ru-RU"/>
           </a:p>
@@ -913,7 +913,7 @@
           <p:cNvPr id="5" name="Нижний колонтитул 4">
             <a:extLst>
               <a:ext uri="{FF2B5EF4-FFF2-40B4-BE49-F238E27FC236}">
-                <a16:creationId xmlns="" xmlns:a16="http://schemas.microsoft.com/office/drawing/2014/main" id="{6D2AC90C-BB10-94E4-E96D-5926EDFBDE10}"/>
+                <a16:creationId xmlns:a16="http://schemas.microsoft.com/office/drawing/2014/main" xmlns="" id="{6D2AC90C-BB10-94E4-E96D-5926EDFBDE10}"/>
               </a:ext>
             </a:extLst>
           </p:cNvPr>
@@ -938,7 +938,7 @@
           <p:cNvPr id="6" name="Номер слайда 5">
             <a:extLst>
               <a:ext uri="{FF2B5EF4-FFF2-40B4-BE49-F238E27FC236}">
-                <a16:creationId xmlns="" xmlns:a16="http://schemas.microsoft.com/office/drawing/2014/main" id="{A0DB5FF3-27E5-ECD7-6065-7E94E6A8555F}"/>
+                <a16:creationId xmlns:a16="http://schemas.microsoft.com/office/drawing/2014/main" xmlns="" id="{A0DB5FF3-27E5-ECD7-6065-7E94E6A8555F}"/>
               </a:ext>
             </a:extLst>
           </p:cNvPr>
@@ -966,7 +966,7 @@
     </p:spTree>
     <p:extLst>
       <p:ext uri="{BB962C8B-B14F-4D97-AF65-F5344CB8AC3E}">
-        <p14:creationId xmlns:p14="http://schemas.microsoft.com/office/powerpoint/2010/main" xmlns="" val="3663878534"/>
+        <p14:creationId xmlns="" xmlns:p14="http://schemas.microsoft.com/office/powerpoint/2010/main" val="3663878534"/>
       </p:ext>
     </p:extLst>
   </p:cSld>
@@ -998,7 +998,7 @@
           <p:cNvPr id="2" name="Заголовок 1">
             <a:extLst>
               <a:ext uri="{FF2B5EF4-FFF2-40B4-BE49-F238E27FC236}">
-                <a16:creationId xmlns="" xmlns:a16="http://schemas.microsoft.com/office/drawing/2014/main" id="{DD557F2C-9CD1-EEE2-EFD8-CA5356037721}"/>
+                <a16:creationId xmlns:a16="http://schemas.microsoft.com/office/drawing/2014/main" xmlns="" id="{DD557F2C-9CD1-EEE2-EFD8-CA5356037721}"/>
               </a:ext>
             </a:extLst>
           </p:cNvPr>
@@ -1035,7 +1035,7 @@
           <p:cNvPr id="3" name="Текст 2">
             <a:extLst>
               <a:ext uri="{FF2B5EF4-FFF2-40B4-BE49-F238E27FC236}">
-                <a16:creationId xmlns="" xmlns:a16="http://schemas.microsoft.com/office/drawing/2014/main" id="{D8950F90-CBA5-D33D-3E59-064DB5E54181}"/>
+                <a16:creationId xmlns:a16="http://schemas.microsoft.com/office/drawing/2014/main" xmlns="" id="{D8950F90-CBA5-D33D-3E59-064DB5E54181}"/>
               </a:ext>
             </a:extLst>
           </p:cNvPr>
@@ -1160,7 +1160,7 @@
           <p:cNvPr id="4" name="Дата 3">
             <a:extLst>
               <a:ext uri="{FF2B5EF4-FFF2-40B4-BE49-F238E27FC236}">
-                <a16:creationId xmlns="" xmlns:a16="http://schemas.microsoft.com/office/drawing/2014/main" id="{766500B9-25A6-8354-307A-5965FAC6FB3D}"/>
+                <a16:creationId xmlns:a16="http://schemas.microsoft.com/office/drawing/2014/main" xmlns="" id="{766500B9-25A6-8354-307A-5965FAC6FB3D}"/>
               </a:ext>
             </a:extLst>
           </p:cNvPr>
@@ -1179,7 +1179,7 @@
             <a:fld id="{ADA5A899-FE04-4992-84F0-79F7315CE005}" type="datetimeFigureOut">
               <a:rPr lang="ru-RU" smtClean="0"/>
               <a:pPr/>
-              <a:t>05.10.2022</a:t>
+              <a:t>06.10.2022</a:t>
             </a:fld>
             <a:endParaRPr lang="ru-RU"/>
           </a:p>
@@ -1190,7 +1190,7 @@
           <p:cNvPr id="5" name="Нижний колонтитул 4">
             <a:extLst>
               <a:ext uri="{FF2B5EF4-FFF2-40B4-BE49-F238E27FC236}">
-                <a16:creationId xmlns="" xmlns:a16="http://schemas.microsoft.com/office/drawing/2014/main" id="{EE82C732-66F5-ED99-E2D5-88A275B2C8F4}"/>
+                <a16:creationId xmlns:a16="http://schemas.microsoft.com/office/drawing/2014/main" xmlns="" id="{EE82C732-66F5-ED99-E2D5-88A275B2C8F4}"/>
               </a:ext>
             </a:extLst>
           </p:cNvPr>
@@ -1215,7 +1215,7 @@
           <p:cNvPr id="6" name="Номер слайда 5">
             <a:extLst>
               <a:ext uri="{FF2B5EF4-FFF2-40B4-BE49-F238E27FC236}">
-                <a16:creationId xmlns="" xmlns:a16="http://schemas.microsoft.com/office/drawing/2014/main" id="{205C899B-F1AC-1E34-CEFB-AAD93600D48D}"/>
+                <a16:creationId xmlns:a16="http://schemas.microsoft.com/office/drawing/2014/main" xmlns="" id="{205C899B-F1AC-1E34-CEFB-AAD93600D48D}"/>
               </a:ext>
             </a:extLst>
           </p:cNvPr>
@@ -1243,7 +1243,7 @@
     </p:spTree>
     <p:extLst>
       <p:ext uri="{BB962C8B-B14F-4D97-AF65-F5344CB8AC3E}">
-        <p14:creationId xmlns:p14="http://schemas.microsoft.com/office/powerpoint/2010/main" xmlns="" val="2414508979"/>
+        <p14:creationId xmlns="" xmlns:p14="http://schemas.microsoft.com/office/powerpoint/2010/main" val="2414508979"/>
       </p:ext>
     </p:extLst>
   </p:cSld>
@@ -1275,7 +1275,7 @@
           <p:cNvPr id="2" name="Заголовок 1">
             <a:extLst>
               <a:ext uri="{FF2B5EF4-FFF2-40B4-BE49-F238E27FC236}">
-                <a16:creationId xmlns="" xmlns:a16="http://schemas.microsoft.com/office/drawing/2014/main" id="{0E5C556E-5BA4-25DC-98DE-0A4949E29549}"/>
+                <a16:creationId xmlns:a16="http://schemas.microsoft.com/office/drawing/2014/main" xmlns="" id="{0E5C556E-5BA4-25DC-98DE-0A4949E29549}"/>
               </a:ext>
             </a:extLst>
           </p:cNvPr>
@@ -1303,7 +1303,7 @@
           <p:cNvPr id="3" name="Объект 2">
             <a:extLst>
               <a:ext uri="{FF2B5EF4-FFF2-40B4-BE49-F238E27FC236}">
-                <a16:creationId xmlns="" xmlns:a16="http://schemas.microsoft.com/office/drawing/2014/main" id="{7425C5BE-6896-0A4D-5AFA-1FAE69A97CAD}"/>
+                <a16:creationId xmlns:a16="http://schemas.microsoft.com/office/drawing/2014/main" xmlns="" id="{7425C5BE-6896-0A4D-5AFA-1FAE69A97CAD}"/>
               </a:ext>
             </a:extLst>
           </p:cNvPr>
@@ -1365,7 +1365,7 @@
           <p:cNvPr id="4" name="Объект 3">
             <a:extLst>
               <a:ext uri="{FF2B5EF4-FFF2-40B4-BE49-F238E27FC236}">
-                <a16:creationId xmlns="" xmlns:a16="http://schemas.microsoft.com/office/drawing/2014/main" id="{31C00418-E37A-2786-C67B-B50C3CE53231}"/>
+                <a16:creationId xmlns:a16="http://schemas.microsoft.com/office/drawing/2014/main" xmlns="" id="{31C00418-E37A-2786-C67B-B50C3CE53231}"/>
               </a:ext>
             </a:extLst>
           </p:cNvPr>
@@ -1427,7 +1427,7 @@
           <p:cNvPr id="5" name="Дата 4">
             <a:extLst>
               <a:ext uri="{FF2B5EF4-FFF2-40B4-BE49-F238E27FC236}">
-                <a16:creationId xmlns="" xmlns:a16="http://schemas.microsoft.com/office/drawing/2014/main" id="{82311B34-B094-DEA9-0487-CCE77AB53978}"/>
+                <a16:creationId xmlns:a16="http://schemas.microsoft.com/office/drawing/2014/main" xmlns="" id="{82311B34-B094-DEA9-0487-CCE77AB53978}"/>
               </a:ext>
             </a:extLst>
           </p:cNvPr>
@@ -1446,7 +1446,7 @@
             <a:fld id="{ADA5A899-FE04-4992-84F0-79F7315CE005}" type="datetimeFigureOut">
               <a:rPr lang="ru-RU" smtClean="0"/>
               <a:pPr/>
-              <a:t>05.10.2022</a:t>
+              <a:t>06.10.2022</a:t>
             </a:fld>
             <a:endParaRPr lang="ru-RU"/>
           </a:p>
@@ -1457,7 +1457,7 @@
           <p:cNvPr id="6" name="Нижний колонтитул 5">
             <a:extLst>
               <a:ext uri="{FF2B5EF4-FFF2-40B4-BE49-F238E27FC236}">
-                <a16:creationId xmlns="" xmlns:a16="http://schemas.microsoft.com/office/drawing/2014/main" id="{EA3A2682-2931-8785-4E08-0C676B293946}"/>
+                <a16:creationId xmlns:a16="http://schemas.microsoft.com/office/drawing/2014/main" xmlns="" id="{EA3A2682-2931-8785-4E08-0C676B293946}"/>
               </a:ext>
             </a:extLst>
           </p:cNvPr>
@@ -1482,7 +1482,7 @@
           <p:cNvPr id="7" name="Номер слайда 6">
             <a:extLst>
               <a:ext uri="{FF2B5EF4-FFF2-40B4-BE49-F238E27FC236}">
-                <a16:creationId xmlns="" xmlns:a16="http://schemas.microsoft.com/office/drawing/2014/main" id="{EE8B88A0-DA0B-ECEB-086B-CAD2B03B2577}"/>
+                <a16:creationId xmlns:a16="http://schemas.microsoft.com/office/drawing/2014/main" xmlns="" id="{EE8B88A0-DA0B-ECEB-086B-CAD2B03B2577}"/>
               </a:ext>
             </a:extLst>
           </p:cNvPr>
@@ -1510,7 +1510,7 @@
     </p:spTree>
     <p:extLst>
       <p:ext uri="{BB962C8B-B14F-4D97-AF65-F5344CB8AC3E}">
-        <p14:creationId xmlns:p14="http://schemas.microsoft.com/office/powerpoint/2010/main" xmlns="" val="2371532081"/>
+        <p14:creationId xmlns="" xmlns:p14="http://schemas.microsoft.com/office/powerpoint/2010/main" val="2371532081"/>
       </p:ext>
     </p:extLst>
   </p:cSld>
@@ -1542,7 +1542,7 @@
           <p:cNvPr id="2" name="Заголовок 1">
             <a:extLst>
               <a:ext uri="{FF2B5EF4-FFF2-40B4-BE49-F238E27FC236}">
-                <a16:creationId xmlns="" xmlns:a16="http://schemas.microsoft.com/office/drawing/2014/main" id="{A20B92AA-AEE3-B9EB-BFB8-CD638D676C96}"/>
+                <a16:creationId xmlns:a16="http://schemas.microsoft.com/office/drawing/2014/main" xmlns="" id="{A20B92AA-AEE3-B9EB-BFB8-CD638D676C96}"/>
               </a:ext>
             </a:extLst>
           </p:cNvPr>
@@ -1575,7 +1575,7 @@
           <p:cNvPr id="3" name="Текст 2">
             <a:extLst>
               <a:ext uri="{FF2B5EF4-FFF2-40B4-BE49-F238E27FC236}">
-                <a16:creationId xmlns="" xmlns:a16="http://schemas.microsoft.com/office/drawing/2014/main" id="{11896D86-1039-0B56-5FF6-1FD7F4DD5606}"/>
+                <a16:creationId xmlns:a16="http://schemas.microsoft.com/office/drawing/2014/main" xmlns="" id="{11896D86-1039-0B56-5FF6-1FD7F4DD5606}"/>
               </a:ext>
             </a:extLst>
           </p:cNvPr>
@@ -1646,7 +1646,7 @@
           <p:cNvPr id="4" name="Объект 3">
             <a:extLst>
               <a:ext uri="{FF2B5EF4-FFF2-40B4-BE49-F238E27FC236}">
-                <a16:creationId xmlns="" xmlns:a16="http://schemas.microsoft.com/office/drawing/2014/main" id="{288A1A6F-EBB8-8F7C-E989-86CCB98DDD97}"/>
+                <a16:creationId xmlns:a16="http://schemas.microsoft.com/office/drawing/2014/main" xmlns="" id="{288A1A6F-EBB8-8F7C-E989-86CCB98DDD97}"/>
               </a:ext>
             </a:extLst>
           </p:cNvPr>
@@ -1708,7 +1708,7 @@
           <p:cNvPr id="5" name="Текст 4">
             <a:extLst>
               <a:ext uri="{FF2B5EF4-FFF2-40B4-BE49-F238E27FC236}">
-                <a16:creationId xmlns="" xmlns:a16="http://schemas.microsoft.com/office/drawing/2014/main" id="{EF2A3D12-F19B-6769-DEC7-374A6840A3F8}"/>
+                <a16:creationId xmlns:a16="http://schemas.microsoft.com/office/drawing/2014/main" xmlns="" id="{EF2A3D12-F19B-6769-DEC7-374A6840A3F8}"/>
               </a:ext>
             </a:extLst>
           </p:cNvPr>
@@ -1779,7 +1779,7 @@
           <p:cNvPr id="6" name="Объект 5">
             <a:extLst>
               <a:ext uri="{FF2B5EF4-FFF2-40B4-BE49-F238E27FC236}">
-                <a16:creationId xmlns="" xmlns:a16="http://schemas.microsoft.com/office/drawing/2014/main" id="{F54F1F2F-BAD1-F721-B349-E472E8069CD0}"/>
+                <a16:creationId xmlns:a16="http://schemas.microsoft.com/office/drawing/2014/main" xmlns="" id="{F54F1F2F-BAD1-F721-B349-E472E8069CD0}"/>
               </a:ext>
             </a:extLst>
           </p:cNvPr>
@@ -1841,7 +1841,7 @@
           <p:cNvPr id="7" name="Дата 6">
             <a:extLst>
               <a:ext uri="{FF2B5EF4-FFF2-40B4-BE49-F238E27FC236}">
-                <a16:creationId xmlns="" xmlns:a16="http://schemas.microsoft.com/office/drawing/2014/main" id="{5BC14E07-3A8B-0586-4379-E86ADCA9223B}"/>
+                <a16:creationId xmlns:a16="http://schemas.microsoft.com/office/drawing/2014/main" xmlns="" id="{5BC14E07-3A8B-0586-4379-E86ADCA9223B}"/>
               </a:ext>
             </a:extLst>
           </p:cNvPr>
@@ -1860,7 +1860,7 @@
             <a:fld id="{ADA5A899-FE04-4992-84F0-79F7315CE005}" type="datetimeFigureOut">
               <a:rPr lang="ru-RU" smtClean="0"/>
               <a:pPr/>
-              <a:t>05.10.2022</a:t>
+              <a:t>06.10.2022</a:t>
             </a:fld>
             <a:endParaRPr lang="ru-RU"/>
           </a:p>
@@ -1871,7 +1871,7 @@
           <p:cNvPr id="8" name="Нижний колонтитул 7">
             <a:extLst>
               <a:ext uri="{FF2B5EF4-FFF2-40B4-BE49-F238E27FC236}">
-                <a16:creationId xmlns="" xmlns:a16="http://schemas.microsoft.com/office/drawing/2014/main" id="{8EA34202-CDA7-C42D-ED34-D1C59CE37313}"/>
+                <a16:creationId xmlns:a16="http://schemas.microsoft.com/office/drawing/2014/main" xmlns="" id="{8EA34202-CDA7-C42D-ED34-D1C59CE37313}"/>
               </a:ext>
             </a:extLst>
           </p:cNvPr>
@@ -1896,7 +1896,7 @@
           <p:cNvPr id="9" name="Номер слайда 8">
             <a:extLst>
               <a:ext uri="{FF2B5EF4-FFF2-40B4-BE49-F238E27FC236}">
-                <a16:creationId xmlns="" xmlns:a16="http://schemas.microsoft.com/office/drawing/2014/main" id="{21DEB446-9600-8D80-DFE6-ACB940F82EFF}"/>
+                <a16:creationId xmlns:a16="http://schemas.microsoft.com/office/drawing/2014/main" xmlns="" id="{21DEB446-9600-8D80-DFE6-ACB940F82EFF}"/>
               </a:ext>
             </a:extLst>
           </p:cNvPr>
@@ -1924,7 +1924,7 @@
     </p:spTree>
     <p:extLst>
       <p:ext uri="{BB962C8B-B14F-4D97-AF65-F5344CB8AC3E}">
-        <p14:creationId xmlns:p14="http://schemas.microsoft.com/office/powerpoint/2010/main" xmlns="" val="2086624801"/>
+        <p14:creationId xmlns="" xmlns:p14="http://schemas.microsoft.com/office/powerpoint/2010/main" val="2086624801"/>
       </p:ext>
     </p:extLst>
   </p:cSld>
@@ -1956,7 +1956,7 @@
           <p:cNvPr id="2" name="Заголовок 1">
             <a:extLst>
               <a:ext uri="{FF2B5EF4-FFF2-40B4-BE49-F238E27FC236}">
-                <a16:creationId xmlns="" xmlns:a16="http://schemas.microsoft.com/office/drawing/2014/main" id="{09F191D6-FC8F-4122-1E7A-CB7D91B594FA}"/>
+                <a16:creationId xmlns:a16="http://schemas.microsoft.com/office/drawing/2014/main" xmlns="" id="{09F191D6-FC8F-4122-1E7A-CB7D91B594FA}"/>
               </a:ext>
             </a:extLst>
           </p:cNvPr>
@@ -1984,7 +1984,7 @@
           <p:cNvPr id="3" name="Дата 2">
             <a:extLst>
               <a:ext uri="{FF2B5EF4-FFF2-40B4-BE49-F238E27FC236}">
-                <a16:creationId xmlns="" xmlns:a16="http://schemas.microsoft.com/office/drawing/2014/main" id="{B61B76AB-16A2-E802-C3FC-9FA43AF95803}"/>
+                <a16:creationId xmlns:a16="http://schemas.microsoft.com/office/drawing/2014/main" xmlns="" id="{B61B76AB-16A2-E802-C3FC-9FA43AF95803}"/>
               </a:ext>
             </a:extLst>
           </p:cNvPr>
@@ -2003,7 +2003,7 @@
             <a:fld id="{ADA5A899-FE04-4992-84F0-79F7315CE005}" type="datetimeFigureOut">
               <a:rPr lang="ru-RU" smtClean="0"/>
               <a:pPr/>
-              <a:t>05.10.2022</a:t>
+              <a:t>06.10.2022</a:t>
             </a:fld>
             <a:endParaRPr lang="ru-RU"/>
           </a:p>
@@ -2014,7 +2014,7 @@
           <p:cNvPr id="4" name="Нижний колонтитул 3">
             <a:extLst>
               <a:ext uri="{FF2B5EF4-FFF2-40B4-BE49-F238E27FC236}">
-                <a16:creationId xmlns="" xmlns:a16="http://schemas.microsoft.com/office/drawing/2014/main" id="{9F128097-44C9-BE96-6E6C-9F666CECC82E}"/>
+                <a16:creationId xmlns:a16="http://schemas.microsoft.com/office/drawing/2014/main" xmlns="" id="{9F128097-44C9-BE96-6E6C-9F666CECC82E}"/>
               </a:ext>
             </a:extLst>
           </p:cNvPr>
@@ -2039,7 +2039,7 @@
           <p:cNvPr id="5" name="Номер слайда 4">
             <a:extLst>
               <a:ext uri="{FF2B5EF4-FFF2-40B4-BE49-F238E27FC236}">
-                <a16:creationId xmlns="" xmlns:a16="http://schemas.microsoft.com/office/drawing/2014/main" id="{14EB260B-B2AF-E4CB-3F5F-CED1D6DBC088}"/>
+                <a16:creationId xmlns:a16="http://schemas.microsoft.com/office/drawing/2014/main" xmlns="" id="{14EB260B-B2AF-E4CB-3F5F-CED1D6DBC088}"/>
               </a:ext>
             </a:extLst>
           </p:cNvPr>
@@ -2067,7 +2067,7 @@
     </p:spTree>
     <p:extLst>
       <p:ext uri="{BB962C8B-B14F-4D97-AF65-F5344CB8AC3E}">
-        <p14:creationId xmlns:p14="http://schemas.microsoft.com/office/powerpoint/2010/main" xmlns="" val="1452925811"/>
+        <p14:creationId xmlns="" xmlns:p14="http://schemas.microsoft.com/office/powerpoint/2010/main" val="1452925811"/>
       </p:ext>
     </p:extLst>
   </p:cSld>
@@ -2099,7 +2099,7 @@
           <p:cNvPr id="2" name="Дата 1">
             <a:extLst>
               <a:ext uri="{FF2B5EF4-FFF2-40B4-BE49-F238E27FC236}">
-                <a16:creationId xmlns="" xmlns:a16="http://schemas.microsoft.com/office/drawing/2014/main" id="{C08BA097-9465-E7D4-8D20-56FBD4D856B4}"/>
+                <a16:creationId xmlns:a16="http://schemas.microsoft.com/office/drawing/2014/main" xmlns="" id="{C08BA097-9465-E7D4-8D20-56FBD4D856B4}"/>
               </a:ext>
             </a:extLst>
           </p:cNvPr>
@@ -2118,7 +2118,7 @@
             <a:fld id="{ADA5A899-FE04-4992-84F0-79F7315CE005}" type="datetimeFigureOut">
               <a:rPr lang="ru-RU" smtClean="0"/>
               <a:pPr/>
-              <a:t>05.10.2022</a:t>
+              <a:t>06.10.2022</a:t>
             </a:fld>
             <a:endParaRPr lang="ru-RU"/>
           </a:p>
@@ -2129,7 +2129,7 @@
           <p:cNvPr id="3" name="Нижний колонтитул 2">
             <a:extLst>
               <a:ext uri="{FF2B5EF4-FFF2-40B4-BE49-F238E27FC236}">
-                <a16:creationId xmlns="" xmlns:a16="http://schemas.microsoft.com/office/drawing/2014/main" id="{F1BA0DE9-56D7-206B-FC56-55D7F09F814C}"/>
+                <a16:creationId xmlns:a16="http://schemas.microsoft.com/office/drawing/2014/main" xmlns="" id="{F1BA0DE9-56D7-206B-FC56-55D7F09F814C}"/>
               </a:ext>
             </a:extLst>
           </p:cNvPr>
@@ -2154,7 +2154,7 @@
           <p:cNvPr id="4" name="Номер слайда 3">
             <a:extLst>
               <a:ext uri="{FF2B5EF4-FFF2-40B4-BE49-F238E27FC236}">
-                <a16:creationId xmlns="" xmlns:a16="http://schemas.microsoft.com/office/drawing/2014/main" id="{6771ACC4-5A37-479E-C3D9-3A5BFD7CFF40}"/>
+                <a16:creationId xmlns:a16="http://schemas.microsoft.com/office/drawing/2014/main" xmlns="" id="{6771ACC4-5A37-479E-C3D9-3A5BFD7CFF40}"/>
               </a:ext>
             </a:extLst>
           </p:cNvPr>
@@ -2182,7 +2182,7 @@
     </p:spTree>
     <p:extLst>
       <p:ext uri="{BB962C8B-B14F-4D97-AF65-F5344CB8AC3E}">
-        <p14:creationId xmlns:p14="http://schemas.microsoft.com/office/powerpoint/2010/main" xmlns="" val="414686634"/>
+        <p14:creationId xmlns="" xmlns:p14="http://schemas.microsoft.com/office/powerpoint/2010/main" val="414686634"/>
       </p:ext>
     </p:extLst>
   </p:cSld>
@@ -2214,7 +2214,7 @@
           <p:cNvPr id="2" name="Заголовок 1">
             <a:extLst>
               <a:ext uri="{FF2B5EF4-FFF2-40B4-BE49-F238E27FC236}">
-                <a16:creationId xmlns="" xmlns:a16="http://schemas.microsoft.com/office/drawing/2014/main" id="{8A29A7F3-D292-947B-9F72-953419EA0BE6}"/>
+                <a16:creationId xmlns:a16="http://schemas.microsoft.com/office/drawing/2014/main" xmlns="" id="{8A29A7F3-D292-947B-9F72-953419EA0BE6}"/>
               </a:ext>
             </a:extLst>
           </p:cNvPr>
@@ -2251,7 +2251,7 @@
           <p:cNvPr id="3" name="Объект 2">
             <a:extLst>
               <a:ext uri="{FF2B5EF4-FFF2-40B4-BE49-F238E27FC236}">
-                <a16:creationId xmlns="" xmlns:a16="http://schemas.microsoft.com/office/drawing/2014/main" id="{F93BD3E1-5A95-6E75-9C35-48B0178D0CE0}"/>
+                <a16:creationId xmlns:a16="http://schemas.microsoft.com/office/drawing/2014/main" xmlns="" id="{F93BD3E1-5A95-6E75-9C35-48B0178D0CE0}"/>
               </a:ext>
             </a:extLst>
           </p:cNvPr>
@@ -2341,7 +2341,7 @@
           <p:cNvPr id="4" name="Текст 3">
             <a:extLst>
               <a:ext uri="{FF2B5EF4-FFF2-40B4-BE49-F238E27FC236}">
-                <a16:creationId xmlns="" xmlns:a16="http://schemas.microsoft.com/office/drawing/2014/main" id="{F05B45C3-0F25-CDA6-E26C-437063A8C9B6}"/>
+                <a16:creationId xmlns:a16="http://schemas.microsoft.com/office/drawing/2014/main" xmlns="" id="{F05B45C3-0F25-CDA6-E26C-437063A8C9B6}"/>
               </a:ext>
             </a:extLst>
           </p:cNvPr>
@@ -2412,7 +2412,7 @@
           <p:cNvPr id="5" name="Дата 4">
             <a:extLst>
               <a:ext uri="{FF2B5EF4-FFF2-40B4-BE49-F238E27FC236}">
-                <a16:creationId xmlns="" xmlns:a16="http://schemas.microsoft.com/office/drawing/2014/main" id="{DFF78B1B-E2D0-5CC5-67A8-D0DBA9D4F69B}"/>
+                <a16:creationId xmlns:a16="http://schemas.microsoft.com/office/drawing/2014/main" xmlns="" id="{DFF78B1B-E2D0-5CC5-67A8-D0DBA9D4F69B}"/>
               </a:ext>
             </a:extLst>
           </p:cNvPr>
@@ -2431,7 +2431,7 @@
             <a:fld id="{ADA5A899-FE04-4992-84F0-79F7315CE005}" type="datetimeFigureOut">
               <a:rPr lang="ru-RU" smtClean="0"/>
               <a:pPr/>
-              <a:t>05.10.2022</a:t>
+              <a:t>06.10.2022</a:t>
             </a:fld>
             <a:endParaRPr lang="ru-RU"/>
           </a:p>
@@ -2442,7 +2442,7 @@
           <p:cNvPr id="6" name="Нижний колонтитул 5">
             <a:extLst>
               <a:ext uri="{FF2B5EF4-FFF2-40B4-BE49-F238E27FC236}">
-                <a16:creationId xmlns="" xmlns:a16="http://schemas.microsoft.com/office/drawing/2014/main" id="{DB59C205-F0AD-394B-8EFF-A63FB72ABA42}"/>
+                <a16:creationId xmlns:a16="http://schemas.microsoft.com/office/drawing/2014/main" xmlns="" id="{DB59C205-F0AD-394B-8EFF-A63FB72ABA42}"/>
               </a:ext>
             </a:extLst>
           </p:cNvPr>
@@ -2467,7 +2467,7 @@
           <p:cNvPr id="7" name="Номер слайда 6">
             <a:extLst>
               <a:ext uri="{FF2B5EF4-FFF2-40B4-BE49-F238E27FC236}">
-                <a16:creationId xmlns="" xmlns:a16="http://schemas.microsoft.com/office/drawing/2014/main" id="{AE043324-0615-A5FD-3FB7-0C8F9AA11EAB}"/>
+                <a16:creationId xmlns:a16="http://schemas.microsoft.com/office/drawing/2014/main" xmlns="" id="{AE043324-0615-A5FD-3FB7-0C8F9AA11EAB}"/>
               </a:ext>
             </a:extLst>
           </p:cNvPr>
@@ -2495,7 +2495,7 @@
     </p:spTree>
     <p:extLst>
       <p:ext uri="{BB962C8B-B14F-4D97-AF65-F5344CB8AC3E}">
-        <p14:creationId xmlns:p14="http://schemas.microsoft.com/office/powerpoint/2010/main" xmlns="" val="793283567"/>
+        <p14:creationId xmlns="" xmlns:p14="http://schemas.microsoft.com/office/powerpoint/2010/main" val="793283567"/>
       </p:ext>
     </p:extLst>
   </p:cSld>
@@ -2527,7 +2527,7 @@
           <p:cNvPr id="2" name="Заголовок 1">
             <a:extLst>
               <a:ext uri="{FF2B5EF4-FFF2-40B4-BE49-F238E27FC236}">
-                <a16:creationId xmlns="" xmlns:a16="http://schemas.microsoft.com/office/drawing/2014/main" id="{926A9D1B-012A-23C3-8320-8BFC69088265}"/>
+                <a16:creationId xmlns:a16="http://schemas.microsoft.com/office/drawing/2014/main" xmlns="" id="{926A9D1B-012A-23C3-8320-8BFC69088265}"/>
               </a:ext>
             </a:extLst>
           </p:cNvPr>
@@ -2564,7 +2564,7 @@
           <p:cNvPr id="3" name="Рисунок 2">
             <a:extLst>
               <a:ext uri="{FF2B5EF4-FFF2-40B4-BE49-F238E27FC236}">
-                <a16:creationId xmlns="" xmlns:a16="http://schemas.microsoft.com/office/drawing/2014/main" id="{9B7AA942-B3C9-D02D-42BE-A72809FBFC51}"/>
+                <a16:creationId xmlns:a16="http://schemas.microsoft.com/office/drawing/2014/main" xmlns="" id="{9B7AA942-B3C9-D02D-42BE-A72809FBFC51}"/>
               </a:ext>
             </a:extLst>
           </p:cNvPr>
@@ -2631,7 +2631,7 @@
           <p:cNvPr id="4" name="Текст 3">
             <a:extLst>
               <a:ext uri="{FF2B5EF4-FFF2-40B4-BE49-F238E27FC236}">
-                <a16:creationId xmlns="" xmlns:a16="http://schemas.microsoft.com/office/drawing/2014/main" id="{A173F51B-6622-77A6-AF90-3C6D2AB7AB9C}"/>
+                <a16:creationId xmlns:a16="http://schemas.microsoft.com/office/drawing/2014/main" xmlns="" id="{A173F51B-6622-77A6-AF90-3C6D2AB7AB9C}"/>
               </a:ext>
             </a:extLst>
           </p:cNvPr>
@@ -2702,7 +2702,7 @@
           <p:cNvPr id="5" name="Дата 4">
             <a:extLst>
               <a:ext uri="{FF2B5EF4-FFF2-40B4-BE49-F238E27FC236}">
-                <a16:creationId xmlns="" xmlns:a16="http://schemas.microsoft.com/office/drawing/2014/main" id="{325C1C5E-0053-54FB-A9CD-F501F889E70A}"/>
+                <a16:creationId xmlns:a16="http://schemas.microsoft.com/office/drawing/2014/main" xmlns="" id="{325C1C5E-0053-54FB-A9CD-F501F889E70A}"/>
               </a:ext>
             </a:extLst>
           </p:cNvPr>
@@ -2721,7 +2721,7 @@
             <a:fld id="{ADA5A899-FE04-4992-84F0-79F7315CE005}" type="datetimeFigureOut">
               <a:rPr lang="ru-RU" smtClean="0"/>
               <a:pPr/>
-              <a:t>05.10.2022</a:t>
+              <a:t>06.10.2022</a:t>
             </a:fld>
             <a:endParaRPr lang="ru-RU"/>
           </a:p>
@@ -2732,7 +2732,7 @@
           <p:cNvPr id="6" name="Нижний колонтитул 5">
             <a:extLst>
               <a:ext uri="{FF2B5EF4-FFF2-40B4-BE49-F238E27FC236}">
-                <a16:creationId xmlns="" xmlns:a16="http://schemas.microsoft.com/office/drawing/2014/main" id="{FBCD383E-F890-98A9-53F7-253522A76720}"/>
+                <a16:creationId xmlns:a16="http://schemas.microsoft.com/office/drawing/2014/main" xmlns="" id="{FBCD383E-F890-98A9-53F7-253522A76720}"/>
               </a:ext>
             </a:extLst>
           </p:cNvPr>
@@ -2757,7 +2757,7 @@
           <p:cNvPr id="7" name="Номер слайда 6">
             <a:extLst>
               <a:ext uri="{FF2B5EF4-FFF2-40B4-BE49-F238E27FC236}">
-                <a16:creationId xmlns="" xmlns:a16="http://schemas.microsoft.com/office/drawing/2014/main" id="{5F1C23E7-F475-FA57-9415-53B0F0516F16}"/>
+                <a16:creationId xmlns:a16="http://schemas.microsoft.com/office/drawing/2014/main" xmlns="" id="{5F1C23E7-F475-FA57-9415-53B0F0516F16}"/>
               </a:ext>
             </a:extLst>
           </p:cNvPr>
@@ -2785,7 +2785,7 @@
     </p:spTree>
     <p:extLst>
       <p:ext uri="{BB962C8B-B14F-4D97-AF65-F5344CB8AC3E}">
-        <p14:creationId xmlns:p14="http://schemas.microsoft.com/office/powerpoint/2010/main" xmlns="" val="2120612975"/>
+        <p14:creationId xmlns="" xmlns:p14="http://schemas.microsoft.com/office/powerpoint/2010/main" val="2120612975"/>
       </p:ext>
     </p:extLst>
   </p:cSld>
@@ -2822,7 +2822,7 @@
           <p:cNvPr id="2" name="Заголовок 1">
             <a:extLst>
               <a:ext uri="{FF2B5EF4-FFF2-40B4-BE49-F238E27FC236}">
-                <a16:creationId xmlns="" xmlns:a16="http://schemas.microsoft.com/office/drawing/2014/main" id="{6C768094-A90C-1C5F-6A20-08C258C4E5A0}"/>
+                <a16:creationId xmlns:a16="http://schemas.microsoft.com/office/drawing/2014/main" xmlns="" id="{6C768094-A90C-1C5F-6A20-08C258C4E5A0}"/>
               </a:ext>
             </a:extLst>
           </p:cNvPr>
@@ -2860,7 +2860,7 @@
           <p:cNvPr id="3" name="Текст 2">
             <a:extLst>
               <a:ext uri="{FF2B5EF4-FFF2-40B4-BE49-F238E27FC236}">
-                <a16:creationId xmlns="" xmlns:a16="http://schemas.microsoft.com/office/drawing/2014/main" id="{24B73A0C-C8E0-B34A-43C1-01FA2E140F51}"/>
+                <a16:creationId xmlns:a16="http://schemas.microsoft.com/office/drawing/2014/main" xmlns="" id="{24B73A0C-C8E0-B34A-43C1-01FA2E140F51}"/>
               </a:ext>
             </a:extLst>
           </p:cNvPr>
@@ -2927,7 +2927,7 @@
           <p:cNvPr id="4" name="Дата 3">
             <a:extLst>
               <a:ext uri="{FF2B5EF4-FFF2-40B4-BE49-F238E27FC236}">
-                <a16:creationId xmlns="" xmlns:a16="http://schemas.microsoft.com/office/drawing/2014/main" id="{FEA15550-9607-CAEA-366D-A6E55E89959A}"/>
+                <a16:creationId xmlns:a16="http://schemas.microsoft.com/office/drawing/2014/main" xmlns="" id="{FEA15550-9607-CAEA-366D-A6E55E89959A}"/>
               </a:ext>
             </a:extLst>
           </p:cNvPr>
@@ -2964,7 +2964,7 @@
             <a:fld id="{ADA5A899-FE04-4992-84F0-79F7315CE005}" type="datetimeFigureOut">
               <a:rPr lang="ru-RU" smtClean="0"/>
               <a:pPr/>
-              <a:t>05.10.2022</a:t>
+              <a:t>06.10.2022</a:t>
             </a:fld>
             <a:endParaRPr lang="ru-RU"/>
           </a:p>
@@ -2975,7 +2975,7 @@
           <p:cNvPr id="5" name="Нижний колонтитул 4">
             <a:extLst>
               <a:ext uri="{FF2B5EF4-FFF2-40B4-BE49-F238E27FC236}">
-                <a16:creationId xmlns="" xmlns:a16="http://schemas.microsoft.com/office/drawing/2014/main" id="{52C41BF5-131F-90F3-4AFF-6F80EB5D8CA4}"/>
+                <a16:creationId xmlns:a16="http://schemas.microsoft.com/office/drawing/2014/main" xmlns="" id="{52C41BF5-131F-90F3-4AFF-6F80EB5D8CA4}"/>
               </a:ext>
             </a:extLst>
           </p:cNvPr>
@@ -3018,7 +3018,7 @@
           <p:cNvPr id="6" name="Номер слайда 5">
             <a:extLst>
               <a:ext uri="{FF2B5EF4-FFF2-40B4-BE49-F238E27FC236}">
-                <a16:creationId xmlns="" xmlns:a16="http://schemas.microsoft.com/office/drawing/2014/main" id="{AF233121-A605-8E49-6A5A-3AD66077721D}"/>
+                <a16:creationId xmlns:a16="http://schemas.microsoft.com/office/drawing/2014/main" xmlns="" id="{AF233121-A605-8E49-6A5A-3AD66077721D}"/>
               </a:ext>
             </a:extLst>
           </p:cNvPr>
@@ -3064,7 +3064,7 @@
     </p:spTree>
     <p:extLst>
       <p:ext uri="{BB962C8B-B14F-4D97-AF65-F5344CB8AC3E}">
-        <p14:creationId xmlns:p14="http://schemas.microsoft.com/office/powerpoint/2010/main" xmlns="" val="2861233511"/>
+        <p14:creationId xmlns="" xmlns:p14="http://schemas.microsoft.com/office/powerpoint/2010/main" val="2861233511"/>
       </p:ext>
     </p:extLst>
   </p:cSld>
@@ -3418,7 +3418,7 @@
           <p:cNvPr id="2" name="Заголовок 1">
             <a:extLst>
               <a:ext uri="{FF2B5EF4-FFF2-40B4-BE49-F238E27FC236}">
-                <a16:creationId xmlns="" xmlns:a16="http://schemas.microsoft.com/office/drawing/2014/main" id="{7B21A4E4-2468-71F3-B3A2-6146175C7296}"/>
+                <a16:creationId xmlns:a16="http://schemas.microsoft.com/office/drawing/2014/main" xmlns="" id="{7B21A4E4-2468-71F3-B3A2-6146175C7296}"/>
               </a:ext>
             </a:extLst>
           </p:cNvPr>
@@ -3481,7 +3481,7 @@
           <p:cNvPr id="3" name="Подзаголовок 2">
             <a:extLst>
               <a:ext uri="{FF2B5EF4-FFF2-40B4-BE49-F238E27FC236}">
-                <a16:creationId xmlns="" xmlns:a16="http://schemas.microsoft.com/office/drawing/2014/main" id="{D0332376-343F-6982-64BD-324B4A47A20E}"/>
+                <a16:creationId xmlns:a16="http://schemas.microsoft.com/office/drawing/2014/main" xmlns="" id="{D0332376-343F-6982-64BD-324B4A47A20E}"/>
               </a:ext>
             </a:extLst>
           </p:cNvPr>
@@ -3547,7 +3547,7 @@
           <p:cNvPr id="4" name="Подзаголовок 2">
             <a:extLst>
               <a:ext uri="{FF2B5EF4-FFF2-40B4-BE49-F238E27FC236}">
-                <a16:creationId xmlns="" xmlns:a16="http://schemas.microsoft.com/office/drawing/2014/main" id="{6956DD50-2BBF-1F65-EEDD-FC462F117DA4}"/>
+                <a16:creationId xmlns:a16="http://schemas.microsoft.com/office/drawing/2014/main" xmlns="" id="{6956DD50-2BBF-1F65-EEDD-FC462F117DA4}"/>
               </a:ext>
             </a:extLst>
           </p:cNvPr>
@@ -3856,7 +3856,7 @@
     </p:spTree>
     <p:extLst>
       <p:ext uri="{BB962C8B-B14F-4D97-AF65-F5344CB8AC3E}">
-        <p14:creationId xmlns:p14="http://schemas.microsoft.com/office/powerpoint/2010/main" xmlns="" val="1553003342"/>
+        <p14:creationId xmlns="" xmlns:p14="http://schemas.microsoft.com/office/powerpoint/2010/main" val="1553003342"/>
       </p:ext>
     </p:extLst>
   </p:cSld>
@@ -3926,7 +3926,7 @@
           <p:cNvPr id="5" name="Объект 4">
             <a:extLst>
               <a:ext uri="{FF2B5EF4-FFF2-40B4-BE49-F238E27FC236}">
-                <a16:creationId xmlns="" xmlns:a16="http://schemas.microsoft.com/office/drawing/2014/main" id="{7C76C821-45B2-DFFE-8A53-0CD78B84D34D}"/>
+                <a16:creationId xmlns:a16="http://schemas.microsoft.com/office/drawing/2014/main" xmlns="" id="{7C76C821-45B2-DFFE-8A53-0CD78B84D34D}"/>
               </a:ext>
             </a:extLst>
           </p:cNvPr>
@@ -4010,7 +4010,7 @@
     </p:spTree>
     <p:extLst>
       <p:ext uri="{BB962C8B-B14F-4D97-AF65-F5344CB8AC3E}">
-        <p14:creationId xmlns:p14="http://schemas.microsoft.com/office/powerpoint/2010/main" xmlns="" val="940757705"/>
+        <p14:creationId xmlns="" xmlns:p14="http://schemas.microsoft.com/office/powerpoint/2010/main" val="940757705"/>
       </p:ext>
     </p:extLst>
   </p:cSld>
@@ -4080,7 +4080,7 @@
           <p:cNvPr id="2" name="Заголовок 1">
             <a:extLst>
               <a:ext uri="{FF2B5EF4-FFF2-40B4-BE49-F238E27FC236}">
-                <a16:creationId xmlns="" xmlns:a16="http://schemas.microsoft.com/office/drawing/2014/main" id="{2E9213E6-749D-9992-D519-94F289222BF0}"/>
+                <a16:creationId xmlns:a16="http://schemas.microsoft.com/office/drawing/2014/main" xmlns="" id="{2E9213E6-749D-9992-D519-94F289222BF0}"/>
               </a:ext>
             </a:extLst>
           </p:cNvPr>
@@ -5306,7 +5306,7 @@
     </p:spTree>
     <p:extLst>
       <p:ext uri="{BB962C8B-B14F-4D97-AF65-F5344CB8AC3E}">
-        <p14:creationId xmlns:p14="http://schemas.microsoft.com/office/powerpoint/2010/main" xmlns="" val="261818918"/>
+        <p14:creationId xmlns="" xmlns:p14="http://schemas.microsoft.com/office/powerpoint/2010/main" val="261818918"/>
       </p:ext>
     </p:extLst>
   </p:cSld>
@@ -5376,7 +5376,7 @@
           <p:cNvPr id="2" name="Заголовок 1">
             <a:extLst>
               <a:ext uri="{FF2B5EF4-FFF2-40B4-BE49-F238E27FC236}">
-                <a16:creationId xmlns="" xmlns:a16="http://schemas.microsoft.com/office/drawing/2014/main" id="{2E9213E6-749D-9992-D519-94F289222BF0}"/>
+                <a16:creationId xmlns:a16="http://schemas.microsoft.com/office/drawing/2014/main" xmlns="" id="{2E9213E6-749D-9992-D519-94F289222BF0}"/>
               </a:ext>
             </a:extLst>
           </p:cNvPr>
@@ -5641,7 +5641,7 @@
     </p:spTree>
     <p:extLst>
       <p:ext uri="{BB962C8B-B14F-4D97-AF65-F5344CB8AC3E}">
-        <p14:creationId xmlns:p14="http://schemas.microsoft.com/office/powerpoint/2010/main" xmlns="" val="550409415"/>
+        <p14:creationId xmlns="" xmlns:p14="http://schemas.microsoft.com/office/powerpoint/2010/main" val="550409415"/>
       </p:ext>
     </p:extLst>
   </p:cSld>
@@ -5711,7 +5711,7 @@
           <p:cNvPr id="2" name="Заголовок 1">
             <a:extLst>
               <a:ext uri="{FF2B5EF4-FFF2-40B4-BE49-F238E27FC236}">
-                <a16:creationId xmlns="" xmlns:a16="http://schemas.microsoft.com/office/drawing/2014/main" id="{2E9213E6-749D-9992-D519-94F289222BF0}"/>
+                <a16:creationId xmlns:a16="http://schemas.microsoft.com/office/drawing/2014/main" xmlns="" id="{2E9213E6-749D-9992-D519-94F289222BF0}"/>
               </a:ext>
             </a:extLst>
           </p:cNvPr>
@@ -5771,7 +5771,7 @@
           <p:cNvPr id="5" name="Объект 4">
             <a:extLst>
               <a:ext uri="{FF2B5EF4-FFF2-40B4-BE49-F238E27FC236}">
-                <a16:creationId xmlns="" xmlns:a16="http://schemas.microsoft.com/office/drawing/2014/main" id="{7C76C821-45B2-DFFE-8A53-0CD78B84D34D}"/>
+                <a16:creationId xmlns:a16="http://schemas.microsoft.com/office/drawing/2014/main" xmlns="" id="{7C76C821-45B2-DFFE-8A53-0CD78B84D34D}"/>
               </a:ext>
             </a:extLst>
           </p:cNvPr>
@@ -5831,7 +5831,7 @@
           <p:cNvPr id="9" name="Заголовок 1">
             <a:extLst>
               <a:ext uri="{FF2B5EF4-FFF2-40B4-BE49-F238E27FC236}">
-                <a16:creationId xmlns="" xmlns:a16="http://schemas.microsoft.com/office/drawing/2014/main" id="{2E9213E6-749D-9992-D519-94F289222BF0}"/>
+                <a16:creationId xmlns:a16="http://schemas.microsoft.com/office/drawing/2014/main" xmlns="" id="{2E9213E6-749D-9992-D519-94F289222BF0}"/>
               </a:ext>
             </a:extLst>
           </p:cNvPr>
@@ -7044,7 +7044,7 @@
     </p:spTree>
     <p:extLst>
       <p:ext uri="{BB962C8B-B14F-4D97-AF65-F5344CB8AC3E}">
-        <p14:creationId xmlns:p14="http://schemas.microsoft.com/office/powerpoint/2010/main" xmlns="" val="1444225727"/>
+        <p14:creationId xmlns="" xmlns:p14="http://schemas.microsoft.com/office/powerpoint/2010/main" val="1444225727"/>
       </p:ext>
     </p:extLst>
   </p:cSld>
@@ -7111,7 +7111,7 @@
           <p:cNvPr id="2" name="Заголовок 1">
             <a:extLst>
               <a:ext uri="{FF2B5EF4-FFF2-40B4-BE49-F238E27FC236}">
-                <a16:creationId xmlns="" xmlns:a16="http://schemas.microsoft.com/office/drawing/2014/main" id="{2E9213E6-749D-9992-D519-94F289222BF0}"/>
+                <a16:creationId xmlns:a16="http://schemas.microsoft.com/office/drawing/2014/main" xmlns="" id="{2E9213E6-749D-9992-D519-94F289222BF0}"/>
               </a:ext>
             </a:extLst>
           </p:cNvPr>
@@ -7535,7 +7535,7 @@
     </p:spTree>
     <p:extLst>
       <p:ext uri="{BB962C8B-B14F-4D97-AF65-F5344CB8AC3E}">
-        <p14:creationId xmlns:p14="http://schemas.microsoft.com/office/powerpoint/2010/main" xmlns="" val="261818918"/>
+        <p14:creationId xmlns="" xmlns:p14="http://schemas.microsoft.com/office/powerpoint/2010/main" val="261818918"/>
       </p:ext>
     </p:extLst>
   </p:cSld>
@@ -7605,7 +7605,7 @@
           <p:cNvPr id="5" name="Объект 4">
             <a:extLst>
               <a:ext uri="{FF2B5EF4-FFF2-40B4-BE49-F238E27FC236}">
-                <a16:creationId xmlns="" xmlns:a16="http://schemas.microsoft.com/office/drawing/2014/main" id="{7C76C821-45B2-DFFE-8A53-0CD78B84D34D}"/>
+                <a16:creationId xmlns:a16="http://schemas.microsoft.com/office/drawing/2014/main" xmlns="" id="{7C76C821-45B2-DFFE-8A53-0CD78B84D34D}"/>
               </a:ext>
             </a:extLst>
           </p:cNvPr>
@@ -8175,7 +8175,7 @@
     </p:spTree>
     <p:extLst>
       <p:ext uri="{BB962C8B-B14F-4D97-AF65-F5344CB8AC3E}">
-        <p14:creationId xmlns:p14="http://schemas.microsoft.com/office/powerpoint/2010/main" xmlns="" val="2209134722"/>
+        <p14:creationId xmlns="" xmlns:p14="http://schemas.microsoft.com/office/powerpoint/2010/main" val="2209134722"/>
       </p:ext>
     </p:extLst>
   </p:cSld>
@@ -8245,7 +8245,7 @@
           <p:cNvPr id="2" name="Заголовок 1">
             <a:extLst>
               <a:ext uri="{FF2B5EF4-FFF2-40B4-BE49-F238E27FC236}">
-                <a16:creationId xmlns="" xmlns:a16="http://schemas.microsoft.com/office/drawing/2014/main" id="{2E9213E6-749D-9992-D519-94F289222BF0}"/>
+                <a16:creationId xmlns:a16="http://schemas.microsoft.com/office/drawing/2014/main" xmlns="" id="{2E9213E6-749D-9992-D519-94F289222BF0}"/>
               </a:ext>
             </a:extLst>
           </p:cNvPr>
@@ -8303,7 +8303,7 @@
           <p:cNvPr id="5" name="Объект 4">
             <a:extLst>
               <a:ext uri="{FF2B5EF4-FFF2-40B4-BE49-F238E27FC236}">
-                <a16:creationId xmlns="" xmlns:a16="http://schemas.microsoft.com/office/drawing/2014/main" id="{7C76C821-45B2-DFFE-8A53-0CD78B84D34D}"/>
+                <a16:creationId xmlns:a16="http://schemas.microsoft.com/office/drawing/2014/main" xmlns="" id="{7C76C821-45B2-DFFE-8A53-0CD78B84D34D}"/>
               </a:ext>
             </a:extLst>
           </p:cNvPr>
@@ -8363,7 +8363,7 @@
           <p:cNvPr id="9" name="Заголовок 1">
             <a:extLst>
               <a:ext uri="{FF2B5EF4-FFF2-40B4-BE49-F238E27FC236}">
-                <a16:creationId xmlns="" xmlns:a16="http://schemas.microsoft.com/office/drawing/2014/main" id="{2E9213E6-749D-9992-D519-94F289222BF0}"/>
+                <a16:creationId xmlns:a16="http://schemas.microsoft.com/office/drawing/2014/main" xmlns="" id="{2E9213E6-749D-9992-D519-94F289222BF0}"/>
               </a:ext>
             </a:extLst>
           </p:cNvPr>
@@ -8495,20 +8495,7 @@
                 <a:ea typeface="+mj-ea"/>
                 <a:cs typeface="+mj-cs"/>
               </a:rPr>
-              <a:t>Добавление </a:t>
-            </a:r>
-            <a:r>
-              <a:rPr lang="ru-RU" sz="2800" b="1" dirty="0" smtClean="0">
-                <a:solidFill>
-                  <a:schemeClr val="accent1">
-                    <a:lumMod val="50000"/>
-                  </a:schemeClr>
-                </a:solidFill>
-                <a:latin typeface="+mj-lt"/>
-                <a:ea typeface="+mj-ea"/>
-                <a:cs typeface="+mj-cs"/>
-              </a:rPr>
-              <a:t>признаков, являющихся линейными комбинациями исходных  дает положительный эффект</a:t>
+              <a:t>Добавление признаков, являющихся линейными комбинациями исходных  дает положительный эффект</a:t>
             </a:r>
             <a:r>
               <a:rPr lang="ru-RU" sz="2800" b="1" dirty="0" smtClean="0">
@@ -8578,7 +8565,7 @@
                 <a:ea typeface="+mj-ea"/>
                 <a:cs typeface="+mj-cs"/>
               </a:rPr>
-              <a:t>«Reflectance» — </a:t>
+              <a:t>«Reflectance» </a:t>
             </a:r>
             <a:r>
               <a:rPr lang="ru-RU" sz="2800" b="1" dirty="0" smtClean="0">
@@ -8591,7 +8578,46 @@
                 <a:ea typeface="+mj-ea"/>
                 <a:cs typeface="+mj-cs"/>
               </a:rPr>
-              <a:t>отражательная способность ТЛО лишь незначительно снижает результат!!! Это можно интерпретировать так:  рассматриваемые элементы железнодорожной инфраструктуры имеют стандартные размеры и располагаются друг относительно друга достаточно закономерно, поэтому во многом достаточно их точных координат.</a:t>
+              <a:t>(отражательная </a:t>
+            </a:r>
+            <a:r>
+              <a:rPr lang="ru-RU" sz="2800" b="1" dirty="0" smtClean="0">
+                <a:solidFill>
+                  <a:schemeClr val="accent1">
+                    <a:lumMod val="50000"/>
+                  </a:schemeClr>
+                </a:solidFill>
+                <a:latin typeface="+mj-lt"/>
+                <a:ea typeface="+mj-ea"/>
+                <a:cs typeface="+mj-cs"/>
+              </a:rPr>
+              <a:t>способность </a:t>
+            </a:r>
+            <a:r>
+              <a:rPr lang="ru-RU" sz="2800" b="1" dirty="0" smtClean="0">
+                <a:solidFill>
+                  <a:schemeClr val="accent1">
+                    <a:lumMod val="50000"/>
+                  </a:schemeClr>
+                </a:solidFill>
+                <a:latin typeface="+mj-lt"/>
+                <a:ea typeface="+mj-ea"/>
+                <a:cs typeface="+mj-cs"/>
+              </a:rPr>
+              <a:t>ТЛО) </a:t>
+            </a:r>
+            <a:r>
+              <a:rPr lang="ru-RU" sz="2800" b="1" dirty="0" smtClean="0">
+                <a:solidFill>
+                  <a:schemeClr val="accent1">
+                    <a:lumMod val="50000"/>
+                  </a:schemeClr>
+                </a:solidFill>
+                <a:latin typeface="+mj-lt"/>
+                <a:ea typeface="+mj-ea"/>
+                <a:cs typeface="+mj-cs"/>
+              </a:rPr>
+              <a:t>лишь незначительно снижает результат!!! Это можно интерпретировать так:  рассматриваемые элементы железнодорожной инфраструктуры имеют стандартные размеры и располагаются друг относительно друга достаточно закономерно, поэтому во многом достаточно их точных координат.</a:t>
             </a:r>
           </a:p>
           <a:p>
@@ -8627,7 +8653,7 @@
     </p:spTree>
     <p:extLst>
       <p:ext uri="{BB962C8B-B14F-4D97-AF65-F5344CB8AC3E}">
-        <p14:creationId xmlns:p14="http://schemas.microsoft.com/office/powerpoint/2010/main" xmlns="" val="1444225727"/>
+        <p14:creationId xmlns="" xmlns:p14="http://schemas.microsoft.com/office/powerpoint/2010/main" val="1444225727"/>
       </p:ext>
     </p:extLst>
   </p:cSld>
@@ -8697,7 +8723,7 @@
           <p:cNvPr id="2" name="Заголовок 1">
             <a:extLst>
               <a:ext uri="{FF2B5EF4-FFF2-40B4-BE49-F238E27FC236}">
-                <a16:creationId xmlns="" xmlns:a16="http://schemas.microsoft.com/office/drawing/2014/main" id="{2E9213E6-749D-9992-D519-94F289222BF0}"/>
+                <a16:creationId xmlns:a16="http://schemas.microsoft.com/office/drawing/2014/main" xmlns="" id="{2E9213E6-749D-9992-D519-94F289222BF0}"/>
               </a:ext>
             </a:extLst>
           </p:cNvPr>
@@ -8743,7 +8769,7 @@
           <p:cNvPr id="5" name="Объект 4">
             <a:extLst>
               <a:ext uri="{FF2B5EF4-FFF2-40B4-BE49-F238E27FC236}">
-                <a16:creationId xmlns="" xmlns:a16="http://schemas.microsoft.com/office/drawing/2014/main" id="{7C76C821-45B2-DFFE-8A53-0CD78B84D34D}"/>
+                <a16:creationId xmlns:a16="http://schemas.microsoft.com/office/drawing/2014/main" xmlns="" id="{7C76C821-45B2-DFFE-8A53-0CD78B84D34D}"/>
               </a:ext>
             </a:extLst>
           </p:cNvPr>
@@ -9006,7 +9032,7 @@
     </p:spTree>
     <p:extLst>
       <p:ext uri="{BB962C8B-B14F-4D97-AF65-F5344CB8AC3E}">
-        <p14:creationId xmlns:p14="http://schemas.microsoft.com/office/powerpoint/2010/main" xmlns="" val="1949184756"/>
+        <p14:creationId xmlns="" xmlns:p14="http://schemas.microsoft.com/office/powerpoint/2010/main" val="1949184756"/>
       </p:ext>
     </p:extLst>
   </p:cSld>
@@ -9312,7 +9338,7 @@
   <a:extraClrSchemeLst/>
   <a:extLst>
     <a:ext uri="{05A4C25C-085E-4340-85A3-A5531E510DB2}">
-      <thm15:themeFamily xmlns:thm15="http://schemas.microsoft.com/office/thememl/2012/main" xmlns="" name="Office Theme" id="{62F939B6-93AF-4DB8-9C6B-D6C7DFDC589F}" vid="{4A3C46E8-61CC-4603-A589-7422A47A8E4A}"/>
+      <thm15:themeFamily xmlns="" xmlns:thm15="http://schemas.microsoft.com/office/thememl/2012/main" name="Office Theme" id="{62F939B6-93AF-4DB8-9C6B-D6C7DFDC589F}" vid="{4A3C46E8-61CC-4603-A589-7422A47A8E4A}"/>
     </a:ext>
   </a:extLst>
 </a:theme>

--- a/Новосибирск_2022_Верт-Миллер.pptx
+++ b/Новосибирск_2022_Верт-Миллер.pptx
@@ -12,8 +12,9 @@
     <p:sldId id="271" r:id="rId6"/>
     <p:sldId id="272" r:id="rId7"/>
     <p:sldId id="269" r:id="rId8"/>
-    <p:sldId id="267" r:id="rId9"/>
-    <p:sldId id="261" r:id="rId10"/>
+    <p:sldId id="273" r:id="rId9"/>
+    <p:sldId id="267" r:id="rId10"/>
+    <p:sldId id="261" r:id="rId11"/>
   </p:sldIdLst>
   <p:sldSz cx="12192000" cy="6858000"/>
   <p:notesSz cx="6858000" cy="9144000"/>
@@ -114,7 +115,7 @@
   </p:defaultTextStyle>
   <p:extLst>
     <p:ext uri="{521415D9-36F7-43E2-AB2F-B90AF26B5E84}">
-      <p14:sectionLst xmlns="" xmlns:p14="http://schemas.microsoft.com/office/powerpoint/2010/main">
+      <p14:sectionLst xmlns:p14="http://schemas.microsoft.com/office/powerpoint/2010/main" xmlns="">
         <p14:section name="Раздел по умолчанию" id="{BD5C6BC8-79BA-43F2-AADE-73938FAF4224}">
           <p14:sldIdLst>
             <p14:sldId id="256"/>
@@ -138,7 +139,7 @@
       </p14:sectionLst>
     </p:ext>
     <p:ext uri="{EFAFB233-063F-42B5-8137-9DF3F51BA10A}">
-      <p15:sldGuideLst xmlns="" xmlns:p15="http://schemas.microsoft.com/office/powerpoint/2012/main"/>
+      <p15:sldGuideLst xmlns:p15="http://schemas.microsoft.com/office/powerpoint/2012/main" xmlns=""/>
     </p:ext>
   </p:extLst>
 </p:presentation>
@@ -166,7 +167,7 @@
           <p:cNvPr id="2" name="Заголовок 1">
             <a:extLst>
               <a:ext uri="{FF2B5EF4-FFF2-40B4-BE49-F238E27FC236}">
-                <a16:creationId xmlns:a16="http://schemas.microsoft.com/office/drawing/2014/main" xmlns="" id="{1DB5EE12-12DA-3950-B62D-D33374B0BE7E}"/>
+                <a16:creationId xmlns="" xmlns:a16="http://schemas.microsoft.com/office/drawing/2014/main" id="{1DB5EE12-12DA-3950-B62D-D33374B0BE7E}"/>
               </a:ext>
             </a:extLst>
           </p:cNvPr>
@@ -203,7 +204,7 @@
           <p:cNvPr id="3" name="Подзаголовок 2">
             <a:extLst>
               <a:ext uri="{FF2B5EF4-FFF2-40B4-BE49-F238E27FC236}">
-                <a16:creationId xmlns:a16="http://schemas.microsoft.com/office/drawing/2014/main" xmlns="" id="{9310A401-7D92-8873-4E08-D3550F252F8E}"/>
+                <a16:creationId xmlns="" xmlns:a16="http://schemas.microsoft.com/office/drawing/2014/main" id="{9310A401-7D92-8873-4E08-D3550F252F8E}"/>
               </a:ext>
             </a:extLst>
           </p:cNvPr>
@@ -273,7 +274,7 @@
           <p:cNvPr id="4" name="Дата 3">
             <a:extLst>
               <a:ext uri="{FF2B5EF4-FFF2-40B4-BE49-F238E27FC236}">
-                <a16:creationId xmlns:a16="http://schemas.microsoft.com/office/drawing/2014/main" xmlns="" id="{7D4058E0-2DEC-5116-B051-18E7D32D043B}"/>
+                <a16:creationId xmlns="" xmlns:a16="http://schemas.microsoft.com/office/drawing/2014/main" id="{7D4058E0-2DEC-5116-B051-18E7D32D043B}"/>
               </a:ext>
             </a:extLst>
           </p:cNvPr>
@@ -303,7 +304,7 @@
           <p:cNvPr id="5" name="Нижний колонтитул 4">
             <a:extLst>
               <a:ext uri="{FF2B5EF4-FFF2-40B4-BE49-F238E27FC236}">
-                <a16:creationId xmlns:a16="http://schemas.microsoft.com/office/drawing/2014/main" xmlns="" id="{27055A46-0CF7-C563-8CF1-66264A6FC0B4}"/>
+                <a16:creationId xmlns="" xmlns:a16="http://schemas.microsoft.com/office/drawing/2014/main" id="{27055A46-0CF7-C563-8CF1-66264A6FC0B4}"/>
               </a:ext>
             </a:extLst>
           </p:cNvPr>
@@ -328,7 +329,7 @@
           <p:cNvPr id="6" name="Номер слайда 5">
             <a:extLst>
               <a:ext uri="{FF2B5EF4-FFF2-40B4-BE49-F238E27FC236}">
-                <a16:creationId xmlns:a16="http://schemas.microsoft.com/office/drawing/2014/main" xmlns="" id="{14B98F1C-93D4-DA7E-C8FA-D797ED731D6E}"/>
+                <a16:creationId xmlns="" xmlns:a16="http://schemas.microsoft.com/office/drawing/2014/main" id="{14B98F1C-93D4-DA7E-C8FA-D797ED731D6E}"/>
               </a:ext>
             </a:extLst>
           </p:cNvPr>
@@ -356,7 +357,7 @@
     </p:spTree>
     <p:extLst>
       <p:ext uri="{BB962C8B-B14F-4D97-AF65-F5344CB8AC3E}">
-        <p14:creationId xmlns="" xmlns:p14="http://schemas.microsoft.com/office/powerpoint/2010/main" val="128424399"/>
+        <p14:creationId xmlns:p14="http://schemas.microsoft.com/office/powerpoint/2010/main" xmlns="" val="128424399"/>
       </p:ext>
     </p:extLst>
   </p:cSld>
@@ -388,7 +389,7 @@
           <p:cNvPr id="2" name="Заголовок 1">
             <a:extLst>
               <a:ext uri="{FF2B5EF4-FFF2-40B4-BE49-F238E27FC236}">
-                <a16:creationId xmlns:a16="http://schemas.microsoft.com/office/drawing/2014/main" xmlns="" id="{A10B2CFF-AB82-03C3-F32F-6161409FDE6C}"/>
+                <a16:creationId xmlns="" xmlns:a16="http://schemas.microsoft.com/office/drawing/2014/main" id="{A10B2CFF-AB82-03C3-F32F-6161409FDE6C}"/>
               </a:ext>
             </a:extLst>
           </p:cNvPr>
@@ -416,7 +417,7 @@
           <p:cNvPr id="3" name="Вертикальный текст 2">
             <a:extLst>
               <a:ext uri="{FF2B5EF4-FFF2-40B4-BE49-F238E27FC236}">
-                <a16:creationId xmlns:a16="http://schemas.microsoft.com/office/drawing/2014/main" xmlns="" id="{DE258D6E-E014-7A7F-FD4B-E03DBF7CD9B2}"/>
+                <a16:creationId xmlns="" xmlns:a16="http://schemas.microsoft.com/office/drawing/2014/main" id="{DE258D6E-E014-7A7F-FD4B-E03DBF7CD9B2}"/>
               </a:ext>
             </a:extLst>
           </p:cNvPr>
@@ -473,7 +474,7 @@
           <p:cNvPr id="4" name="Дата 3">
             <a:extLst>
               <a:ext uri="{FF2B5EF4-FFF2-40B4-BE49-F238E27FC236}">
-                <a16:creationId xmlns:a16="http://schemas.microsoft.com/office/drawing/2014/main" xmlns="" id="{71A21FF6-D17C-D67C-DA6E-A2281068FF1B}"/>
+                <a16:creationId xmlns="" xmlns:a16="http://schemas.microsoft.com/office/drawing/2014/main" id="{71A21FF6-D17C-D67C-DA6E-A2281068FF1B}"/>
               </a:ext>
             </a:extLst>
           </p:cNvPr>
@@ -503,7 +504,7 @@
           <p:cNvPr id="5" name="Нижний колонтитул 4">
             <a:extLst>
               <a:ext uri="{FF2B5EF4-FFF2-40B4-BE49-F238E27FC236}">
-                <a16:creationId xmlns:a16="http://schemas.microsoft.com/office/drawing/2014/main" xmlns="" id="{2F51315D-3A0E-2099-9673-471C8D297185}"/>
+                <a16:creationId xmlns="" xmlns:a16="http://schemas.microsoft.com/office/drawing/2014/main" id="{2F51315D-3A0E-2099-9673-471C8D297185}"/>
               </a:ext>
             </a:extLst>
           </p:cNvPr>
@@ -528,7 +529,7 @@
           <p:cNvPr id="6" name="Номер слайда 5">
             <a:extLst>
               <a:ext uri="{FF2B5EF4-FFF2-40B4-BE49-F238E27FC236}">
-                <a16:creationId xmlns:a16="http://schemas.microsoft.com/office/drawing/2014/main" xmlns="" id="{86D72241-8282-AC00-E3C4-1EC726D41963}"/>
+                <a16:creationId xmlns="" xmlns:a16="http://schemas.microsoft.com/office/drawing/2014/main" id="{86D72241-8282-AC00-E3C4-1EC726D41963}"/>
               </a:ext>
             </a:extLst>
           </p:cNvPr>
@@ -556,7 +557,7 @@
     </p:spTree>
     <p:extLst>
       <p:ext uri="{BB962C8B-B14F-4D97-AF65-F5344CB8AC3E}">
-        <p14:creationId xmlns="" xmlns:p14="http://schemas.microsoft.com/office/powerpoint/2010/main" val="476647262"/>
+        <p14:creationId xmlns:p14="http://schemas.microsoft.com/office/powerpoint/2010/main" xmlns="" val="476647262"/>
       </p:ext>
     </p:extLst>
   </p:cSld>
@@ -588,7 +589,7 @@
           <p:cNvPr id="2" name="Вертикальный заголовок 1">
             <a:extLst>
               <a:ext uri="{FF2B5EF4-FFF2-40B4-BE49-F238E27FC236}">
-                <a16:creationId xmlns:a16="http://schemas.microsoft.com/office/drawing/2014/main" xmlns="" id="{C74891AD-0420-D0C7-3DA8-8163EE207834}"/>
+                <a16:creationId xmlns="" xmlns:a16="http://schemas.microsoft.com/office/drawing/2014/main" id="{C74891AD-0420-D0C7-3DA8-8163EE207834}"/>
               </a:ext>
             </a:extLst>
           </p:cNvPr>
@@ -621,7 +622,7 @@
           <p:cNvPr id="3" name="Вертикальный текст 2">
             <a:extLst>
               <a:ext uri="{FF2B5EF4-FFF2-40B4-BE49-F238E27FC236}">
-                <a16:creationId xmlns:a16="http://schemas.microsoft.com/office/drawing/2014/main" xmlns="" id="{BA2096B8-E349-969E-D59E-00F39D708BB2}"/>
+                <a16:creationId xmlns="" xmlns:a16="http://schemas.microsoft.com/office/drawing/2014/main" id="{BA2096B8-E349-969E-D59E-00F39D708BB2}"/>
               </a:ext>
             </a:extLst>
           </p:cNvPr>
@@ -683,7 +684,7 @@
           <p:cNvPr id="4" name="Дата 3">
             <a:extLst>
               <a:ext uri="{FF2B5EF4-FFF2-40B4-BE49-F238E27FC236}">
-                <a16:creationId xmlns:a16="http://schemas.microsoft.com/office/drawing/2014/main" xmlns="" id="{69C25D58-31DE-8BEE-84F5-205F0D8220DA}"/>
+                <a16:creationId xmlns="" xmlns:a16="http://schemas.microsoft.com/office/drawing/2014/main" id="{69C25D58-31DE-8BEE-84F5-205F0D8220DA}"/>
               </a:ext>
             </a:extLst>
           </p:cNvPr>
@@ -713,7 +714,7 @@
           <p:cNvPr id="5" name="Нижний колонтитул 4">
             <a:extLst>
               <a:ext uri="{FF2B5EF4-FFF2-40B4-BE49-F238E27FC236}">
-                <a16:creationId xmlns:a16="http://schemas.microsoft.com/office/drawing/2014/main" xmlns="" id="{1200D78E-3621-B5A0-296F-3AE6064C881B}"/>
+                <a16:creationId xmlns="" xmlns:a16="http://schemas.microsoft.com/office/drawing/2014/main" id="{1200D78E-3621-B5A0-296F-3AE6064C881B}"/>
               </a:ext>
             </a:extLst>
           </p:cNvPr>
@@ -738,7 +739,7 @@
           <p:cNvPr id="6" name="Номер слайда 5">
             <a:extLst>
               <a:ext uri="{FF2B5EF4-FFF2-40B4-BE49-F238E27FC236}">
-                <a16:creationId xmlns:a16="http://schemas.microsoft.com/office/drawing/2014/main" xmlns="" id="{22801EF9-AD0E-9305-7A5F-BA5D57BAF8CD}"/>
+                <a16:creationId xmlns="" xmlns:a16="http://schemas.microsoft.com/office/drawing/2014/main" id="{22801EF9-AD0E-9305-7A5F-BA5D57BAF8CD}"/>
               </a:ext>
             </a:extLst>
           </p:cNvPr>
@@ -766,7 +767,7 @@
     </p:spTree>
     <p:extLst>
       <p:ext uri="{BB962C8B-B14F-4D97-AF65-F5344CB8AC3E}">
-        <p14:creationId xmlns="" xmlns:p14="http://schemas.microsoft.com/office/powerpoint/2010/main" val="4201004194"/>
+        <p14:creationId xmlns:p14="http://schemas.microsoft.com/office/powerpoint/2010/main" xmlns="" val="4201004194"/>
       </p:ext>
     </p:extLst>
   </p:cSld>
@@ -798,7 +799,7 @@
           <p:cNvPr id="2" name="Заголовок 1">
             <a:extLst>
               <a:ext uri="{FF2B5EF4-FFF2-40B4-BE49-F238E27FC236}">
-                <a16:creationId xmlns:a16="http://schemas.microsoft.com/office/drawing/2014/main" xmlns="" id="{9679A5A8-87F3-2FE7-AA0B-006AD31849FC}"/>
+                <a16:creationId xmlns="" xmlns:a16="http://schemas.microsoft.com/office/drawing/2014/main" id="{9679A5A8-87F3-2FE7-AA0B-006AD31849FC}"/>
               </a:ext>
             </a:extLst>
           </p:cNvPr>
@@ -826,7 +827,7 @@
           <p:cNvPr id="3" name="Объект 2">
             <a:extLst>
               <a:ext uri="{FF2B5EF4-FFF2-40B4-BE49-F238E27FC236}">
-                <a16:creationId xmlns:a16="http://schemas.microsoft.com/office/drawing/2014/main" xmlns="" id="{901121FF-5217-AE0C-0534-37B1E320A9BE}"/>
+                <a16:creationId xmlns="" xmlns:a16="http://schemas.microsoft.com/office/drawing/2014/main" id="{901121FF-5217-AE0C-0534-37B1E320A9BE}"/>
               </a:ext>
             </a:extLst>
           </p:cNvPr>
@@ -883,7 +884,7 @@
           <p:cNvPr id="4" name="Дата 3">
             <a:extLst>
               <a:ext uri="{FF2B5EF4-FFF2-40B4-BE49-F238E27FC236}">
-                <a16:creationId xmlns:a16="http://schemas.microsoft.com/office/drawing/2014/main" xmlns="" id="{A5F63383-F5DA-10B2-E837-68D33D937299}"/>
+                <a16:creationId xmlns="" xmlns:a16="http://schemas.microsoft.com/office/drawing/2014/main" id="{A5F63383-F5DA-10B2-E837-68D33D937299}"/>
               </a:ext>
             </a:extLst>
           </p:cNvPr>
@@ -913,7 +914,7 @@
           <p:cNvPr id="5" name="Нижний колонтитул 4">
             <a:extLst>
               <a:ext uri="{FF2B5EF4-FFF2-40B4-BE49-F238E27FC236}">
-                <a16:creationId xmlns:a16="http://schemas.microsoft.com/office/drawing/2014/main" xmlns="" id="{6D2AC90C-BB10-94E4-E96D-5926EDFBDE10}"/>
+                <a16:creationId xmlns="" xmlns:a16="http://schemas.microsoft.com/office/drawing/2014/main" id="{6D2AC90C-BB10-94E4-E96D-5926EDFBDE10}"/>
               </a:ext>
             </a:extLst>
           </p:cNvPr>
@@ -938,7 +939,7 @@
           <p:cNvPr id="6" name="Номер слайда 5">
             <a:extLst>
               <a:ext uri="{FF2B5EF4-FFF2-40B4-BE49-F238E27FC236}">
-                <a16:creationId xmlns:a16="http://schemas.microsoft.com/office/drawing/2014/main" xmlns="" id="{A0DB5FF3-27E5-ECD7-6065-7E94E6A8555F}"/>
+                <a16:creationId xmlns="" xmlns:a16="http://schemas.microsoft.com/office/drawing/2014/main" id="{A0DB5FF3-27E5-ECD7-6065-7E94E6A8555F}"/>
               </a:ext>
             </a:extLst>
           </p:cNvPr>
@@ -966,7 +967,7 @@
     </p:spTree>
     <p:extLst>
       <p:ext uri="{BB962C8B-B14F-4D97-AF65-F5344CB8AC3E}">
-        <p14:creationId xmlns="" xmlns:p14="http://schemas.microsoft.com/office/powerpoint/2010/main" val="3663878534"/>
+        <p14:creationId xmlns:p14="http://schemas.microsoft.com/office/powerpoint/2010/main" xmlns="" val="3663878534"/>
       </p:ext>
     </p:extLst>
   </p:cSld>
@@ -998,7 +999,7 @@
           <p:cNvPr id="2" name="Заголовок 1">
             <a:extLst>
               <a:ext uri="{FF2B5EF4-FFF2-40B4-BE49-F238E27FC236}">
-                <a16:creationId xmlns:a16="http://schemas.microsoft.com/office/drawing/2014/main" xmlns="" id="{DD557F2C-9CD1-EEE2-EFD8-CA5356037721}"/>
+                <a16:creationId xmlns="" xmlns:a16="http://schemas.microsoft.com/office/drawing/2014/main" id="{DD557F2C-9CD1-EEE2-EFD8-CA5356037721}"/>
               </a:ext>
             </a:extLst>
           </p:cNvPr>
@@ -1035,7 +1036,7 @@
           <p:cNvPr id="3" name="Текст 2">
             <a:extLst>
               <a:ext uri="{FF2B5EF4-FFF2-40B4-BE49-F238E27FC236}">
-                <a16:creationId xmlns:a16="http://schemas.microsoft.com/office/drawing/2014/main" xmlns="" id="{D8950F90-CBA5-D33D-3E59-064DB5E54181}"/>
+                <a16:creationId xmlns="" xmlns:a16="http://schemas.microsoft.com/office/drawing/2014/main" id="{D8950F90-CBA5-D33D-3E59-064DB5E54181}"/>
               </a:ext>
             </a:extLst>
           </p:cNvPr>
@@ -1160,7 +1161,7 @@
           <p:cNvPr id="4" name="Дата 3">
             <a:extLst>
               <a:ext uri="{FF2B5EF4-FFF2-40B4-BE49-F238E27FC236}">
-                <a16:creationId xmlns:a16="http://schemas.microsoft.com/office/drawing/2014/main" xmlns="" id="{766500B9-25A6-8354-307A-5965FAC6FB3D}"/>
+                <a16:creationId xmlns="" xmlns:a16="http://schemas.microsoft.com/office/drawing/2014/main" id="{766500B9-25A6-8354-307A-5965FAC6FB3D}"/>
               </a:ext>
             </a:extLst>
           </p:cNvPr>
@@ -1190,7 +1191,7 @@
           <p:cNvPr id="5" name="Нижний колонтитул 4">
             <a:extLst>
               <a:ext uri="{FF2B5EF4-FFF2-40B4-BE49-F238E27FC236}">
-                <a16:creationId xmlns:a16="http://schemas.microsoft.com/office/drawing/2014/main" xmlns="" id="{EE82C732-66F5-ED99-E2D5-88A275B2C8F4}"/>
+                <a16:creationId xmlns="" xmlns:a16="http://schemas.microsoft.com/office/drawing/2014/main" id="{EE82C732-66F5-ED99-E2D5-88A275B2C8F4}"/>
               </a:ext>
             </a:extLst>
           </p:cNvPr>
@@ -1215,7 +1216,7 @@
           <p:cNvPr id="6" name="Номер слайда 5">
             <a:extLst>
               <a:ext uri="{FF2B5EF4-FFF2-40B4-BE49-F238E27FC236}">
-                <a16:creationId xmlns:a16="http://schemas.microsoft.com/office/drawing/2014/main" xmlns="" id="{205C899B-F1AC-1E34-CEFB-AAD93600D48D}"/>
+                <a16:creationId xmlns="" xmlns:a16="http://schemas.microsoft.com/office/drawing/2014/main" id="{205C899B-F1AC-1E34-CEFB-AAD93600D48D}"/>
               </a:ext>
             </a:extLst>
           </p:cNvPr>
@@ -1243,7 +1244,7 @@
     </p:spTree>
     <p:extLst>
       <p:ext uri="{BB962C8B-B14F-4D97-AF65-F5344CB8AC3E}">
-        <p14:creationId xmlns="" xmlns:p14="http://schemas.microsoft.com/office/powerpoint/2010/main" val="2414508979"/>
+        <p14:creationId xmlns:p14="http://schemas.microsoft.com/office/powerpoint/2010/main" xmlns="" val="2414508979"/>
       </p:ext>
     </p:extLst>
   </p:cSld>
@@ -1275,7 +1276,7 @@
           <p:cNvPr id="2" name="Заголовок 1">
             <a:extLst>
               <a:ext uri="{FF2B5EF4-FFF2-40B4-BE49-F238E27FC236}">
-                <a16:creationId xmlns:a16="http://schemas.microsoft.com/office/drawing/2014/main" xmlns="" id="{0E5C556E-5BA4-25DC-98DE-0A4949E29549}"/>
+                <a16:creationId xmlns="" xmlns:a16="http://schemas.microsoft.com/office/drawing/2014/main" id="{0E5C556E-5BA4-25DC-98DE-0A4949E29549}"/>
               </a:ext>
             </a:extLst>
           </p:cNvPr>
@@ -1303,7 +1304,7 @@
           <p:cNvPr id="3" name="Объект 2">
             <a:extLst>
               <a:ext uri="{FF2B5EF4-FFF2-40B4-BE49-F238E27FC236}">
-                <a16:creationId xmlns:a16="http://schemas.microsoft.com/office/drawing/2014/main" xmlns="" id="{7425C5BE-6896-0A4D-5AFA-1FAE69A97CAD}"/>
+                <a16:creationId xmlns="" xmlns:a16="http://schemas.microsoft.com/office/drawing/2014/main" id="{7425C5BE-6896-0A4D-5AFA-1FAE69A97CAD}"/>
               </a:ext>
             </a:extLst>
           </p:cNvPr>
@@ -1365,7 +1366,7 @@
           <p:cNvPr id="4" name="Объект 3">
             <a:extLst>
               <a:ext uri="{FF2B5EF4-FFF2-40B4-BE49-F238E27FC236}">
-                <a16:creationId xmlns:a16="http://schemas.microsoft.com/office/drawing/2014/main" xmlns="" id="{31C00418-E37A-2786-C67B-B50C3CE53231}"/>
+                <a16:creationId xmlns="" xmlns:a16="http://schemas.microsoft.com/office/drawing/2014/main" id="{31C00418-E37A-2786-C67B-B50C3CE53231}"/>
               </a:ext>
             </a:extLst>
           </p:cNvPr>
@@ -1427,7 +1428,7 @@
           <p:cNvPr id="5" name="Дата 4">
             <a:extLst>
               <a:ext uri="{FF2B5EF4-FFF2-40B4-BE49-F238E27FC236}">
-                <a16:creationId xmlns:a16="http://schemas.microsoft.com/office/drawing/2014/main" xmlns="" id="{82311B34-B094-DEA9-0487-CCE77AB53978}"/>
+                <a16:creationId xmlns="" xmlns:a16="http://schemas.microsoft.com/office/drawing/2014/main" id="{82311B34-B094-DEA9-0487-CCE77AB53978}"/>
               </a:ext>
             </a:extLst>
           </p:cNvPr>
@@ -1457,7 +1458,7 @@
           <p:cNvPr id="6" name="Нижний колонтитул 5">
             <a:extLst>
               <a:ext uri="{FF2B5EF4-FFF2-40B4-BE49-F238E27FC236}">
-                <a16:creationId xmlns:a16="http://schemas.microsoft.com/office/drawing/2014/main" xmlns="" id="{EA3A2682-2931-8785-4E08-0C676B293946}"/>
+                <a16:creationId xmlns="" xmlns:a16="http://schemas.microsoft.com/office/drawing/2014/main" id="{EA3A2682-2931-8785-4E08-0C676B293946}"/>
               </a:ext>
             </a:extLst>
           </p:cNvPr>
@@ -1482,7 +1483,7 @@
           <p:cNvPr id="7" name="Номер слайда 6">
             <a:extLst>
               <a:ext uri="{FF2B5EF4-FFF2-40B4-BE49-F238E27FC236}">
-                <a16:creationId xmlns:a16="http://schemas.microsoft.com/office/drawing/2014/main" xmlns="" id="{EE8B88A0-DA0B-ECEB-086B-CAD2B03B2577}"/>
+                <a16:creationId xmlns="" xmlns:a16="http://schemas.microsoft.com/office/drawing/2014/main" id="{EE8B88A0-DA0B-ECEB-086B-CAD2B03B2577}"/>
               </a:ext>
             </a:extLst>
           </p:cNvPr>
@@ -1510,7 +1511,7 @@
     </p:spTree>
     <p:extLst>
       <p:ext uri="{BB962C8B-B14F-4D97-AF65-F5344CB8AC3E}">
-        <p14:creationId xmlns="" xmlns:p14="http://schemas.microsoft.com/office/powerpoint/2010/main" val="2371532081"/>
+        <p14:creationId xmlns:p14="http://schemas.microsoft.com/office/powerpoint/2010/main" xmlns="" val="2371532081"/>
       </p:ext>
     </p:extLst>
   </p:cSld>
@@ -1542,7 +1543,7 @@
           <p:cNvPr id="2" name="Заголовок 1">
             <a:extLst>
               <a:ext uri="{FF2B5EF4-FFF2-40B4-BE49-F238E27FC236}">
-                <a16:creationId xmlns:a16="http://schemas.microsoft.com/office/drawing/2014/main" xmlns="" id="{A20B92AA-AEE3-B9EB-BFB8-CD638D676C96}"/>
+                <a16:creationId xmlns="" xmlns:a16="http://schemas.microsoft.com/office/drawing/2014/main" id="{A20B92AA-AEE3-B9EB-BFB8-CD638D676C96}"/>
               </a:ext>
             </a:extLst>
           </p:cNvPr>
@@ -1575,7 +1576,7 @@
           <p:cNvPr id="3" name="Текст 2">
             <a:extLst>
               <a:ext uri="{FF2B5EF4-FFF2-40B4-BE49-F238E27FC236}">
-                <a16:creationId xmlns:a16="http://schemas.microsoft.com/office/drawing/2014/main" xmlns="" id="{11896D86-1039-0B56-5FF6-1FD7F4DD5606}"/>
+                <a16:creationId xmlns="" xmlns:a16="http://schemas.microsoft.com/office/drawing/2014/main" id="{11896D86-1039-0B56-5FF6-1FD7F4DD5606}"/>
               </a:ext>
             </a:extLst>
           </p:cNvPr>
@@ -1646,7 +1647,7 @@
           <p:cNvPr id="4" name="Объект 3">
             <a:extLst>
               <a:ext uri="{FF2B5EF4-FFF2-40B4-BE49-F238E27FC236}">
-                <a16:creationId xmlns:a16="http://schemas.microsoft.com/office/drawing/2014/main" xmlns="" id="{288A1A6F-EBB8-8F7C-E989-86CCB98DDD97}"/>
+                <a16:creationId xmlns="" xmlns:a16="http://schemas.microsoft.com/office/drawing/2014/main" id="{288A1A6F-EBB8-8F7C-E989-86CCB98DDD97}"/>
               </a:ext>
             </a:extLst>
           </p:cNvPr>
@@ -1708,7 +1709,7 @@
           <p:cNvPr id="5" name="Текст 4">
             <a:extLst>
               <a:ext uri="{FF2B5EF4-FFF2-40B4-BE49-F238E27FC236}">
-                <a16:creationId xmlns:a16="http://schemas.microsoft.com/office/drawing/2014/main" xmlns="" id="{EF2A3D12-F19B-6769-DEC7-374A6840A3F8}"/>
+                <a16:creationId xmlns="" xmlns:a16="http://schemas.microsoft.com/office/drawing/2014/main" id="{EF2A3D12-F19B-6769-DEC7-374A6840A3F8}"/>
               </a:ext>
             </a:extLst>
           </p:cNvPr>
@@ -1779,7 +1780,7 @@
           <p:cNvPr id="6" name="Объект 5">
             <a:extLst>
               <a:ext uri="{FF2B5EF4-FFF2-40B4-BE49-F238E27FC236}">
-                <a16:creationId xmlns:a16="http://schemas.microsoft.com/office/drawing/2014/main" xmlns="" id="{F54F1F2F-BAD1-F721-B349-E472E8069CD0}"/>
+                <a16:creationId xmlns="" xmlns:a16="http://schemas.microsoft.com/office/drawing/2014/main" id="{F54F1F2F-BAD1-F721-B349-E472E8069CD0}"/>
               </a:ext>
             </a:extLst>
           </p:cNvPr>
@@ -1841,7 +1842,7 @@
           <p:cNvPr id="7" name="Дата 6">
             <a:extLst>
               <a:ext uri="{FF2B5EF4-FFF2-40B4-BE49-F238E27FC236}">
-                <a16:creationId xmlns:a16="http://schemas.microsoft.com/office/drawing/2014/main" xmlns="" id="{5BC14E07-3A8B-0586-4379-E86ADCA9223B}"/>
+                <a16:creationId xmlns="" xmlns:a16="http://schemas.microsoft.com/office/drawing/2014/main" id="{5BC14E07-3A8B-0586-4379-E86ADCA9223B}"/>
               </a:ext>
             </a:extLst>
           </p:cNvPr>
@@ -1871,7 +1872,7 @@
           <p:cNvPr id="8" name="Нижний колонтитул 7">
             <a:extLst>
               <a:ext uri="{FF2B5EF4-FFF2-40B4-BE49-F238E27FC236}">
-                <a16:creationId xmlns:a16="http://schemas.microsoft.com/office/drawing/2014/main" xmlns="" id="{8EA34202-CDA7-C42D-ED34-D1C59CE37313}"/>
+                <a16:creationId xmlns="" xmlns:a16="http://schemas.microsoft.com/office/drawing/2014/main" id="{8EA34202-CDA7-C42D-ED34-D1C59CE37313}"/>
               </a:ext>
             </a:extLst>
           </p:cNvPr>
@@ -1896,7 +1897,7 @@
           <p:cNvPr id="9" name="Номер слайда 8">
             <a:extLst>
               <a:ext uri="{FF2B5EF4-FFF2-40B4-BE49-F238E27FC236}">
-                <a16:creationId xmlns:a16="http://schemas.microsoft.com/office/drawing/2014/main" xmlns="" id="{21DEB446-9600-8D80-DFE6-ACB940F82EFF}"/>
+                <a16:creationId xmlns="" xmlns:a16="http://schemas.microsoft.com/office/drawing/2014/main" id="{21DEB446-9600-8D80-DFE6-ACB940F82EFF}"/>
               </a:ext>
             </a:extLst>
           </p:cNvPr>
@@ -1924,7 +1925,7 @@
     </p:spTree>
     <p:extLst>
       <p:ext uri="{BB962C8B-B14F-4D97-AF65-F5344CB8AC3E}">
-        <p14:creationId xmlns="" xmlns:p14="http://schemas.microsoft.com/office/powerpoint/2010/main" val="2086624801"/>
+        <p14:creationId xmlns:p14="http://schemas.microsoft.com/office/powerpoint/2010/main" xmlns="" val="2086624801"/>
       </p:ext>
     </p:extLst>
   </p:cSld>
@@ -1956,7 +1957,7 @@
           <p:cNvPr id="2" name="Заголовок 1">
             <a:extLst>
               <a:ext uri="{FF2B5EF4-FFF2-40B4-BE49-F238E27FC236}">
-                <a16:creationId xmlns:a16="http://schemas.microsoft.com/office/drawing/2014/main" xmlns="" id="{09F191D6-FC8F-4122-1E7A-CB7D91B594FA}"/>
+                <a16:creationId xmlns="" xmlns:a16="http://schemas.microsoft.com/office/drawing/2014/main" id="{09F191D6-FC8F-4122-1E7A-CB7D91B594FA}"/>
               </a:ext>
             </a:extLst>
           </p:cNvPr>
@@ -1984,7 +1985,7 @@
           <p:cNvPr id="3" name="Дата 2">
             <a:extLst>
               <a:ext uri="{FF2B5EF4-FFF2-40B4-BE49-F238E27FC236}">
-                <a16:creationId xmlns:a16="http://schemas.microsoft.com/office/drawing/2014/main" xmlns="" id="{B61B76AB-16A2-E802-C3FC-9FA43AF95803}"/>
+                <a16:creationId xmlns="" xmlns:a16="http://schemas.microsoft.com/office/drawing/2014/main" id="{B61B76AB-16A2-E802-C3FC-9FA43AF95803}"/>
               </a:ext>
             </a:extLst>
           </p:cNvPr>
@@ -2014,7 +2015,7 @@
           <p:cNvPr id="4" name="Нижний колонтитул 3">
             <a:extLst>
               <a:ext uri="{FF2B5EF4-FFF2-40B4-BE49-F238E27FC236}">
-                <a16:creationId xmlns:a16="http://schemas.microsoft.com/office/drawing/2014/main" xmlns="" id="{9F128097-44C9-BE96-6E6C-9F666CECC82E}"/>
+                <a16:creationId xmlns="" xmlns:a16="http://schemas.microsoft.com/office/drawing/2014/main" id="{9F128097-44C9-BE96-6E6C-9F666CECC82E}"/>
               </a:ext>
             </a:extLst>
           </p:cNvPr>
@@ -2039,7 +2040,7 @@
           <p:cNvPr id="5" name="Номер слайда 4">
             <a:extLst>
               <a:ext uri="{FF2B5EF4-FFF2-40B4-BE49-F238E27FC236}">
-                <a16:creationId xmlns:a16="http://schemas.microsoft.com/office/drawing/2014/main" xmlns="" id="{14EB260B-B2AF-E4CB-3F5F-CED1D6DBC088}"/>
+                <a16:creationId xmlns="" xmlns:a16="http://schemas.microsoft.com/office/drawing/2014/main" id="{14EB260B-B2AF-E4CB-3F5F-CED1D6DBC088}"/>
               </a:ext>
             </a:extLst>
           </p:cNvPr>
@@ -2067,7 +2068,7 @@
     </p:spTree>
     <p:extLst>
       <p:ext uri="{BB962C8B-B14F-4D97-AF65-F5344CB8AC3E}">
-        <p14:creationId xmlns="" xmlns:p14="http://schemas.microsoft.com/office/powerpoint/2010/main" val="1452925811"/>
+        <p14:creationId xmlns:p14="http://schemas.microsoft.com/office/powerpoint/2010/main" xmlns="" val="1452925811"/>
       </p:ext>
     </p:extLst>
   </p:cSld>
@@ -2099,7 +2100,7 @@
           <p:cNvPr id="2" name="Дата 1">
             <a:extLst>
               <a:ext uri="{FF2B5EF4-FFF2-40B4-BE49-F238E27FC236}">
-                <a16:creationId xmlns:a16="http://schemas.microsoft.com/office/drawing/2014/main" xmlns="" id="{C08BA097-9465-E7D4-8D20-56FBD4D856B4}"/>
+                <a16:creationId xmlns="" xmlns:a16="http://schemas.microsoft.com/office/drawing/2014/main" id="{C08BA097-9465-E7D4-8D20-56FBD4D856B4}"/>
               </a:ext>
             </a:extLst>
           </p:cNvPr>
@@ -2129,7 +2130,7 @@
           <p:cNvPr id="3" name="Нижний колонтитул 2">
             <a:extLst>
               <a:ext uri="{FF2B5EF4-FFF2-40B4-BE49-F238E27FC236}">
-                <a16:creationId xmlns:a16="http://schemas.microsoft.com/office/drawing/2014/main" xmlns="" id="{F1BA0DE9-56D7-206B-FC56-55D7F09F814C}"/>
+                <a16:creationId xmlns="" xmlns:a16="http://schemas.microsoft.com/office/drawing/2014/main" id="{F1BA0DE9-56D7-206B-FC56-55D7F09F814C}"/>
               </a:ext>
             </a:extLst>
           </p:cNvPr>
@@ -2154,7 +2155,7 @@
           <p:cNvPr id="4" name="Номер слайда 3">
             <a:extLst>
               <a:ext uri="{FF2B5EF4-FFF2-40B4-BE49-F238E27FC236}">
-                <a16:creationId xmlns:a16="http://schemas.microsoft.com/office/drawing/2014/main" xmlns="" id="{6771ACC4-5A37-479E-C3D9-3A5BFD7CFF40}"/>
+                <a16:creationId xmlns="" xmlns:a16="http://schemas.microsoft.com/office/drawing/2014/main" id="{6771ACC4-5A37-479E-C3D9-3A5BFD7CFF40}"/>
               </a:ext>
             </a:extLst>
           </p:cNvPr>
@@ -2182,7 +2183,7 @@
     </p:spTree>
     <p:extLst>
       <p:ext uri="{BB962C8B-B14F-4D97-AF65-F5344CB8AC3E}">
-        <p14:creationId xmlns="" xmlns:p14="http://schemas.microsoft.com/office/powerpoint/2010/main" val="414686634"/>
+        <p14:creationId xmlns:p14="http://schemas.microsoft.com/office/powerpoint/2010/main" xmlns="" val="414686634"/>
       </p:ext>
     </p:extLst>
   </p:cSld>
@@ -2214,7 +2215,7 @@
           <p:cNvPr id="2" name="Заголовок 1">
             <a:extLst>
               <a:ext uri="{FF2B5EF4-FFF2-40B4-BE49-F238E27FC236}">
-                <a16:creationId xmlns:a16="http://schemas.microsoft.com/office/drawing/2014/main" xmlns="" id="{8A29A7F3-D292-947B-9F72-953419EA0BE6}"/>
+                <a16:creationId xmlns="" xmlns:a16="http://schemas.microsoft.com/office/drawing/2014/main" id="{8A29A7F3-D292-947B-9F72-953419EA0BE6}"/>
               </a:ext>
             </a:extLst>
           </p:cNvPr>
@@ -2251,7 +2252,7 @@
           <p:cNvPr id="3" name="Объект 2">
             <a:extLst>
               <a:ext uri="{FF2B5EF4-FFF2-40B4-BE49-F238E27FC236}">
-                <a16:creationId xmlns:a16="http://schemas.microsoft.com/office/drawing/2014/main" xmlns="" id="{F93BD3E1-5A95-6E75-9C35-48B0178D0CE0}"/>
+                <a16:creationId xmlns="" xmlns:a16="http://schemas.microsoft.com/office/drawing/2014/main" id="{F93BD3E1-5A95-6E75-9C35-48B0178D0CE0}"/>
               </a:ext>
             </a:extLst>
           </p:cNvPr>
@@ -2341,7 +2342,7 @@
           <p:cNvPr id="4" name="Текст 3">
             <a:extLst>
               <a:ext uri="{FF2B5EF4-FFF2-40B4-BE49-F238E27FC236}">
-                <a16:creationId xmlns:a16="http://schemas.microsoft.com/office/drawing/2014/main" xmlns="" id="{F05B45C3-0F25-CDA6-E26C-437063A8C9B6}"/>
+                <a16:creationId xmlns="" xmlns:a16="http://schemas.microsoft.com/office/drawing/2014/main" id="{F05B45C3-0F25-CDA6-E26C-437063A8C9B6}"/>
               </a:ext>
             </a:extLst>
           </p:cNvPr>
@@ -2412,7 +2413,7 @@
           <p:cNvPr id="5" name="Дата 4">
             <a:extLst>
               <a:ext uri="{FF2B5EF4-FFF2-40B4-BE49-F238E27FC236}">
-                <a16:creationId xmlns:a16="http://schemas.microsoft.com/office/drawing/2014/main" xmlns="" id="{DFF78B1B-E2D0-5CC5-67A8-D0DBA9D4F69B}"/>
+                <a16:creationId xmlns="" xmlns:a16="http://schemas.microsoft.com/office/drawing/2014/main" id="{DFF78B1B-E2D0-5CC5-67A8-D0DBA9D4F69B}"/>
               </a:ext>
             </a:extLst>
           </p:cNvPr>
@@ -2442,7 +2443,7 @@
           <p:cNvPr id="6" name="Нижний колонтитул 5">
             <a:extLst>
               <a:ext uri="{FF2B5EF4-FFF2-40B4-BE49-F238E27FC236}">
-                <a16:creationId xmlns:a16="http://schemas.microsoft.com/office/drawing/2014/main" xmlns="" id="{DB59C205-F0AD-394B-8EFF-A63FB72ABA42}"/>
+                <a16:creationId xmlns="" xmlns:a16="http://schemas.microsoft.com/office/drawing/2014/main" id="{DB59C205-F0AD-394B-8EFF-A63FB72ABA42}"/>
               </a:ext>
             </a:extLst>
           </p:cNvPr>
@@ -2467,7 +2468,7 @@
           <p:cNvPr id="7" name="Номер слайда 6">
             <a:extLst>
               <a:ext uri="{FF2B5EF4-FFF2-40B4-BE49-F238E27FC236}">
-                <a16:creationId xmlns:a16="http://schemas.microsoft.com/office/drawing/2014/main" xmlns="" id="{AE043324-0615-A5FD-3FB7-0C8F9AA11EAB}"/>
+                <a16:creationId xmlns="" xmlns:a16="http://schemas.microsoft.com/office/drawing/2014/main" id="{AE043324-0615-A5FD-3FB7-0C8F9AA11EAB}"/>
               </a:ext>
             </a:extLst>
           </p:cNvPr>
@@ -2495,7 +2496,7 @@
     </p:spTree>
     <p:extLst>
       <p:ext uri="{BB962C8B-B14F-4D97-AF65-F5344CB8AC3E}">
-        <p14:creationId xmlns="" xmlns:p14="http://schemas.microsoft.com/office/powerpoint/2010/main" val="793283567"/>
+        <p14:creationId xmlns:p14="http://schemas.microsoft.com/office/powerpoint/2010/main" xmlns="" val="793283567"/>
       </p:ext>
     </p:extLst>
   </p:cSld>
@@ -2527,7 +2528,7 @@
           <p:cNvPr id="2" name="Заголовок 1">
             <a:extLst>
               <a:ext uri="{FF2B5EF4-FFF2-40B4-BE49-F238E27FC236}">
-                <a16:creationId xmlns:a16="http://schemas.microsoft.com/office/drawing/2014/main" xmlns="" id="{926A9D1B-012A-23C3-8320-8BFC69088265}"/>
+                <a16:creationId xmlns="" xmlns:a16="http://schemas.microsoft.com/office/drawing/2014/main" id="{926A9D1B-012A-23C3-8320-8BFC69088265}"/>
               </a:ext>
             </a:extLst>
           </p:cNvPr>
@@ -2564,7 +2565,7 @@
           <p:cNvPr id="3" name="Рисунок 2">
             <a:extLst>
               <a:ext uri="{FF2B5EF4-FFF2-40B4-BE49-F238E27FC236}">
-                <a16:creationId xmlns:a16="http://schemas.microsoft.com/office/drawing/2014/main" xmlns="" id="{9B7AA942-B3C9-D02D-42BE-A72809FBFC51}"/>
+                <a16:creationId xmlns="" xmlns:a16="http://schemas.microsoft.com/office/drawing/2014/main" id="{9B7AA942-B3C9-D02D-42BE-A72809FBFC51}"/>
               </a:ext>
             </a:extLst>
           </p:cNvPr>
@@ -2631,7 +2632,7 @@
           <p:cNvPr id="4" name="Текст 3">
             <a:extLst>
               <a:ext uri="{FF2B5EF4-FFF2-40B4-BE49-F238E27FC236}">
-                <a16:creationId xmlns:a16="http://schemas.microsoft.com/office/drawing/2014/main" xmlns="" id="{A173F51B-6622-77A6-AF90-3C6D2AB7AB9C}"/>
+                <a16:creationId xmlns="" xmlns:a16="http://schemas.microsoft.com/office/drawing/2014/main" id="{A173F51B-6622-77A6-AF90-3C6D2AB7AB9C}"/>
               </a:ext>
             </a:extLst>
           </p:cNvPr>
@@ -2702,7 +2703,7 @@
           <p:cNvPr id="5" name="Дата 4">
             <a:extLst>
               <a:ext uri="{FF2B5EF4-FFF2-40B4-BE49-F238E27FC236}">
-                <a16:creationId xmlns:a16="http://schemas.microsoft.com/office/drawing/2014/main" xmlns="" id="{325C1C5E-0053-54FB-A9CD-F501F889E70A}"/>
+                <a16:creationId xmlns="" xmlns:a16="http://schemas.microsoft.com/office/drawing/2014/main" id="{325C1C5E-0053-54FB-A9CD-F501F889E70A}"/>
               </a:ext>
             </a:extLst>
           </p:cNvPr>
@@ -2732,7 +2733,7 @@
           <p:cNvPr id="6" name="Нижний колонтитул 5">
             <a:extLst>
               <a:ext uri="{FF2B5EF4-FFF2-40B4-BE49-F238E27FC236}">
-                <a16:creationId xmlns:a16="http://schemas.microsoft.com/office/drawing/2014/main" xmlns="" id="{FBCD383E-F890-98A9-53F7-253522A76720}"/>
+                <a16:creationId xmlns="" xmlns:a16="http://schemas.microsoft.com/office/drawing/2014/main" id="{FBCD383E-F890-98A9-53F7-253522A76720}"/>
               </a:ext>
             </a:extLst>
           </p:cNvPr>
@@ -2757,7 +2758,7 @@
           <p:cNvPr id="7" name="Номер слайда 6">
             <a:extLst>
               <a:ext uri="{FF2B5EF4-FFF2-40B4-BE49-F238E27FC236}">
-                <a16:creationId xmlns:a16="http://schemas.microsoft.com/office/drawing/2014/main" xmlns="" id="{5F1C23E7-F475-FA57-9415-53B0F0516F16}"/>
+                <a16:creationId xmlns="" xmlns:a16="http://schemas.microsoft.com/office/drawing/2014/main" id="{5F1C23E7-F475-FA57-9415-53B0F0516F16}"/>
               </a:ext>
             </a:extLst>
           </p:cNvPr>
@@ -2785,7 +2786,7 @@
     </p:spTree>
     <p:extLst>
       <p:ext uri="{BB962C8B-B14F-4D97-AF65-F5344CB8AC3E}">
-        <p14:creationId xmlns="" xmlns:p14="http://schemas.microsoft.com/office/powerpoint/2010/main" val="2120612975"/>
+        <p14:creationId xmlns:p14="http://schemas.microsoft.com/office/powerpoint/2010/main" xmlns="" val="2120612975"/>
       </p:ext>
     </p:extLst>
   </p:cSld>
@@ -2799,9 +2800,36 @@
 <p:sldMaster xmlns:a="http://schemas.openxmlformats.org/drawingml/2006/main" xmlns:r="http://schemas.openxmlformats.org/officeDocument/2006/relationships" xmlns:p="http://schemas.openxmlformats.org/presentationml/2006/main">
   <p:cSld>
     <p:bg>
-      <p:bgRef idx="1001">
-        <a:schemeClr val="bg1"/>
-      </p:bgRef>
+      <p:bgPr>
+        <a:gradFill flip="none" rotWithShape="1">
+          <a:gsLst>
+            <a:gs pos="0">
+              <a:schemeClr val="bg1"/>
+            </a:gs>
+            <a:gs pos="74000">
+              <a:schemeClr val="accent1">
+                <a:lumMod val="45000"/>
+                <a:lumOff val="55000"/>
+              </a:schemeClr>
+            </a:gs>
+            <a:gs pos="83000">
+              <a:schemeClr val="accent1">
+                <a:lumMod val="45000"/>
+                <a:lumOff val="55000"/>
+              </a:schemeClr>
+            </a:gs>
+            <a:gs pos="100000">
+              <a:schemeClr val="accent1">
+                <a:lumMod val="30000"/>
+                <a:lumOff val="70000"/>
+              </a:schemeClr>
+            </a:gs>
+          </a:gsLst>
+          <a:lin ang="5400000" scaled="1"/>
+          <a:tileRect/>
+        </a:gradFill>
+        <a:effectLst/>
+      </p:bgPr>
     </p:bg>
     <p:spTree>
       <p:nvGrpSpPr>
@@ -2822,7 +2850,7 @@
           <p:cNvPr id="2" name="Заголовок 1">
             <a:extLst>
               <a:ext uri="{FF2B5EF4-FFF2-40B4-BE49-F238E27FC236}">
-                <a16:creationId xmlns:a16="http://schemas.microsoft.com/office/drawing/2014/main" xmlns="" id="{6C768094-A90C-1C5F-6A20-08C258C4E5A0}"/>
+                <a16:creationId xmlns="" xmlns:a16="http://schemas.microsoft.com/office/drawing/2014/main" id="{6C768094-A90C-1C5F-6A20-08C258C4E5A0}"/>
               </a:ext>
             </a:extLst>
           </p:cNvPr>
@@ -2860,7 +2888,7 @@
           <p:cNvPr id="3" name="Текст 2">
             <a:extLst>
               <a:ext uri="{FF2B5EF4-FFF2-40B4-BE49-F238E27FC236}">
-                <a16:creationId xmlns:a16="http://schemas.microsoft.com/office/drawing/2014/main" xmlns="" id="{24B73A0C-C8E0-B34A-43C1-01FA2E140F51}"/>
+                <a16:creationId xmlns="" xmlns:a16="http://schemas.microsoft.com/office/drawing/2014/main" id="{24B73A0C-C8E0-B34A-43C1-01FA2E140F51}"/>
               </a:ext>
             </a:extLst>
           </p:cNvPr>
@@ -2927,7 +2955,7 @@
           <p:cNvPr id="4" name="Дата 3">
             <a:extLst>
               <a:ext uri="{FF2B5EF4-FFF2-40B4-BE49-F238E27FC236}">
-                <a16:creationId xmlns:a16="http://schemas.microsoft.com/office/drawing/2014/main" xmlns="" id="{FEA15550-9607-CAEA-366D-A6E55E89959A}"/>
+                <a16:creationId xmlns="" xmlns:a16="http://schemas.microsoft.com/office/drawing/2014/main" id="{FEA15550-9607-CAEA-366D-A6E55E89959A}"/>
               </a:ext>
             </a:extLst>
           </p:cNvPr>
@@ -2975,7 +3003,7 @@
           <p:cNvPr id="5" name="Нижний колонтитул 4">
             <a:extLst>
               <a:ext uri="{FF2B5EF4-FFF2-40B4-BE49-F238E27FC236}">
-                <a16:creationId xmlns:a16="http://schemas.microsoft.com/office/drawing/2014/main" xmlns="" id="{52C41BF5-131F-90F3-4AFF-6F80EB5D8CA4}"/>
+                <a16:creationId xmlns="" xmlns:a16="http://schemas.microsoft.com/office/drawing/2014/main" id="{52C41BF5-131F-90F3-4AFF-6F80EB5D8CA4}"/>
               </a:ext>
             </a:extLst>
           </p:cNvPr>
@@ -3018,7 +3046,7 @@
           <p:cNvPr id="6" name="Номер слайда 5">
             <a:extLst>
               <a:ext uri="{FF2B5EF4-FFF2-40B4-BE49-F238E27FC236}">
-                <a16:creationId xmlns:a16="http://schemas.microsoft.com/office/drawing/2014/main" xmlns="" id="{AF233121-A605-8E49-6A5A-3AD66077721D}"/>
+                <a16:creationId xmlns="" xmlns:a16="http://schemas.microsoft.com/office/drawing/2014/main" id="{AF233121-A605-8E49-6A5A-3AD66077721D}"/>
               </a:ext>
             </a:extLst>
           </p:cNvPr>
@@ -3064,7 +3092,7 @@
     </p:spTree>
     <p:extLst>
       <p:ext uri="{BB962C8B-B14F-4D97-AF65-F5344CB8AC3E}">
-        <p14:creationId xmlns="" xmlns:p14="http://schemas.microsoft.com/office/powerpoint/2010/main" val="2861233511"/>
+        <p14:creationId xmlns:p14="http://schemas.microsoft.com/office/powerpoint/2010/main" xmlns="" val="2861233511"/>
       </p:ext>
     </p:extLst>
   </p:cSld>
@@ -3368,37 +3396,6 @@
 <file path=ppt/slides/slide1.xml><?xml version="1.0" encoding="utf-8"?>
 <p:sld xmlns:a="http://schemas.openxmlformats.org/drawingml/2006/main" xmlns:r="http://schemas.openxmlformats.org/officeDocument/2006/relationships" xmlns:p="http://schemas.openxmlformats.org/presentationml/2006/main">
   <p:cSld>
-    <p:bg>
-      <p:bgPr>
-        <a:gradFill>
-          <a:gsLst>
-            <a:gs pos="0">
-              <a:schemeClr val="bg1"/>
-            </a:gs>
-            <a:gs pos="74000">
-              <a:schemeClr val="accent1">
-                <a:lumMod val="45000"/>
-                <a:lumOff val="55000"/>
-              </a:schemeClr>
-            </a:gs>
-            <a:gs pos="83000">
-              <a:schemeClr val="accent1">
-                <a:lumMod val="45000"/>
-                <a:lumOff val="55000"/>
-              </a:schemeClr>
-            </a:gs>
-            <a:gs pos="100000">
-              <a:schemeClr val="accent1">
-                <a:lumMod val="30000"/>
-                <a:lumOff val="70000"/>
-              </a:schemeClr>
-            </a:gs>
-          </a:gsLst>
-          <a:lin ang="5400000" scaled="1"/>
-        </a:gradFill>
-        <a:effectLst/>
-      </p:bgPr>
-    </p:bg>
     <p:spTree>
       <p:nvGrpSpPr>
         <p:cNvPr id="1" name=""/>
@@ -3418,7 +3415,7 @@
           <p:cNvPr id="2" name="Заголовок 1">
             <a:extLst>
               <a:ext uri="{FF2B5EF4-FFF2-40B4-BE49-F238E27FC236}">
-                <a16:creationId xmlns:a16="http://schemas.microsoft.com/office/drawing/2014/main" xmlns="" id="{7B21A4E4-2468-71F3-B3A2-6146175C7296}"/>
+                <a16:creationId xmlns="" xmlns:a16="http://schemas.microsoft.com/office/drawing/2014/main" id="{7B21A4E4-2468-71F3-B3A2-6146175C7296}"/>
               </a:ext>
             </a:extLst>
           </p:cNvPr>
@@ -3481,7 +3478,7 @@
           <p:cNvPr id="3" name="Подзаголовок 2">
             <a:extLst>
               <a:ext uri="{FF2B5EF4-FFF2-40B4-BE49-F238E27FC236}">
-                <a16:creationId xmlns:a16="http://schemas.microsoft.com/office/drawing/2014/main" xmlns="" id="{D0332376-343F-6982-64BD-324B4A47A20E}"/>
+                <a16:creationId xmlns="" xmlns:a16="http://schemas.microsoft.com/office/drawing/2014/main" id="{D0332376-343F-6982-64BD-324B4A47A20E}"/>
               </a:ext>
             </a:extLst>
           </p:cNvPr>
@@ -3547,7 +3544,7 @@
           <p:cNvPr id="4" name="Подзаголовок 2">
             <a:extLst>
               <a:ext uri="{FF2B5EF4-FFF2-40B4-BE49-F238E27FC236}">
-                <a16:creationId xmlns:a16="http://schemas.microsoft.com/office/drawing/2014/main" xmlns="" id="{6956DD50-2BBF-1F65-EEDD-FC462F117DA4}"/>
+                <a16:creationId xmlns="" xmlns:a16="http://schemas.microsoft.com/office/drawing/2014/main" id="{6956DD50-2BBF-1F65-EEDD-FC462F117DA4}"/>
               </a:ext>
             </a:extLst>
           </p:cNvPr>
@@ -3856,7 +3853,355 @@
     </p:spTree>
     <p:extLst>
       <p:ext uri="{BB962C8B-B14F-4D97-AF65-F5344CB8AC3E}">
-        <p14:creationId xmlns="" xmlns:p14="http://schemas.microsoft.com/office/powerpoint/2010/main" val="1553003342"/>
+        <p14:creationId xmlns:p14="http://schemas.microsoft.com/office/powerpoint/2010/main" xmlns="" val="1553003342"/>
+      </p:ext>
+    </p:extLst>
+  </p:cSld>
+  <p:clrMapOvr>
+    <a:masterClrMapping/>
+  </p:clrMapOvr>
+  <p:timing>
+    <p:tnLst>
+      <p:par>
+        <p:cTn id="1" dur="indefinite" restart="never" nodeType="tmRoot"/>
+      </p:par>
+    </p:tnLst>
+  </p:timing>
+</p:sld>
+</file>
+
+<file path=ppt/slides/slide10.xml><?xml version="1.0" encoding="utf-8"?>
+<p:sld xmlns:a="http://schemas.openxmlformats.org/drawingml/2006/main" xmlns:r="http://schemas.openxmlformats.org/officeDocument/2006/relationships" xmlns:p="http://schemas.openxmlformats.org/presentationml/2006/main">
+  <p:cSld>
+    <p:spTree>
+      <p:nvGrpSpPr>
+        <p:cNvPr id="1" name=""/>
+        <p:cNvGrpSpPr/>
+        <p:nvPr/>
+      </p:nvGrpSpPr>
+      <p:grpSpPr>
+        <a:xfrm>
+          <a:off x="0" y="0"/>
+          <a:ext cx="0" cy="0"/>
+          <a:chOff x="0" y="0"/>
+          <a:chExt cx="0" cy="0"/>
+        </a:xfrm>
+      </p:grpSpPr>
+      <p:sp>
+        <p:nvSpPr>
+          <p:cNvPr id="2" name="Заголовок 1">
+            <a:extLst>
+              <a:ext uri="{FF2B5EF4-FFF2-40B4-BE49-F238E27FC236}">
+                <a16:creationId xmlns="" xmlns:a16="http://schemas.microsoft.com/office/drawing/2014/main" id="{2E9213E6-749D-9992-D519-94F289222BF0}"/>
+              </a:ext>
+            </a:extLst>
+          </p:cNvPr>
+          <p:cNvSpPr>
+            <a:spLocks noGrp="1"/>
+          </p:cNvSpPr>
+          <p:nvPr>
+            <p:ph type="title"/>
+          </p:nvPr>
+        </p:nvSpPr>
+        <p:spPr>
+          <a:xfrm>
+            <a:off x="838200" y="365125"/>
+            <a:ext cx="10515600" cy="1036955"/>
+          </a:xfrm>
+        </p:spPr>
+        <p:txBody>
+          <a:bodyPr>
+            <a:normAutofit/>
+          </a:bodyPr>
+          <a:lstStyle/>
+          <a:p>
+            <a:r>
+              <a:rPr lang="ru-RU" sz="4800" dirty="0"/>
+              <a:t>	</a:t>
+            </a:r>
+            <a:r>
+              <a:rPr lang="ru-RU" sz="4800" b="1" dirty="0" smtClean="0">
+                <a:solidFill>
+                  <a:schemeClr val="accent1">
+                    <a:lumMod val="50000"/>
+                  </a:schemeClr>
+                </a:solidFill>
+              </a:rPr>
+              <a:t>Контакты</a:t>
+            </a:r>
+            <a:endParaRPr lang="ru-RU" sz="4800" b="1" dirty="0"/>
+          </a:p>
+        </p:txBody>
+      </p:sp>
+      <p:sp>
+        <p:nvSpPr>
+          <p:cNvPr id="5" name="Объект 4">
+            <a:extLst>
+              <a:ext uri="{FF2B5EF4-FFF2-40B4-BE49-F238E27FC236}">
+                <a16:creationId xmlns="" xmlns:a16="http://schemas.microsoft.com/office/drawing/2014/main" id="{7C76C821-45B2-DFFE-8A53-0CD78B84D34D}"/>
+              </a:ext>
+            </a:extLst>
+          </p:cNvPr>
+          <p:cNvSpPr>
+            <a:spLocks noGrp="1"/>
+          </p:cNvSpPr>
+          <p:nvPr>
+            <p:ph idx="1"/>
+          </p:nvPr>
+        </p:nvSpPr>
+        <p:spPr>
+          <a:xfrm>
+            <a:off x="810904" y="1596788"/>
+            <a:ext cx="10927080" cy="3111690"/>
+          </a:xfrm>
+          <a:noFill/>
+        </p:spPr>
+        <p:txBody>
+          <a:bodyPr>
+            <a:normAutofit/>
+          </a:bodyPr>
+          <a:lstStyle/>
+          <a:p>
+            <a:pPr marL="457200" lvl="2" indent="-457200" algn="just"/>
+            <a:r>
+              <a:rPr lang="en-US" sz="3200" b="1" dirty="0" smtClean="0">
+                <a:solidFill>
+                  <a:schemeClr val="accent4">
+                    <a:lumMod val="50000"/>
+                  </a:schemeClr>
+                </a:solidFill>
+                <a:latin typeface="+mj-lt"/>
+              </a:rPr>
+              <a:t>Data Scientist: </a:t>
+            </a:r>
+            <a:r>
+              <a:rPr lang="ru-RU" sz="3200" b="1" dirty="0" smtClean="0">
+                <a:solidFill>
+                  <a:schemeClr val="accent1">
+                    <a:lumMod val="50000"/>
+                  </a:schemeClr>
+                </a:solidFill>
+                <a:latin typeface="+mj-lt"/>
+              </a:rPr>
+              <a:t>Алексей</a:t>
+            </a:r>
+            <a:r>
+              <a:rPr lang="en-US" sz="3200" b="1" dirty="0" smtClean="0">
+                <a:solidFill>
+                  <a:schemeClr val="accent1">
+                    <a:lumMod val="50000"/>
+                  </a:schemeClr>
+                </a:solidFill>
+                <a:latin typeface="+mj-lt"/>
+              </a:rPr>
+              <a:t> </a:t>
+            </a:r>
+            <a:r>
+              <a:rPr lang="ru-RU" sz="3200" b="1" dirty="0" err="1" smtClean="0">
+                <a:solidFill>
+                  <a:schemeClr val="accent1">
+                    <a:lumMod val="50000"/>
+                  </a:schemeClr>
+                </a:solidFill>
+                <a:latin typeface="+mj-lt"/>
+              </a:rPr>
+              <a:t>Верт-Миллер</a:t>
+            </a:r>
+            <a:endParaRPr lang="en-US" sz="3200" b="1" dirty="0" smtClean="0">
+              <a:solidFill>
+                <a:schemeClr val="accent1">
+                  <a:lumMod val="50000"/>
+                </a:schemeClr>
+              </a:solidFill>
+              <a:latin typeface="+mj-lt"/>
+            </a:endParaRPr>
+          </a:p>
+          <a:p>
+            <a:pPr marL="0" lvl="2" indent="0" algn="just">
+              <a:buNone/>
+            </a:pPr>
+            <a:r>
+              <a:rPr lang="en-US" sz="3200" b="1" dirty="0">
+                <a:solidFill>
+                  <a:schemeClr val="accent1">
+                    <a:lumMod val="50000"/>
+                  </a:schemeClr>
+                </a:solidFill>
+                <a:latin typeface="+mj-lt"/>
+              </a:rPr>
+              <a:t>	</a:t>
+            </a:r>
+            <a:r>
+              <a:rPr lang="en-US" sz="3200" b="1" dirty="0" smtClean="0">
+                <a:solidFill>
+                  <a:schemeClr val="accent1">
+                    <a:lumMod val="50000"/>
+                  </a:schemeClr>
+                </a:solidFill>
+                <a:latin typeface="+mj-lt"/>
+              </a:rPr>
+              <a:t> alexwert3</a:t>
+            </a:r>
+            <a:endParaRPr lang="ru-RU" sz="3200" b="1" dirty="0" smtClean="0">
+              <a:solidFill>
+                <a:schemeClr val="accent1">
+                  <a:lumMod val="50000"/>
+                </a:schemeClr>
+              </a:solidFill>
+              <a:latin typeface="+mj-lt"/>
+            </a:endParaRPr>
+          </a:p>
+          <a:p>
+            <a:pPr marL="0" lvl="2" indent="0" algn="just">
+              <a:buNone/>
+            </a:pPr>
+            <a:r>
+              <a:rPr lang="ru-RU" sz="3200" b="1" dirty="0" smtClean="0">
+                <a:solidFill>
+                  <a:schemeClr val="accent1">
+                    <a:lumMod val="50000"/>
+                  </a:schemeClr>
+                </a:solidFill>
+                <a:latin typeface="+mj-lt"/>
+              </a:rPr>
+              <a:t>       тел: +7-921-295-4272</a:t>
+            </a:r>
+          </a:p>
+          <a:p>
+            <a:pPr marL="0" lvl="2" indent="0" algn="just">
+              <a:buNone/>
+            </a:pPr>
+            <a:r>
+              <a:rPr lang="ru-RU" sz="3200" b="1" dirty="0" smtClean="0">
+                <a:solidFill>
+                  <a:schemeClr val="accent1">
+                    <a:lumMod val="50000"/>
+                  </a:schemeClr>
+                </a:solidFill>
+                <a:latin typeface="+mj-lt"/>
+              </a:rPr>
+              <a:t>       </a:t>
+            </a:r>
+            <a:r>
+              <a:rPr lang="en-US" sz="3200" b="1" dirty="0" smtClean="0">
+                <a:solidFill>
+                  <a:schemeClr val="accent1">
+                    <a:lumMod val="50000"/>
+                  </a:schemeClr>
+                </a:solidFill>
+                <a:latin typeface="+mj-lt"/>
+              </a:rPr>
+              <a:t>email: astroytechnology@mail.ru</a:t>
+            </a:r>
+            <a:endParaRPr lang="ru-RU" sz="3200" b="1" dirty="0" smtClean="0">
+              <a:solidFill>
+                <a:schemeClr val="accent1">
+                  <a:lumMod val="50000"/>
+                </a:schemeClr>
+              </a:solidFill>
+              <a:latin typeface="+mj-lt"/>
+            </a:endParaRPr>
+          </a:p>
+          <a:p>
+            <a:pPr marL="0" lvl="2" indent="0" algn="just">
+              <a:buNone/>
+            </a:pPr>
+            <a:r>
+              <a:rPr lang="ru-RU" sz="3200" b="1" dirty="0" smtClean="0">
+                <a:solidFill>
+                  <a:schemeClr val="accent1">
+                    <a:lumMod val="50000"/>
+                  </a:schemeClr>
+                </a:solidFill>
+                <a:latin typeface="+mj-lt"/>
+              </a:rPr>
+              <a:t>       г.Архангельск</a:t>
+            </a:r>
+          </a:p>
+          <a:p>
+            <a:pPr marL="0" lvl="2" indent="0" algn="just">
+              <a:buNone/>
+            </a:pPr>
+            <a:endParaRPr lang="ru-RU" sz="3200" dirty="0" smtClean="0">
+              <a:solidFill>
+                <a:schemeClr val="accent1">
+                  <a:lumMod val="50000"/>
+                </a:schemeClr>
+              </a:solidFill>
+            </a:endParaRPr>
+          </a:p>
+        </p:txBody>
+      </p:sp>
+      <p:pic>
+        <p:nvPicPr>
+          <p:cNvPr id="3074" name="Picture 2"/>
+          <p:cNvPicPr>
+            <a:picLocks noChangeAspect="1" noChangeArrowheads="1"/>
+          </p:cNvPicPr>
+          <p:nvPr/>
+        </p:nvPicPr>
+        <p:blipFill>
+          <a:blip r:embed="rId2" cstate="print"/>
+          <a:srcRect/>
+          <a:stretch>
+            <a:fillRect/>
+          </a:stretch>
+        </p:blipFill>
+        <p:spPr bwMode="auto">
+          <a:xfrm>
+            <a:off x="8230742" y="1692321"/>
+            <a:ext cx="1854953" cy="2265529"/>
+          </a:xfrm>
+          <a:prstGeom prst="rect">
+            <a:avLst/>
+          </a:prstGeom>
+          <a:noFill/>
+          <a:ln w="9525">
+            <a:noFill/>
+            <a:miter lim="800000"/>
+            <a:headEnd/>
+            <a:tailEnd/>
+          </a:ln>
+          <a:effectLst/>
+        </p:spPr>
+      </p:pic>
+      <p:pic>
+        <p:nvPicPr>
+          <p:cNvPr id="14" name="Picture 4"/>
+          <p:cNvPicPr>
+            <a:picLocks noChangeAspect="1" noChangeArrowheads="1"/>
+          </p:cNvPicPr>
+          <p:nvPr/>
+        </p:nvPicPr>
+        <p:blipFill>
+          <a:blip r:embed="rId3" cstate="print"/>
+          <a:srcRect/>
+          <a:stretch>
+            <a:fillRect/>
+          </a:stretch>
+        </p:blipFill>
+        <p:spPr bwMode="auto">
+          <a:xfrm>
+            <a:off x="1440104" y="2158624"/>
+            <a:ext cx="386159" cy="392894"/>
+          </a:xfrm>
+          <a:prstGeom prst="rect">
+            <a:avLst/>
+          </a:prstGeom>
+          <a:noFill/>
+          <a:ln w="9525">
+            <a:noFill/>
+            <a:miter lim="800000"/>
+            <a:headEnd/>
+            <a:tailEnd/>
+          </a:ln>
+          <a:effectLst/>
+        </p:spPr>
+      </p:pic>
+    </p:spTree>
+    <p:extLst>
+      <p:ext uri="{BB962C8B-B14F-4D97-AF65-F5344CB8AC3E}">
+        <p14:creationId xmlns:p14="http://schemas.microsoft.com/office/powerpoint/2010/main" xmlns="" val="1949184756"/>
       </p:ext>
     </p:extLst>
   </p:cSld>
@@ -3876,37 +4221,6 @@
 <file path=ppt/slides/slide2.xml><?xml version="1.0" encoding="utf-8"?>
 <p:sld xmlns:a="http://schemas.openxmlformats.org/drawingml/2006/main" xmlns:r="http://schemas.openxmlformats.org/officeDocument/2006/relationships" xmlns:p="http://schemas.openxmlformats.org/presentationml/2006/main">
   <p:cSld>
-    <p:bg>
-      <p:bgPr>
-        <a:gradFill>
-          <a:gsLst>
-            <a:gs pos="0">
-              <a:schemeClr val="bg1"/>
-            </a:gs>
-            <a:gs pos="74000">
-              <a:schemeClr val="accent1">
-                <a:lumMod val="45000"/>
-                <a:lumOff val="55000"/>
-              </a:schemeClr>
-            </a:gs>
-            <a:gs pos="83000">
-              <a:schemeClr val="accent1">
-                <a:lumMod val="45000"/>
-                <a:lumOff val="55000"/>
-              </a:schemeClr>
-            </a:gs>
-            <a:gs pos="100000">
-              <a:schemeClr val="accent1">
-                <a:lumMod val="30000"/>
-                <a:lumOff val="70000"/>
-              </a:schemeClr>
-            </a:gs>
-          </a:gsLst>
-          <a:lin ang="5400000" scaled="1"/>
-        </a:gradFill>
-        <a:effectLst/>
-      </p:bgPr>
-    </p:bg>
     <p:spTree>
       <p:nvGrpSpPr>
         <p:cNvPr id="1" name=""/>
@@ -3926,7 +4240,7 @@
           <p:cNvPr id="5" name="Объект 4">
             <a:extLst>
               <a:ext uri="{FF2B5EF4-FFF2-40B4-BE49-F238E27FC236}">
-                <a16:creationId xmlns:a16="http://schemas.microsoft.com/office/drawing/2014/main" xmlns="" id="{7C76C821-45B2-DFFE-8A53-0CD78B84D34D}"/>
+                <a16:creationId xmlns="" xmlns:a16="http://schemas.microsoft.com/office/drawing/2014/main" id="{7C76C821-45B2-DFFE-8A53-0CD78B84D34D}"/>
               </a:ext>
             </a:extLst>
           </p:cNvPr>
@@ -4010,7 +4324,7 @@
     </p:spTree>
     <p:extLst>
       <p:ext uri="{BB962C8B-B14F-4D97-AF65-F5344CB8AC3E}">
-        <p14:creationId xmlns="" xmlns:p14="http://schemas.microsoft.com/office/powerpoint/2010/main" val="940757705"/>
+        <p14:creationId xmlns:p14="http://schemas.microsoft.com/office/powerpoint/2010/main" xmlns="" val="940757705"/>
       </p:ext>
     </p:extLst>
   </p:cSld>
@@ -4030,37 +4344,6 @@
 <file path=ppt/slides/slide3.xml><?xml version="1.0" encoding="utf-8"?>
 <p:sld xmlns:a="http://schemas.openxmlformats.org/drawingml/2006/main" xmlns:r="http://schemas.openxmlformats.org/officeDocument/2006/relationships" xmlns:p="http://schemas.openxmlformats.org/presentationml/2006/main">
   <p:cSld>
-    <p:bg>
-      <p:bgPr>
-        <a:gradFill>
-          <a:gsLst>
-            <a:gs pos="0">
-              <a:schemeClr val="bg1"/>
-            </a:gs>
-            <a:gs pos="74000">
-              <a:schemeClr val="accent1">
-                <a:lumMod val="45000"/>
-                <a:lumOff val="55000"/>
-              </a:schemeClr>
-            </a:gs>
-            <a:gs pos="83000">
-              <a:schemeClr val="accent1">
-                <a:lumMod val="45000"/>
-                <a:lumOff val="55000"/>
-              </a:schemeClr>
-            </a:gs>
-            <a:gs pos="100000">
-              <a:schemeClr val="accent1">
-                <a:lumMod val="30000"/>
-                <a:lumOff val="70000"/>
-              </a:schemeClr>
-            </a:gs>
-          </a:gsLst>
-          <a:lin ang="5400000" scaled="1"/>
-        </a:gradFill>
-        <a:effectLst/>
-      </p:bgPr>
-    </p:bg>
     <p:spTree>
       <p:nvGrpSpPr>
         <p:cNvPr id="1" name=""/>
@@ -4080,7 +4363,7 @@
           <p:cNvPr id="2" name="Заголовок 1">
             <a:extLst>
               <a:ext uri="{FF2B5EF4-FFF2-40B4-BE49-F238E27FC236}">
-                <a16:creationId xmlns:a16="http://schemas.microsoft.com/office/drawing/2014/main" xmlns="" id="{2E9213E6-749D-9992-D519-94F289222BF0}"/>
+                <a16:creationId xmlns="" xmlns:a16="http://schemas.microsoft.com/office/drawing/2014/main" id="{2E9213E6-749D-9992-D519-94F289222BF0}"/>
               </a:ext>
             </a:extLst>
           </p:cNvPr>
@@ -5306,7 +5589,7 @@
     </p:spTree>
     <p:extLst>
       <p:ext uri="{BB962C8B-B14F-4D97-AF65-F5344CB8AC3E}">
-        <p14:creationId xmlns="" xmlns:p14="http://schemas.microsoft.com/office/powerpoint/2010/main" val="261818918"/>
+        <p14:creationId xmlns:p14="http://schemas.microsoft.com/office/powerpoint/2010/main" xmlns="" val="261818918"/>
       </p:ext>
     </p:extLst>
   </p:cSld>
@@ -5326,37 +5609,6 @@
 <file path=ppt/slides/slide4.xml><?xml version="1.0" encoding="utf-8"?>
 <p:sld xmlns:a="http://schemas.openxmlformats.org/drawingml/2006/main" xmlns:r="http://schemas.openxmlformats.org/officeDocument/2006/relationships" xmlns:p="http://schemas.openxmlformats.org/presentationml/2006/main">
   <p:cSld>
-    <p:bg>
-      <p:bgPr>
-        <a:gradFill>
-          <a:gsLst>
-            <a:gs pos="0">
-              <a:schemeClr val="bg1"/>
-            </a:gs>
-            <a:gs pos="74000">
-              <a:schemeClr val="accent1">
-                <a:lumMod val="45000"/>
-                <a:lumOff val="55000"/>
-              </a:schemeClr>
-            </a:gs>
-            <a:gs pos="83000">
-              <a:schemeClr val="accent1">
-                <a:lumMod val="45000"/>
-                <a:lumOff val="55000"/>
-              </a:schemeClr>
-            </a:gs>
-            <a:gs pos="100000">
-              <a:schemeClr val="accent1">
-                <a:lumMod val="30000"/>
-                <a:lumOff val="70000"/>
-              </a:schemeClr>
-            </a:gs>
-          </a:gsLst>
-          <a:lin ang="5400000" scaled="1"/>
-        </a:gradFill>
-        <a:effectLst/>
-      </p:bgPr>
-    </p:bg>
     <p:spTree>
       <p:nvGrpSpPr>
         <p:cNvPr id="1" name=""/>
@@ -5376,7 +5628,7 @@
           <p:cNvPr id="2" name="Заголовок 1">
             <a:extLst>
               <a:ext uri="{FF2B5EF4-FFF2-40B4-BE49-F238E27FC236}">
-                <a16:creationId xmlns:a16="http://schemas.microsoft.com/office/drawing/2014/main" xmlns="" id="{2E9213E6-749D-9992-D519-94F289222BF0}"/>
+                <a16:creationId xmlns="" xmlns:a16="http://schemas.microsoft.com/office/drawing/2014/main" id="{2E9213E6-749D-9992-D519-94F289222BF0}"/>
               </a:ext>
             </a:extLst>
           </p:cNvPr>
@@ -5641,7 +5893,7 @@
     </p:spTree>
     <p:extLst>
       <p:ext uri="{BB962C8B-B14F-4D97-AF65-F5344CB8AC3E}">
-        <p14:creationId xmlns="" xmlns:p14="http://schemas.microsoft.com/office/powerpoint/2010/main" val="550409415"/>
+        <p14:creationId xmlns:p14="http://schemas.microsoft.com/office/powerpoint/2010/main" xmlns="" val="550409415"/>
       </p:ext>
     </p:extLst>
   </p:cSld>
@@ -5661,37 +5913,6 @@
 <file path=ppt/slides/slide5.xml><?xml version="1.0" encoding="utf-8"?>
 <p:sld xmlns:a="http://schemas.openxmlformats.org/drawingml/2006/main" xmlns:r="http://schemas.openxmlformats.org/officeDocument/2006/relationships" xmlns:p="http://schemas.openxmlformats.org/presentationml/2006/main">
   <p:cSld>
-    <p:bg>
-      <p:bgPr>
-        <a:gradFill>
-          <a:gsLst>
-            <a:gs pos="0">
-              <a:schemeClr val="bg1"/>
-            </a:gs>
-            <a:gs pos="74000">
-              <a:schemeClr val="accent1">
-                <a:lumMod val="45000"/>
-                <a:lumOff val="55000"/>
-              </a:schemeClr>
-            </a:gs>
-            <a:gs pos="83000">
-              <a:schemeClr val="accent1">
-                <a:lumMod val="45000"/>
-                <a:lumOff val="55000"/>
-              </a:schemeClr>
-            </a:gs>
-            <a:gs pos="100000">
-              <a:schemeClr val="accent1">
-                <a:lumMod val="30000"/>
-                <a:lumOff val="70000"/>
-              </a:schemeClr>
-            </a:gs>
-          </a:gsLst>
-          <a:lin ang="5400000" scaled="1"/>
-        </a:gradFill>
-        <a:effectLst/>
-      </p:bgPr>
-    </p:bg>
     <p:spTree>
       <p:nvGrpSpPr>
         <p:cNvPr id="1" name=""/>
@@ -5711,7 +5932,7 @@
           <p:cNvPr id="2" name="Заголовок 1">
             <a:extLst>
               <a:ext uri="{FF2B5EF4-FFF2-40B4-BE49-F238E27FC236}">
-                <a16:creationId xmlns:a16="http://schemas.microsoft.com/office/drawing/2014/main" xmlns="" id="{2E9213E6-749D-9992-D519-94F289222BF0}"/>
+                <a16:creationId xmlns="" xmlns:a16="http://schemas.microsoft.com/office/drawing/2014/main" id="{2E9213E6-749D-9992-D519-94F289222BF0}"/>
               </a:ext>
             </a:extLst>
           </p:cNvPr>
@@ -5771,7 +5992,7 @@
           <p:cNvPr id="5" name="Объект 4">
             <a:extLst>
               <a:ext uri="{FF2B5EF4-FFF2-40B4-BE49-F238E27FC236}">
-                <a16:creationId xmlns:a16="http://schemas.microsoft.com/office/drawing/2014/main" xmlns="" id="{7C76C821-45B2-DFFE-8A53-0CD78B84D34D}"/>
+                <a16:creationId xmlns="" xmlns:a16="http://schemas.microsoft.com/office/drawing/2014/main" id="{7C76C821-45B2-DFFE-8A53-0CD78B84D34D}"/>
               </a:ext>
             </a:extLst>
           </p:cNvPr>
@@ -5831,7 +6052,7 @@
           <p:cNvPr id="9" name="Заголовок 1">
             <a:extLst>
               <a:ext uri="{FF2B5EF4-FFF2-40B4-BE49-F238E27FC236}">
-                <a16:creationId xmlns:a16="http://schemas.microsoft.com/office/drawing/2014/main" xmlns="" id="{2E9213E6-749D-9992-D519-94F289222BF0}"/>
+                <a16:creationId xmlns="" xmlns:a16="http://schemas.microsoft.com/office/drawing/2014/main" id="{2E9213E6-749D-9992-D519-94F289222BF0}"/>
               </a:ext>
             </a:extLst>
           </p:cNvPr>
@@ -7044,7 +7265,7 @@
     </p:spTree>
     <p:extLst>
       <p:ext uri="{BB962C8B-B14F-4D97-AF65-F5344CB8AC3E}">
-        <p14:creationId xmlns="" xmlns:p14="http://schemas.microsoft.com/office/powerpoint/2010/main" val="1444225727"/>
+        <p14:creationId xmlns:p14="http://schemas.microsoft.com/office/powerpoint/2010/main" xmlns="" val="1444225727"/>
       </p:ext>
     </p:extLst>
   </p:cSld>
@@ -7064,34 +7285,6 @@
 <file path=ppt/slides/slide6.xml><?xml version="1.0" encoding="utf-8"?>
 <p:sld xmlns:a="http://schemas.openxmlformats.org/drawingml/2006/main" xmlns:r="http://schemas.openxmlformats.org/officeDocument/2006/relationships" xmlns:p="http://schemas.openxmlformats.org/presentationml/2006/main">
   <p:cSld>
-    <p:bg>
-      <p:bgPr>
-        <a:gradFill>
-          <a:gsLst>
-            <a:gs pos="0">
-              <a:schemeClr val="accent1">
-                <a:tint val="66000"/>
-                <a:satMod val="160000"/>
-              </a:schemeClr>
-            </a:gs>
-            <a:gs pos="50000">
-              <a:schemeClr val="accent1">
-                <a:tint val="44500"/>
-                <a:satMod val="160000"/>
-              </a:schemeClr>
-            </a:gs>
-            <a:gs pos="100000">
-              <a:schemeClr val="accent1">
-                <a:tint val="23500"/>
-                <a:satMod val="160000"/>
-              </a:schemeClr>
-            </a:gs>
-          </a:gsLst>
-          <a:lin ang="5400000" scaled="0"/>
-        </a:gradFill>
-        <a:effectLst/>
-      </p:bgPr>
-    </p:bg>
     <p:spTree>
       <p:nvGrpSpPr>
         <p:cNvPr id="1" name=""/>
@@ -7111,7 +7304,7 @@
           <p:cNvPr id="2" name="Заголовок 1">
             <a:extLst>
               <a:ext uri="{FF2B5EF4-FFF2-40B4-BE49-F238E27FC236}">
-                <a16:creationId xmlns:a16="http://schemas.microsoft.com/office/drawing/2014/main" xmlns="" id="{2E9213E6-749D-9992-D519-94F289222BF0}"/>
+                <a16:creationId xmlns="" xmlns:a16="http://schemas.microsoft.com/office/drawing/2014/main" id="{2E9213E6-749D-9992-D519-94F289222BF0}"/>
               </a:ext>
             </a:extLst>
           </p:cNvPr>
@@ -7535,7 +7728,7 @@
     </p:spTree>
     <p:extLst>
       <p:ext uri="{BB962C8B-B14F-4D97-AF65-F5344CB8AC3E}">
-        <p14:creationId xmlns="" xmlns:p14="http://schemas.microsoft.com/office/powerpoint/2010/main" val="261818918"/>
+        <p14:creationId xmlns:p14="http://schemas.microsoft.com/office/powerpoint/2010/main" xmlns="" val="261818918"/>
       </p:ext>
     </p:extLst>
   </p:cSld>
@@ -7555,37 +7748,6 @@
 <file path=ppt/slides/slide7.xml><?xml version="1.0" encoding="utf-8"?>
 <p:sld xmlns:a="http://schemas.openxmlformats.org/drawingml/2006/main" xmlns:r="http://schemas.openxmlformats.org/officeDocument/2006/relationships" xmlns:p="http://schemas.openxmlformats.org/presentationml/2006/main">
   <p:cSld>
-    <p:bg>
-      <p:bgPr>
-        <a:gradFill>
-          <a:gsLst>
-            <a:gs pos="0">
-              <a:schemeClr val="bg1"/>
-            </a:gs>
-            <a:gs pos="74000">
-              <a:schemeClr val="accent1">
-                <a:lumMod val="45000"/>
-                <a:lumOff val="55000"/>
-              </a:schemeClr>
-            </a:gs>
-            <a:gs pos="83000">
-              <a:schemeClr val="accent1">
-                <a:lumMod val="45000"/>
-                <a:lumOff val="55000"/>
-              </a:schemeClr>
-            </a:gs>
-            <a:gs pos="100000">
-              <a:schemeClr val="accent1">
-                <a:lumMod val="30000"/>
-                <a:lumOff val="70000"/>
-              </a:schemeClr>
-            </a:gs>
-          </a:gsLst>
-          <a:lin ang="5400000" scaled="1"/>
-        </a:gradFill>
-        <a:effectLst/>
-      </p:bgPr>
-    </p:bg>
     <p:spTree>
       <p:nvGrpSpPr>
         <p:cNvPr id="1" name=""/>
@@ -7605,7 +7767,7 @@
           <p:cNvPr id="5" name="Объект 4">
             <a:extLst>
               <a:ext uri="{FF2B5EF4-FFF2-40B4-BE49-F238E27FC236}">
-                <a16:creationId xmlns:a16="http://schemas.microsoft.com/office/drawing/2014/main" xmlns="" id="{7C76C821-45B2-DFFE-8A53-0CD78B84D34D}"/>
+                <a16:creationId xmlns="" xmlns:a16="http://schemas.microsoft.com/office/drawing/2014/main" id="{7C76C821-45B2-DFFE-8A53-0CD78B84D34D}"/>
               </a:ext>
             </a:extLst>
           </p:cNvPr>
@@ -8175,7 +8337,7 @@
     </p:spTree>
     <p:extLst>
       <p:ext uri="{BB962C8B-B14F-4D97-AF65-F5344CB8AC3E}">
-        <p14:creationId xmlns="" xmlns:p14="http://schemas.microsoft.com/office/powerpoint/2010/main" val="2209134722"/>
+        <p14:creationId xmlns:p14="http://schemas.microsoft.com/office/powerpoint/2010/main" xmlns="" val="2209134722"/>
       </p:ext>
     </p:extLst>
   </p:cSld>
@@ -8195,37 +8357,6 @@
 <file path=ppt/slides/slide8.xml><?xml version="1.0" encoding="utf-8"?>
 <p:sld xmlns:a="http://schemas.openxmlformats.org/drawingml/2006/main" xmlns:r="http://schemas.openxmlformats.org/officeDocument/2006/relationships" xmlns:p="http://schemas.openxmlformats.org/presentationml/2006/main">
   <p:cSld>
-    <p:bg>
-      <p:bgPr>
-        <a:gradFill>
-          <a:gsLst>
-            <a:gs pos="0">
-              <a:schemeClr val="bg1"/>
-            </a:gs>
-            <a:gs pos="74000">
-              <a:schemeClr val="accent1">
-                <a:lumMod val="45000"/>
-                <a:lumOff val="55000"/>
-              </a:schemeClr>
-            </a:gs>
-            <a:gs pos="83000">
-              <a:schemeClr val="accent1">
-                <a:lumMod val="45000"/>
-                <a:lumOff val="55000"/>
-              </a:schemeClr>
-            </a:gs>
-            <a:gs pos="100000">
-              <a:schemeClr val="accent1">
-                <a:lumMod val="30000"/>
-                <a:lumOff val="70000"/>
-              </a:schemeClr>
-            </a:gs>
-          </a:gsLst>
-          <a:lin ang="5400000" scaled="1"/>
-        </a:gradFill>
-        <a:effectLst/>
-      </p:bgPr>
-    </p:bg>
     <p:spTree>
       <p:nvGrpSpPr>
         <p:cNvPr id="1" name=""/>
@@ -8245,7 +8376,7 @@
           <p:cNvPr id="2" name="Заголовок 1">
             <a:extLst>
               <a:ext uri="{FF2B5EF4-FFF2-40B4-BE49-F238E27FC236}">
-                <a16:creationId xmlns:a16="http://schemas.microsoft.com/office/drawing/2014/main" xmlns="" id="{2E9213E6-749D-9992-D519-94F289222BF0}"/>
+                <a16:creationId xmlns="" xmlns:a16="http://schemas.microsoft.com/office/drawing/2014/main" id="{2E9213E6-749D-9992-D519-94F289222BF0}"/>
               </a:ext>
             </a:extLst>
           </p:cNvPr>
@@ -8258,7 +8389,7 @@
         </p:nvSpPr>
         <p:spPr>
           <a:xfrm>
-            <a:off x="810903" y="215000"/>
+            <a:off x="838199" y="365125"/>
             <a:ext cx="10789693" cy="1036955"/>
           </a:xfrm>
         </p:spPr>
@@ -8271,28 +8402,22 @@
             <a:r>
               <a:rPr lang="ru-RU" sz="4800" b="1" dirty="0" smtClean="0">
                 <a:solidFill>
-                  <a:schemeClr val="accent1">
-                    <a:lumMod val="50000"/>
-                  </a:schemeClr>
-                </a:solidFill>
-              </a:rPr>
-              <a:t>Выводы</a:t>
-            </a:r>
-            <a:r>
-              <a:rPr lang="ru-RU" b="1" dirty="0" smtClean="0">
-                <a:solidFill>
-                  <a:schemeClr val="accent1">
-                    <a:lumMod val="50000"/>
-                  </a:schemeClr>
-                </a:solidFill>
-              </a:rPr>
-              <a:t> по результатам работы с данными</a:t>
+                  <a:srgbClr val="002060"/>
+                </a:solidFill>
+              </a:rPr>
+              <a:t>Важность признаков (</a:t>
+            </a:r>
+            <a:r>
+              <a:rPr lang="en-US" sz="4800" b="1" dirty="0" smtClean="0">
+                <a:solidFill>
+                  <a:srgbClr val="002060"/>
+                </a:solidFill>
+              </a:rPr>
+              <a:t>feature importance)</a:t>
             </a:r>
             <a:endParaRPr lang="ru-RU" b="1" dirty="0">
               <a:solidFill>
-                <a:schemeClr val="accent1">
-                  <a:lumMod val="50000"/>
-                </a:schemeClr>
+                <a:srgbClr val="002060"/>
               </a:solidFill>
             </a:endParaRPr>
           </a:p>
@@ -8303,7 +8428,7 @@
           <p:cNvPr id="5" name="Объект 4">
             <a:extLst>
               <a:ext uri="{FF2B5EF4-FFF2-40B4-BE49-F238E27FC236}">
-                <a16:creationId xmlns:a16="http://schemas.microsoft.com/office/drawing/2014/main" xmlns="" id="{7C76C821-45B2-DFFE-8A53-0CD78B84D34D}"/>
+                <a16:creationId xmlns="" xmlns:a16="http://schemas.microsoft.com/office/drawing/2014/main" id="{7C76C821-45B2-DFFE-8A53-0CD78B84D34D}"/>
               </a:ext>
             </a:extLst>
           </p:cNvPr>
@@ -8363,7 +8488,7 @@
           <p:cNvPr id="9" name="Заголовок 1">
             <a:extLst>
               <a:ext uri="{FF2B5EF4-FFF2-40B4-BE49-F238E27FC236}">
-                <a16:creationId xmlns:a16="http://schemas.microsoft.com/office/drawing/2014/main" xmlns="" id="{2E9213E6-749D-9992-D519-94F289222BF0}"/>
+                <a16:creationId xmlns="" xmlns:a16="http://schemas.microsoft.com/office/drawing/2014/main" id="{2E9213E6-749D-9992-D519-94F289222BF0}"/>
               </a:ext>
             </a:extLst>
           </p:cNvPr>
@@ -8374,8 +8499,8 @@
         </p:nvSpPr>
         <p:spPr>
           <a:xfrm>
-            <a:off x="641445" y="928048"/>
-            <a:ext cx="11013744" cy="5540991"/>
+            <a:off x="736980" y="1351128"/>
+            <a:ext cx="11013744" cy="4981433"/>
           </a:xfrm>
           <a:prstGeom prst="rect">
             <a:avLst/>
@@ -8415,6 +8540,252 @@
             </a:endParaRPr>
           </a:p>
           <a:p>
+            <a:pPr lvl="0" algn="just">
+              <a:lnSpc>
+                <a:spcPct val="90000"/>
+              </a:lnSpc>
+              <a:spcBef>
+                <a:spcPct val="0"/>
+              </a:spcBef>
+              <a:defRPr/>
+            </a:pPr>
+            <a:endParaRPr lang="ru-RU" sz="2800" dirty="0" smtClean="0">
+              <a:solidFill>
+                <a:schemeClr val="accent1">
+                  <a:lumMod val="50000"/>
+                </a:schemeClr>
+              </a:solidFill>
+            </a:endParaRPr>
+          </a:p>
+          <a:p>
+            <a:pPr lvl="0" algn="just">
+              <a:lnSpc>
+                <a:spcPct val="90000"/>
+              </a:lnSpc>
+              <a:spcBef>
+                <a:spcPct val="0"/>
+              </a:spcBef>
+              <a:defRPr/>
+            </a:pPr>
+            <a:endParaRPr lang="ru-RU" sz="2800" dirty="0" smtClean="0">
+              <a:ea typeface="+mj-ea"/>
+              <a:cs typeface="+mj-cs"/>
+            </a:endParaRPr>
+          </a:p>
+        </p:txBody>
+      </p:sp>
+    </p:spTree>
+    <p:extLst>
+      <p:ext uri="{BB962C8B-B14F-4D97-AF65-F5344CB8AC3E}">
+        <p14:creationId xmlns:p14="http://schemas.microsoft.com/office/powerpoint/2010/main" xmlns="" val="1444225727"/>
+      </p:ext>
+    </p:extLst>
+  </p:cSld>
+  <p:clrMapOvr>
+    <a:masterClrMapping/>
+  </p:clrMapOvr>
+  <p:timing>
+    <p:tnLst>
+      <p:par>
+        <p:cTn id="1" dur="indefinite" restart="never" nodeType="tmRoot"/>
+      </p:par>
+    </p:tnLst>
+  </p:timing>
+</p:sld>
+</file>
+
+<file path=ppt/slides/slide9.xml><?xml version="1.0" encoding="utf-8"?>
+<p:sld xmlns:a="http://schemas.openxmlformats.org/drawingml/2006/main" xmlns:r="http://schemas.openxmlformats.org/officeDocument/2006/relationships" xmlns:p="http://schemas.openxmlformats.org/presentationml/2006/main">
+  <p:cSld>
+    <p:spTree>
+      <p:nvGrpSpPr>
+        <p:cNvPr id="1" name=""/>
+        <p:cNvGrpSpPr/>
+        <p:nvPr/>
+      </p:nvGrpSpPr>
+      <p:grpSpPr>
+        <a:xfrm>
+          <a:off x="0" y="0"/>
+          <a:ext cx="0" cy="0"/>
+          <a:chOff x="0" y="0"/>
+          <a:chExt cx="0" cy="0"/>
+        </a:xfrm>
+      </p:grpSpPr>
+      <p:sp>
+        <p:nvSpPr>
+          <p:cNvPr id="2" name="Заголовок 1">
+            <a:extLst>
+              <a:ext uri="{FF2B5EF4-FFF2-40B4-BE49-F238E27FC236}">
+                <a16:creationId xmlns="" xmlns:a16="http://schemas.microsoft.com/office/drawing/2014/main" id="{2E9213E6-749D-9992-D519-94F289222BF0}"/>
+              </a:ext>
+            </a:extLst>
+          </p:cNvPr>
+          <p:cNvSpPr>
+            <a:spLocks noGrp="1"/>
+          </p:cNvSpPr>
+          <p:nvPr>
+            <p:ph type="title"/>
+          </p:nvPr>
+        </p:nvSpPr>
+        <p:spPr>
+          <a:xfrm>
+            <a:off x="810903" y="215000"/>
+            <a:ext cx="10789693" cy="1036955"/>
+          </a:xfrm>
+        </p:spPr>
+        <p:txBody>
+          <a:bodyPr>
+            <a:noAutofit/>
+          </a:bodyPr>
+          <a:lstStyle/>
+          <a:p>
+            <a:r>
+              <a:rPr lang="ru-RU" sz="4800" b="1" dirty="0" smtClean="0">
+                <a:solidFill>
+                  <a:schemeClr val="accent1">
+                    <a:lumMod val="50000"/>
+                  </a:schemeClr>
+                </a:solidFill>
+              </a:rPr>
+              <a:t>Выводы</a:t>
+            </a:r>
+            <a:r>
+              <a:rPr lang="ru-RU" b="1" dirty="0" smtClean="0">
+                <a:solidFill>
+                  <a:schemeClr val="accent1">
+                    <a:lumMod val="50000"/>
+                  </a:schemeClr>
+                </a:solidFill>
+              </a:rPr>
+              <a:t> по результатам работы с данными</a:t>
+            </a:r>
+            <a:endParaRPr lang="ru-RU" b="1" dirty="0">
+              <a:solidFill>
+                <a:schemeClr val="accent1">
+                  <a:lumMod val="50000"/>
+                </a:schemeClr>
+              </a:solidFill>
+            </a:endParaRPr>
+          </a:p>
+        </p:txBody>
+      </p:sp>
+      <p:sp>
+        <p:nvSpPr>
+          <p:cNvPr id="5" name="Объект 4">
+            <a:extLst>
+              <a:ext uri="{FF2B5EF4-FFF2-40B4-BE49-F238E27FC236}">
+                <a16:creationId xmlns="" xmlns:a16="http://schemas.microsoft.com/office/drawing/2014/main" id="{7C76C821-45B2-DFFE-8A53-0CD78B84D34D}"/>
+              </a:ext>
+            </a:extLst>
+          </p:cNvPr>
+          <p:cNvSpPr>
+            <a:spLocks noGrp="1"/>
+          </p:cNvSpPr>
+          <p:nvPr>
+            <p:ph idx="1"/>
+          </p:nvPr>
+        </p:nvSpPr>
+        <p:spPr>
+          <a:xfrm>
+            <a:off x="4415491" y="6162576"/>
+            <a:ext cx="7867044" cy="3329986"/>
+          </a:xfrm>
+          <a:noFill/>
+        </p:spPr>
+        <p:txBody>
+          <a:bodyPr>
+            <a:noAutofit/>
+          </a:bodyPr>
+          <a:lstStyle/>
+          <a:p>
+            <a:pPr marL="0" indent="0" algn="just">
+              <a:buNone/>
+            </a:pPr>
+            <a:r>
+              <a:rPr lang="ru-RU" sz="3200" dirty="0">
+                <a:solidFill>
+                  <a:schemeClr val="accent1">
+                    <a:lumMod val="50000"/>
+                  </a:schemeClr>
+                </a:solidFill>
+              </a:rPr>
+              <a:t>	</a:t>
+            </a:r>
+          </a:p>
+          <a:p>
+            <a:pPr marL="0" indent="0" algn="just">
+              <a:buNone/>
+            </a:pPr>
+            <a:r>
+              <a:rPr lang="ru-RU" sz="3200" dirty="0">
+                <a:solidFill>
+                  <a:schemeClr val="accent1">
+                    <a:lumMod val="50000"/>
+                  </a:schemeClr>
+                </a:solidFill>
+              </a:rPr>
+              <a:t>	</a:t>
+            </a:r>
+          </a:p>
+        </p:txBody>
+      </p:sp>
+      <p:sp>
+        <p:nvSpPr>
+          <p:cNvPr id="9" name="Заголовок 1">
+            <a:extLst>
+              <a:ext uri="{FF2B5EF4-FFF2-40B4-BE49-F238E27FC236}">
+                <a16:creationId xmlns="" xmlns:a16="http://schemas.microsoft.com/office/drawing/2014/main" id="{2E9213E6-749D-9992-D519-94F289222BF0}"/>
+              </a:ext>
+            </a:extLst>
+          </p:cNvPr>
+          <p:cNvSpPr txBox="1">
+            <a:spLocks/>
+          </p:cNvSpPr>
+          <p:nvPr/>
+        </p:nvSpPr>
+        <p:spPr>
+          <a:xfrm>
+            <a:off x="641445" y="928048"/>
+            <a:ext cx="11013744" cy="5540991"/>
+          </a:xfrm>
+          <a:prstGeom prst="rect">
+            <a:avLst/>
+          </a:prstGeom>
+        </p:spPr>
+        <p:txBody>
+          <a:bodyPr vert="horz" lIns="91440" tIns="45720" rIns="91440" bIns="45720" rtlCol="0" anchor="ctr">
+            <a:noAutofit/>
+          </a:bodyPr>
+          <a:lstStyle/>
+          <a:p>
+            <a:pPr marL="0" marR="0" lvl="0" indent="0" algn="just" defTabSz="914400" rtl="0" eaLnBrk="1" fontAlgn="auto" latinLnBrk="0" hangingPunct="1">
+              <a:lnSpc>
+                <a:spcPct val="90000"/>
+              </a:lnSpc>
+              <a:spcBef>
+                <a:spcPct val="0"/>
+              </a:spcBef>
+              <a:spcAft>
+                <a:spcPts val="0"/>
+              </a:spcAft>
+              <a:buClrTx/>
+              <a:buSzTx/>
+              <a:buFontTx/>
+              <a:buNone/>
+              <a:tabLst/>
+              <a:defRPr/>
+            </a:pPr>
+            <a:endParaRPr lang="ru-RU" sz="2800" dirty="0" smtClean="0">
+              <a:solidFill>
+                <a:schemeClr val="accent1">
+                  <a:lumMod val="50000"/>
+                </a:schemeClr>
+              </a:solidFill>
+              <a:ea typeface="+mj-ea"/>
+              <a:cs typeface="+mj-cs"/>
+            </a:endParaRPr>
+          </a:p>
+          <a:p>
             <a:pPr marL="514350" marR="0" lvl="0" indent="-514350" algn="just" defTabSz="914400" rtl="0" eaLnBrk="1" fontAlgn="auto" latinLnBrk="0" hangingPunct="1">
               <a:lnSpc>
                 <a:spcPct val="90000"/>
@@ -8578,46 +8949,7 @@
                 <a:ea typeface="+mj-ea"/>
                 <a:cs typeface="+mj-cs"/>
               </a:rPr>
-              <a:t>(отражательная </a:t>
-            </a:r>
-            <a:r>
-              <a:rPr lang="ru-RU" sz="2800" b="1" dirty="0" smtClean="0">
-                <a:solidFill>
-                  <a:schemeClr val="accent1">
-                    <a:lumMod val="50000"/>
-                  </a:schemeClr>
-                </a:solidFill>
-                <a:latin typeface="+mj-lt"/>
-                <a:ea typeface="+mj-ea"/>
-                <a:cs typeface="+mj-cs"/>
-              </a:rPr>
-              <a:t>способность </a:t>
-            </a:r>
-            <a:r>
-              <a:rPr lang="ru-RU" sz="2800" b="1" dirty="0" smtClean="0">
-                <a:solidFill>
-                  <a:schemeClr val="accent1">
-                    <a:lumMod val="50000"/>
-                  </a:schemeClr>
-                </a:solidFill>
-                <a:latin typeface="+mj-lt"/>
-                <a:ea typeface="+mj-ea"/>
-                <a:cs typeface="+mj-cs"/>
-              </a:rPr>
-              <a:t>ТЛО) </a:t>
-            </a:r>
-            <a:r>
-              <a:rPr lang="ru-RU" sz="2800" b="1" dirty="0" smtClean="0">
-                <a:solidFill>
-                  <a:schemeClr val="accent1">
-                    <a:lumMod val="50000"/>
-                  </a:schemeClr>
-                </a:solidFill>
-                <a:latin typeface="+mj-lt"/>
-                <a:ea typeface="+mj-ea"/>
-                <a:cs typeface="+mj-cs"/>
-              </a:rPr>
-              <a:t>лишь незначительно снижает результат!!! Это можно интерпретировать так:  рассматриваемые элементы железнодорожной инфраструктуры имеют стандартные размеры и располагаются друг относительно друга достаточно закономерно, поэтому во многом достаточно их точных координат.</a:t>
+              <a:t>(отражательная способность ТЛО) лишь незначительно снижает результат!!! Это можно интерпретировать так:  рассматриваемые элементы железнодорожной инфраструктуры имеют стандартные размеры и располагаются друг относительно друга достаточно закономерно, поэтому во многом достаточно их точных координат.</a:t>
             </a:r>
           </a:p>
           <a:p>
@@ -8653,386 +8985,7 @@
     </p:spTree>
     <p:extLst>
       <p:ext uri="{BB962C8B-B14F-4D97-AF65-F5344CB8AC3E}">
-        <p14:creationId xmlns="" xmlns:p14="http://schemas.microsoft.com/office/powerpoint/2010/main" val="1444225727"/>
-      </p:ext>
-    </p:extLst>
-  </p:cSld>
-  <p:clrMapOvr>
-    <a:masterClrMapping/>
-  </p:clrMapOvr>
-  <p:timing>
-    <p:tnLst>
-      <p:par>
-        <p:cTn id="1" dur="indefinite" restart="never" nodeType="tmRoot"/>
-      </p:par>
-    </p:tnLst>
-  </p:timing>
-</p:sld>
-</file>
-
-<file path=ppt/slides/slide9.xml><?xml version="1.0" encoding="utf-8"?>
-<p:sld xmlns:a="http://schemas.openxmlformats.org/drawingml/2006/main" xmlns:r="http://schemas.openxmlformats.org/officeDocument/2006/relationships" xmlns:p="http://schemas.openxmlformats.org/presentationml/2006/main">
-  <p:cSld>
-    <p:bg>
-      <p:bgPr>
-        <a:gradFill>
-          <a:gsLst>
-            <a:gs pos="0">
-              <a:schemeClr val="bg1"/>
-            </a:gs>
-            <a:gs pos="74000">
-              <a:schemeClr val="accent1">
-                <a:lumMod val="45000"/>
-                <a:lumOff val="55000"/>
-              </a:schemeClr>
-            </a:gs>
-            <a:gs pos="83000">
-              <a:schemeClr val="accent1">
-                <a:lumMod val="45000"/>
-                <a:lumOff val="55000"/>
-              </a:schemeClr>
-            </a:gs>
-            <a:gs pos="100000">
-              <a:schemeClr val="accent1">
-                <a:lumMod val="30000"/>
-                <a:lumOff val="70000"/>
-              </a:schemeClr>
-            </a:gs>
-          </a:gsLst>
-          <a:lin ang="5400000" scaled="1"/>
-        </a:gradFill>
-        <a:effectLst/>
-      </p:bgPr>
-    </p:bg>
-    <p:spTree>
-      <p:nvGrpSpPr>
-        <p:cNvPr id="1" name=""/>
-        <p:cNvGrpSpPr/>
-        <p:nvPr/>
-      </p:nvGrpSpPr>
-      <p:grpSpPr>
-        <a:xfrm>
-          <a:off x="0" y="0"/>
-          <a:ext cx="0" cy="0"/>
-          <a:chOff x="0" y="0"/>
-          <a:chExt cx="0" cy="0"/>
-        </a:xfrm>
-      </p:grpSpPr>
-      <p:sp>
-        <p:nvSpPr>
-          <p:cNvPr id="2" name="Заголовок 1">
-            <a:extLst>
-              <a:ext uri="{FF2B5EF4-FFF2-40B4-BE49-F238E27FC236}">
-                <a16:creationId xmlns:a16="http://schemas.microsoft.com/office/drawing/2014/main" xmlns="" id="{2E9213E6-749D-9992-D519-94F289222BF0}"/>
-              </a:ext>
-            </a:extLst>
-          </p:cNvPr>
-          <p:cNvSpPr>
-            <a:spLocks noGrp="1"/>
-          </p:cNvSpPr>
-          <p:nvPr>
-            <p:ph type="title"/>
-          </p:nvPr>
-        </p:nvSpPr>
-        <p:spPr>
-          <a:xfrm>
-            <a:off x="838200" y="365125"/>
-            <a:ext cx="10515600" cy="1036955"/>
-          </a:xfrm>
-        </p:spPr>
-        <p:txBody>
-          <a:bodyPr>
-            <a:normAutofit/>
-          </a:bodyPr>
-          <a:lstStyle/>
-          <a:p>
-            <a:r>
-              <a:rPr lang="ru-RU" sz="4800" dirty="0"/>
-              <a:t>	</a:t>
-            </a:r>
-            <a:r>
-              <a:rPr lang="ru-RU" sz="4800" b="1" dirty="0" smtClean="0">
-                <a:solidFill>
-                  <a:schemeClr val="accent1">
-                    <a:lumMod val="50000"/>
-                  </a:schemeClr>
-                </a:solidFill>
-              </a:rPr>
-              <a:t>Контакты</a:t>
-            </a:r>
-            <a:endParaRPr lang="ru-RU" sz="4800" b="1" dirty="0"/>
-          </a:p>
-        </p:txBody>
-      </p:sp>
-      <p:sp>
-        <p:nvSpPr>
-          <p:cNvPr id="5" name="Объект 4">
-            <a:extLst>
-              <a:ext uri="{FF2B5EF4-FFF2-40B4-BE49-F238E27FC236}">
-                <a16:creationId xmlns:a16="http://schemas.microsoft.com/office/drawing/2014/main" xmlns="" id="{7C76C821-45B2-DFFE-8A53-0CD78B84D34D}"/>
-              </a:ext>
-            </a:extLst>
-          </p:cNvPr>
-          <p:cNvSpPr>
-            <a:spLocks noGrp="1"/>
-          </p:cNvSpPr>
-          <p:nvPr>
-            <p:ph idx="1"/>
-          </p:nvPr>
-        </p:nvSpPr>
-        <p:spPr>
-          <a:xfrm>
-            <a:off x="810904" y="1596788"/>
-            <a:ext cx="10927080" cy="3111690"/>
-          </a:xfrm>
-          <a:noFill/>
-        </p:spPr>
-        <p:txBody>
-          <a:bodyPr>
-            <a:normAutofit/>
-          </a:bodyPr>
-          <a:lstStyle/>
-          <a:p>
-            <a:pPr marL="457200" lvl="2" indent="-457200" algn="just"/>
-            <a:r>
-              <a:rPr lang="en-US" sz="3200" b="1" dirty="0" smtClean="0">
-                <a:solidFill>
-                  <a:schemeClr val="accent4">
-                    <a:lumMod val="50000"/>
-                  </a:schemeClr>
-                </a:solidFill>
-                <a:latin typeface="+mj-lt"/>
-              </a:rPr>
-              <a:t>Data Scientist: </a:t>
-            </a:r>
-            <a:r>
-              <a:rPr lang="ru-RU" sz="3200" b="1" dirty="0" smtClean="0">
-                <a:solidFill>
-                  <a:schemeClr val="accent1">
-                    <a:lumMod val="50000"/>
-                  </a:schemeClr>
-                </a:solidFill>
-                <a:latin typeface="+mj-lt"/>
-              </a:rPr>
-              <a:t>Алексей</a:t>
-            </a:r>
-            <a:r>
-              <a:rPr lang="en-US" sz="3200" b="1" dirty="0" smtClean="0">
-                <a:solidFill>
-                  <a:schemeClr val="accent1">
-                    <a:lumMod val="50000"/>
-                  </a:schemeClr>
-                </a:solidFill>
-                <a:latin typeface="+mj-lt"/>
-              </a:rPr>
-              <a:t> </a:t>
-            </a:r>
-            <a:r>
-              <a:rPr lang="ru-RU" sz="3200" b="1" dirty="0" err="1" smtClean="0">
-                <a:solidFill>
-                  <a:schemeClr val="accent1">
-                    <a:lumMod val="50000"/>
-                  </a:schemeClr>
-                </a:solidFill>
-                <a:latin typeface="+mj-lt"/>
-              </a:rPr>
-              <a:t>Верт-Миллер</a:t>
-            </a:r>
-            <a:endParaRPr lang="en-US" sz="3200" b="1" dirty="0" smtClean="0">
-              <a:solidFill>
-                <a:schemeClr val="accent1">
-                  <a:lumMod val="50000"/>
-                </a:schemeClr>
-              </a:solidFill>
-              <a:latin typeface="+mj-lt"/>
-            </a:endParaRPr>
-          </a:p>
-          <a:p>
-            <a:pPr marL="0" lvl="2" indent="0" algn="just">
-              <a:buNone/>
-            </a:pPr>
-            <a:r>
-              <a:rPr lang="en-US" sz="3200" b="1" dirty="0">
-                <a:solidFill>
-                  <a:schemeClr val="accent1">
-                    <a:lumMod val="50000"/>
-                  </a:schemeClr>
-                </a:solidFill>
-                <a:latin typeface="+mj-lt"/>
-              </a:rPr>
-              <a:t>	</a:t>
-            </a:r>
-            <a:r>
-              <a:rPr lang="en-US" sz="3200" b="1" dirty="0" smtClean="0">
-                <a:solidFill>
-                  <a:schemeClr val="accent1">
-                    <a:lumMod val="50000"/>
-                  </a:schemeClr>
-                </a:solidFill>
-                <a:latin typeface="+mj-lt"/>
-              </a:rPr>
-              <a:t> alexwert3</a:t>
-            </a:r>
-            <a:endParaRPr lang="ru-RU" sz="3200" b="1" dirty="0" smtClean="0">
-              <a:solidFill>
-                <a:schemeClr val="accent1">
-                  <a:lumMod val="50000"/>
-                </a:schemeClr>
-              </a:solidFill>
-              <a:latin typeface="+mj-lt"/>
-            </a:endParaRPr>
-          </a:p>
-          <a:p>
-            <a:pPr marL="0" lvl="2" indent="0" algn="just">
-              <a:buNone/>
-            </a:pPr>
-            <a:r>
-              <a:rPr lang="ru-RU" sz="3200" b="1" dirty="0" smtClean="0">
-                <a:solidFill>
-                  <a:schemeClr val="accent1">
-                    <a:lumMod val="50000"/>
-                  </a:schemeClr>
-                </a:solidFill>
-                <a:latin typeface="+mj-lt"/>
-              </a:rPr>
-              <a:t>       тел: +7-921-295-4272</a:t>
-            </a:r>
-          </a:p>
-          <a:p>
-            <a:pPr marL="0" lvl="2" indent="0" algn="just">
-              <a:buNone/>
-            </a:pPr>
-            <a:r>
-              <a:rPr lang="ru-RU" sz="3200" b="1" dirty="0" smtClean="0">
-                <a:solidFill>
-                  <a:schemeClr val="accent1">
-                    <a:lumMod val="50000"/>
-                  </a:schemeClr>
-                </a:solidFill>
-                <a:latin typeface="+mj-lt"/>
-              </a:rPr>
-              <a:t>       </a:t>
-            </a:r>
-            <a:r>
-              <a:rPr lang="en-US" sz="3200" b="1" dirty="0" smtClean="0">
-                <a:solidFill>
-                  <a:schemeClr val="accent1">
-                    <a:lumMod val="50000"/>
-                  </a:schemeClr>
-                </a:solidFill>
-                <a:latin typeface="+mj-lt"/>
-              </a:rPr>
-              <a:t>email: astroytechnology@mail.ru</a:t>
-            </a:r>
-            <a:endParaRPr lang="ru-RU" sz="3200" b="1" dirty="0" smtClean="0">
-              <a:solidFill>
-                <a:schemeClr val="accent1">
-                  <a:lumMod val="50000"/>
-                </a:schemeClr>
-              </a:solidFill>
-              <a:latin typeface="+mj-lt"/>
-            </a:endParaRPr>
-          </a:p>
-          <a:p>
-            <a:pPr marL="0" lvl="2" indent="0" algn="just">
-              <a:buNone/>
-            </a:pPr>
-            <a:r>
-              <a:rPr lang="ru-RU" sz="3200" b="1" dirty="0" smtClean="0">
-                <a:solidFill>
-                  <a:schemeClr val="accent1">
-                    <a:lumMod val="50000"/>
-                  </a:schemeClr>
-                </a:solidFill>
-                <a:latin typeface="+mj-lt"/>
-              </a:rPr>
-              <a:t>       г.Архангельск</a:t>
-            </a:r>
-          </a:p>
-          <a:p>
-            <a:pPr marL="0" lvl="2" indent="0" algn="just">
-              <a:buNone/>
-            </a:pPr>
-            <a:endParaRPr lang="ru-RU" sz="3200" dirty="0" smtClean="0">
-              <a:solidFill>
-                <a:schemeClr val="accent1">
-                  <a:lumMod val="50000"/>
-                </a:schemeClr>
-              </a:solidFill>
-            </a:endParaRPr>
-          </a:p>
-        </p:txBody>
-      </p:sp>
-      <p:pic>
-        <p:nvPicPr>
-          <p:cNvPr id="3074" name="Picture 2"/>
-          <p:cNvPicPr>
-            <a:picLocks noChangeAspect="1" noChangeArrowheads="1"/>
-          </p:cNvPicPr>
-          <p:nvPr/>
-        </p:nvPicPr>
-        <p:blipFill>
-          <a:blip r:embed="rId2" cstate="print"/>
-          <a:srcRect/>
-          <a:stretch>
-            <a:fillRect/>
-          </a:stretch>
-        </p:blipFill>
-        <p:spPr bwMode="auto">
-          <a:xfrm>
-            <a:off x="8230742" y="1692321"/>
-            <a:ext cx="1854953" cy="2265529"/>
-          </a:xfrm>
-          <a:prstGeom prst="rect">
-            <a:avLst/>
-          </a:prstGeom>
-          <a:noFill/>
-          <a:ln w="9525">
-            <a:noFill/>
-            <a:miter lim="800000"/>
-            <a:headEnd/>
-            <a:tailEnd/>
-          </a:ln>
-          <a:effectLst/>
-        </p:spPr>
-      </p:pic>
-      <p:pic>
-        <p:nvPicPr>
-          <p:cNvPr id="14" name="Picture 4"/>
-          <p:cNvPicPr>
-            <a:picLocks noChangeAspect="1" noChangeArrowheads="1"/>
-          </p:cNvPicPr>
-          <p:nvPr/>
-        </p:nvPicPr>
-        <p:blipFill>
-          <a:blip r:embed="rId3" cstate="print"/>
-          <a:srcRect/>
-          <a:stretch>
-            <a:fillRect/>
-          </a:stretch>
-        </p:blipFill>
-        <p:spPr bwMode="auto">
-          <a:xfrm>
-            <a:off x="1440104" y="2158624"/>
-            <a:ext cx="386159" cy="392894"/>
-          </a:xfrm>
-          <a:prstGeom prst="rect">
-            <a:avLst/>
-          </a:prstGeom>
-          <a:noFill/>
-          <a:ln w="9525">
-            <a:noFill/>
-            <a:miter lim="800000"/>
-            <a:headEnd/>
-            <a:tailEnd/>
-          </a:ln>
-          <a:effectLst/>
-        </p:spPr>
-      </p:pic>
-    </p:spTree>
-    <p:extLst>
-      <p:ext uri="{BB962C8B-B14F-4D97-AF65-F5344CB8AC3E}">
-        <p14:creationId xmlns="" xmlns:p14="http://schemas.microsoft.com/office/powerpoint/2010/main" val="1949184756"/>
+        <p14:creationId xmlns:p14="http://schemas.microsoft.com/office/powerpoint/2010/main" xmlns="" val="1444225727"/>
       </p:ext>
     </p:extLst>
   </p:cSld>
@@ -9338,7 +9291,7 @@
   <a:extraClrSchemeLst/>
   <a:extLst>
     <a:ext uri="{05A4C25C-085E-4340-85A3-A5531E510DB2}">
-      <thm15:themeFamily xmlns="" xmlns:thm15="http://schemas.microsoft.com/office/thememl/2012/main" name="Office Theme" id="{62F939B6-93AF-4DB8-9C6B-D6C7DFDC589F}" vid="{4A3C46E8-61CC-4603-A589-7422A47A8E4A}"/>
+      <thm15:themeFamily xmlns:thm15="http://schemas.microsoft.com/office/thememl/2012/main" xmlns="" name="Office Theme" id="{62F939B6-93AF-4DB8-9C6B-D6C7DFDC589F}" vid="{4A3C46E8-61CC-4603-A589-7422A47A8E4A}"/>
     </a:ext>
   </a:extLst>
 </a:theme>

--- a/Новосибирск_2022_Верт-Миллер.pptx
+++ b/Новосибирск_2022_Верт-Миллер.pptx
@@ -115,7 +115,7 @@
   </p:defaultTextStyle>
   <p:extLst>
     <p:ext uri="{521415D9-36F7-43E2-AB2F-B90AF26B5E84}">
-      <p14:sectionLst xmlns:p14="http://schemas.microsoft.com/office/powerpoint/2010/main" xmlns="">
+      <p14:sectionLst xmlns="" xmlns:p14="http://schemas.microsoft.com/office/powerpoint/2010/main">
         <p14:section name="Раздел по умолчанию" id="{BD5C6BC8-79BA-43F2-AADE-73938FAF4224}">
           <p14:sldIdLst>
             <p14:sldId id="256"/>
@@ -139,7 +139,7 @@
       </p14:sectionLst>
     </p:ext>
     <p:ext uri="{EFAFB233-063F-42B5-8137-9DF3F51BA10A}">
-      <p15:sldGuideLst xmlns:p15="http://schemas.microsoft.com/office/powerpoint/2012/main" xmlns=""/>
+      <p15:sldGuideLst xmlns="" xmlns:p15="http://schemas.microsoft.com/office/powerpoint/2012/main"/>
     </p:ext>
   </p:extLst>
 </p:presentation>
@@ -167,7 +167,7 @@
           <p:cNvPr id="2" name="Заголовок 1">
             <a:extLst>
               <a:ext uri="{FF2B5EF4-FFF2-40B4-BE49-F238E27FC236}">
-                <a16:creationId xmlns="" xmlns:a16="http://schemas.microsoft.com/office/drawing/2014/main" id="{1DB5EE12-12DA-3950-B62D-D33374B0BE7E}"/>
+                <a16:creationId xmlns:a16="http://schemas.microsoft.com/office/drawing/2014/main" xmlns="" id="{1DB5EE12-12DA-3950-B62D-D33374B0BE7E}"/>
               </a:ext>
             </a:extLst>
           </p:cNvPr>
@@ -204,7 +204,7 @@
           <p:cNvPr id="3" name="Подзаголовок 2">
             <a:extLst>
               <a:ext uri="{FF2B5EF4-FFF2-40B4-BE49-F238E27FC236}">
-                <a16:creationId xmlns="" xmlns:a16="http://schemas.microsoft.com/office/drawing/2014/main" id="{9310A401-7D92-8873-4E08-D3550F252F8E}"/>
+                <a16:creationId xmlns:a16="http://schemas.microsoft.com/office/drawing/2014/main" xmlns="" id="{9310A401-7D92-8873-4E08-D3550F252F8E}"/>
               </a:ext>
             </a:extLst>
           </p:cNvPr>
@@ -274,7 +274,7 @@
           <p:cNvPr id="4" name="Дата 3">
             <a:extLst>
               <a:ext uri="{FF2B5EF4-FFF2-40B4-BE49-F238E27FC236}">
-                <a16:creationId xmlns="" xmlns:a16="http://schemas.microsoft.com/office/drawing/2014/main" id="{7D4058E0-2DEC-5116-B051-18E7D32D043B}"/>
+                <a16:creationId xmlns:a16="http://schemas.microsoft.com/office/drawing/2014/main" xmlns="" id="{7D4058E0-2DEC-5116-B051-18E7D32D043B}"/>
               </a:ext>
             </a:extLst>
           </p:cNvPr>
@@ -293,7 +293,7 @@
             <a:fld id="{ADA5A899-FE04-4992-84F0-79F7315CE005}" type="datetimeFigureOut">
               <a:rPr lang="ru-RU" smtClean="0"/>
               <a:pPr/>
-              <a:t>06.10.2022</a:t>
+              <a:t>07.10.2022</a:t>
             </a:fld>
             <a:endParaRPr lang="ru-RU"/>
           </a:p>
@@ -304,7 +304,7 @@
           <p:cNvPr id="5" name="Нижний колонтитул 4">
             <a:extLst>
               <a:ext uri="{FF2B5EF4-FFF2-40B4-BE49-F238E27FC236}">
-                <a16:creationId xmlns="" xmlns:a16="http://schemas.microsoft.com/office/drawing/2014/main" id="{27055A46-0CF7-C563-8CF1-66264A6FC0B4}"/>
+                <a16:creationId xmlns:a16="http://schemas.microsoft.com/office/drawing/2014/main" xmlns="" id="{27055A46-0CF7-C563-8CF1-66264A6FC0B4}"/>
               </a:ext>
             </a:extLst>
           </p:cNvPr>
@@ -329,7 +329,7 @@
           <p:cNvPr id="6" name="Номер слайда 5">
             <a:extLst>
               <a:ext uri="{FF2B5EF4-FFF2-40B4-BE49-F238E27FC236}">
-                <a16:creationId xmlns="" xmlns:a16="http://schemas.microsoft.com/office/drawing/2014/main" id="{14B98F1C-93D4-DA7E-C8FA-D797ED731D6E}"/>
+                <a16:creationId xmlns:a16="http://schemas.microsoft.com/office/drawing/2014/main" xmlns="" id="{14B98F1C-93D4-DA7E-C8FA-D797ED731D6E}"/>
               </a:ext>
             </a:extLst>
           </p:cNvPr>
@@ -357,7 +357,7 @@
     </p:spTree>
     <p:extLst>
       <p:ext uri="{BB962C8B-B14F-4D97-AF65-F5344CB8AC3E}">
-        <p14:creationId xmlns:p14="http://schemas.microsoft.com/office/powerpoint/2010/main" xmlns="" val="128424399"/>
+        <p14:creationId xmlns="" xmlns:p14="http://schemas.microsoft.com/office/powerpoint/2010/main" val="128424399"/>
       </p:ext>
     </p:extLst>
   </p:cSld>
@@ -389,7 +389,7 @@
           <p:cNvPr id="2" name="Заголовок 1">
             <a:extLst>
               <a:ext uri="{FF2B5EF4-FFF2-40B4-BE49-F238E27FC236}">
-                <a16:creationId xmlns="" xmlns:a16="http://schemas.microsoft.com/office/drawing/2014/main" id="{A10B2CFF-AB82-03C3-F32F-6161409FDE6C}"/>
+                <a16:creationId xmlns:a16="http://schemas.microsoft.com/office/drawing/2014/main" xmlns="" id="{A10B2CFF-AB82-03C3-F32F-6161409FDE6C}"/>
               </a:ext>
             </a:extLst>
           </p:cNvPr>
@@ -417,7 +417,7 @@
           <p:cNvPr id="3" name="Вертикальный текст 2">
             <a:extLst>
               <a:ext uri="{FF2B5EF4-FFF2-40B4-BE49-F238E27FC236}">
-                <a16:creationId xmlns="" xmlns:a16="http://schemas.microsoft.com/office/drawing/2014/main" id="{DE258D6E-E014-7A7F-FD4B-E03DBF7CD9B2}"/>
+                <a16:creationId xmlns:a16="http://schemas.microsoft.com/office/drawing/2014/main" xmlns="" id="{DE258D6E-E014-7A7F-FD4B-E03DBF7CD9B2}"/>
               </a:ext>
             </a:extLst>
           </p:cNvPr>
@@ -474,7 +474,7 @@
           <p:cNvPr id="4" name="Дата 3">
             <a:extLst>
               <a:ext uri="{FF2B5EF4-FFF2-40B4-BE49-F238E27FC236}">
-                <a16:creationId xmlns="" xmlns:a16="http://schemas.microsoft.com/office/drawing/2014/main" id="{71A21FF6-D17C-D67C-DA6E-A2281068FF1B}"/>
+                <a16:creationId xmlns:a16="http://schemas.microsoft.com/office/drawing/2014/main" xmlns="" id="{71A21FF6-D17C-D67C-DA6E-A2281068FF1B}"/>
               </a:ext>
             </a:extLst>
           </p:cNvPr>
@@ -493,7 +493,7 @@
             <a:fld id="{ADA5A899-FE04-4992-84F0-79F7315CE005}" type="datetimeFigureOut">
               <a:rPr lang="ru-RU" smtClean="0"/>
               <a:pPr/>
-              <a:t>06.10.2022</a:t>
+              <a:t>07.10.2022</a:t>
             </a:fld>
             <a:endParaRPr lang="ru-RU"/>
           </a:p>
@@ -504,7 +504,7 @@
           <p:cNvPr id="5" name="Нижний колонтитул 4">
             <a:extLst>
               <a:ext uri="{FF2B5EF4-FFF2-40B4-BE49-F238E27FC236}">
-                <a16:creationId xmlns="" xmlns:a16="http://schemas.microsoft.com/office/drawing/2014/main" id="{2F51315D-3A0E-2099-9673-471C8D297185}"/>
+                <a16:creationId xmlns:a16="http://schemas.microsoft.com/office/drawing/2014/main" xmlns="" id="{2F51315D-3A0E-2099-9673-471C8D297185}"/>
               </a:ext>
             </a:extLst>
           </p:cNvPr>
@@ -529,7 +529,7 @@
           <p:cNvPr id="6" name="Номер слайда 5">
             <a:extLst>
               <a:ext uri="{FF2B5EF4-FFF2-40B4-BE49-F238E27FC236}">
-                <a16:creationId xmlns="" xmlns:a16="http://schemas.microsoft.com/office/drawing/2014/main" id="{86D72241-8282-AC00-E3C4-1EC726D41963}"/>
+                <a16:creationId xmlns:a16="http://schemas.microsoft.com/office/drawing/2014/main" xmlns="" id="{86D72241-8282-AC00-E3C4-1EC726D41963}"/>
               </a:ext>
             </a:extLst>
           </p:cNvPr>
@@ -557,7 +557,7 @@
     </p:spTree>
     <p:extLst>
       <p:ext uri="{BB962C8B-B14F-4D97-AF65-F5344CB8AC3E}">
-        <p14:creationId xmlns:p14="http://schemas.microsoft.com/office/powerpoint/2010/main" xmlns="" val="476647262"/>
+        <p14:creationId xmlns="" xmlns:p14="http://schemas.microsoft.com/office/powerpoint/2010/main" val="476647262"/>
       </p:ext>
     </p:extLst>
   </p:cSld>
@@ -589,7 +589,7 @@
           <p:cNvPr id="2" name="Вертикальный заголовок 1">
             <a:extLst>
               <a:ext uri="{FF2B5EF4-FFF2-40B4-BE49-F238E27FC236}">
-                <a16:creationId xmlns="" xmlns:a16="http://schemas.microsoft.com/office/drawing/2014/main" id="{C74891AD-0420-D0C7-3DA8-8163EE207834}"/>
+                <a16:creationId xmlns:a16="http://schemas.microsoft.com/office/drawing/2014/main" xmlns="" id="{C74891AD-0420-D0C7-3DA8-8163EE207834}"/>
               </a:ext>
             </a:extLst>
           </p:cNvPr>
@@ -622,7 +622,7 @@
           <p:cNvPr id="3" name="Вертикальный текст 2">
             <a:extLst>
               <a:ext uri="{FF2B5EF4-FFF2-40B4-BE49-F238E27FC236}">
-                <a16:creationId xmlns="" xmlns:a16="http://schemas.microsoft.com/office/drawing/2014/main" id="{BA2096B8-E349-969E-D59E-00F39D708BB2}"/>
+                <a16:creationId xmlns:a16="http://schemas.microsoft.com/office/drawing/2014/main" xmlns="" id="{BA2096B8-E349-969E-D59E-00F39D708BB2}"/>
               </a:ext>
             </a:extLst>
           </p:cNvPr>
@@ -684,7 +684,7 @@
           <p:cNvPr id="4" name="Дата 3">
             <a:extLst>
               <a:ext uri="{FF2B5EF4-FFF2-40B4-BE49-F238E27FC236}">
-                <a16:creationId xmlns="" xmlns:a16="http://schemas.microsoft.com/office/drawing/2014/main" id="{69C25D58-31DE-8BEE-84F5-205F0D8220DA}"/>
+                <a16:creationId xmlns:a16="http://schemas.microsoft.com/office/drawing/2014/main" xmlns="" id="{69C25D58-31DE-8BEE-84F5-205F0D8220DA}"/>
               </a:ext>
             </a:extLst>
           </p:cNvPr>
@@ -703,7 +703,7 @@
             <a:fld id="{ADA5A899-FE04-4992-84F0-79F7315CE005}" type="datetimeFigureOut">
               <a:rPr lang="ru-RU" smtClean="0"/>
               <a:pPr/>
-              <a:t>06.10.2022</a:t>
+              <a:t>07.10.2022</a:t>
             </a:fld>
             <a:endParaRPr lang="ru-RU"/>
           </a:p>
@@ -714,7 +714,7 @@
           <p:cNvPr id="5" name="Нижний колонтитул 4">
             <a:extLst>
               <a:ext uri="{FF2B5EF4-FFF2-40B4-BE49-F238E27FC236}">
-                <a16:creationId xmlns="" xmlns:a16="http://schemas.microsoft.com/office/drawing/2014/main" id="{1200D78E-3621-B5A0-296F-3AE6064C881B}"/>
+                <a16:creationId xmlns:a16="http://schemas.microsoft.com/office/drawing/2014/main" xmlns="" id="{1200D78E-3621-B5A0-296F-3AE6064C881B}"/>
               </a:ext>
             </a:extLst>
           </p:cNvPr>
@@ -739,7 +739,7 @@
           <p:cNvPr id="6" name="Номер слайда 5">
             <a:extLst>
               <a:ext uri="{FF2B5EF4-FFF2-40B4-BE49-F238E27FC236}">
-                <a16:creationId xmlns="" xmlns:a16="http://schemas.microsoft.com/office/drawing/2014/main" id="{22801EF9-AD0E-9305-7A5F-BA5D57BAF8CD}"/>
+                <a16:creationId xmlns:a16="http://schemas.microsoft.com/office/drawing/2014/main" xmlns="" id="{22801EF9-AD0E-9305-7A5F-BA5D57BAF8CD}"/>
               </a:ext>
             </a:extLst>
           </p:cNvPr>
@@ -767,7 +767,7 @@
     </p:spTree>
     <p:extLst>
       <p:ext uri="{BB962C8B-B14F-4D97-AF65-F5344CB8AC3E}">
-        <p14:creationId xmlns:p14="http://schemas.microsoft.com/office/powerpoint/2010/main" xmlns="" val="4201004194"/>
+        <p14:creationId xmlns="" xmlns:p14="http://schemas.microsoft.com/office/powerpoint/2010/main" val="4201004194"/>
       </p:ext>
     </p:extLst>
   </p:cSld>
@@ -799,7 +799,7 @@
           <p:cNvPr id="2" name="Заголовок 1">
             <a:extLst>
               <a:ext uri="{FF2B5EF4-FFF2-40B4-BE49-F238E27FC236}">
-                <a16:creationId xmlns="" xmlns:a16="http://schemas.microsoft.com/office/drawing/2014/main" id="{9679A5A8-87F3-2FE7-AA0B-006AD31849FC}"/>
+                <a16:creationId xmlns:a16="http://schemas.microsoft.com/office/drawing/2014/main" xmlns="" id="{9679A5A8-87F3-2FE7-AA0B-006AD31849FC}"/>
               </a:ext>
             </a:extLst>
           </p:cNvPr>
@@ -827,7 +827,7 @@
           <p:cNvPr id="3" name="Объект 2">
             <a:extLst>
               <a:ext uri="{FF2B5EF4-FFF2-40B4-BE49-F238E27FC236}">
-                <a16:creationId xmlns="" xmlns:a16="http://schemas.microsoft.com/office/drawing/2014/main" id="{901121FF-5217-AE0C-0534-37B1E320A9BE}"/>
+                <a16:creationId xmlns:a16="http://schemas.microsoft.com/office/drawing/2014/main" xmlns="" id="{901121FF-5217-AE0C-0534-37B1E320A9BE}"/>
               </a:ext>
             </a:extLst>
           </p:cNvPr>
@@ -884,7 +884,7 @@
           <p:cNvPr id="4" name="Дата 3">
             <a:extLst>
               <a:ext uri="{FF2B5EF4-FFF2-40B4-BE49-F238E27FC236}">
-                <a16:creationId xmlns="" xmlns:a16="http://schemas.microsoft.com/office/drawing/2014/main" id="{A5F63383-F5DA-10B2-E837-68D33D937299}"/>
+                <a16:creationId xmlns:a16="http://schemas.microsoft.com/office/drawing/2014/main" xmlns="" id="{A5F63383-F5DA-10B2-E837-68D33D937299}"/>
               </a:ext>
             </a:extLst>
           </p:cNvPr>
@@ -903,7 +903,7 @@
             <a:fld id="{ADA5A899-FE04-4992-84F0-79F7315CE005}" type="datetimeFigureOut">
               <a:rPr lang="ru-RU" smtClean="0"/>
               <a:pPr/>
-              <a:t>06.10.2022</a:t>
+              <a:t>07.10.2022</a:t>
             </a:fld>
             <a:endParaRPr lang="ru-RU"/>
           </a:p>
@@ -914,7 +914,7 @@
           <p:cNvPr id="5" name="Нижний колонтитул 4">
             <a:extLst>
               <a:ext uri="{FF2B5EF4-FFF2-40B4-BE49-F238E27FC236}">
-                <a16:creationId xmlns="" xmlns:a16="http://schemas.microsoft.com/office/drawing/2014/main" id="{6D2AC90C-BB10-94E4-E96D-5926EDFBDE10}"/>
+                <a16:creationId xmlns:a16="http://schemas.microsoft.com/office/drawing/2014/main" xmlns="" id="{6D2AC90C-BB10-94E4-E96D-5926EDFBDE10}"/>
               </a:ext>
             </a:extLst>
           </p:cNvPr>
@@ -939,7 +939,7 @@
           <p:cNvPr id="6" name="Номер слайда 5">
             <a:extLst>
               <a:ext uri="{FF2B5EF4-FFF2-40B4-BE49-F238E27FC236}">
-                <a16:creationId xmlns="" xmlns:a16="http://schemas.microsoft.com/office/drawing/2014/main" id="{A0DB5FF3-27E5-ECD7-6065-7E94E6A8555F}"/>
+                <a16:creationId xmlns:a16="http://schemas.microsoft.com/office/drawing/2014/main" xmlns="" id="{A0DB5FF3-27E5-ECD7-6065-7E94E6A8555F}"/>
               </a:ext>
             </a:extLst>
           </p:cNvPr>
@@ -967,7 +967,7 @@
     </p:spTree>
     <p:extLst>
       <p:ext uri="{BB962C8B-B14F-4D97-AF65-F5344CB8AC3E}">
-        <p14:creationId xmlns:p14="http://schemas.microsoft.com/office/powerpoint/2010/main" xmlns="" val="3663878534"/>
+        <p14:creationId xmlns="" xmlns:p14="http://schemas.microsoft.com/office/powerpoint/2010/main" val="3663878534"/>
       </p:ext>
     </p:extLst>
   </p:cSld>
@@ -999,7 +999,7 @@
           <p:cNvPr id="2" name="Заголовок 1">
             <a:extLst>
               <a:ext uri="{FF2B5EF4-FFF2-40B4-BE49-F238E27FC236}">
-                <a16:creationId xmlns="" xmlns:a16="http://schemas.microsoft.com/office/drawing/2014/main" id="{DD557F2C-9CD1-EEE2-EFD8-CA5356037721}"/>
+                <a16:creationId xmlns:a16="http://schemas.microsoft.com/office/drawing/2014/main" xmlns="" id="{DD557F2C-9CD1-EEE2-EFD8-CA5356037721}"/>
               </a:ext>
             </a:extLst>
           </p:cNvPr>
@@ -1036,7 +1036,7 @@
           <p:cNvPr id="3" name="Текст 2">
             <a:extLst>
               <a:ext uri="{FF2B5EF4-FFF2-40B4-BE49-F238E27FC236}">
-                <a16:creationId xmlns="" xmlns:a16="http://schemas.microsoft.com/office/drawing/2014/main" id="{D8950F90-CBA5-D33D-3E59-064DB5E54181}"/>
+                <a16:creationId xmlns:a16="http://schemas.microsoft.com/office/drawing/2014/main" xmlns="" id="{D8950F90-CBA5-D33D-3E59-064DB5E54181}"/>
               </a:ext>
             </a:extLst>
           </p:cNvPr>
@@ -1161,7 +1161,7 @@
           <p:cNvPr id="4" name="Дата 3">
             <a:extLst>
               <a:ext uri="{FF2B5EF4-FFF2-40B4-BE49-F238E27FC236}">
-                <a16:creationId xmlns="" xmlns:a16="http://schemas.microsoft.com/office/drawing/2014/main" id="{766500B9-25A6-8354-307A-5965FAC6FB3D}"/>
+                <a16:creationId xmlns:a16="http://schemas.microsoft.com/office/drawing/2014/main" xmlns="" id="{766500B9-25A6-8354-307A-5965FAC6FB3D}"/>
               </a:ext>
             </a:extLst>
           </p:cNvPr>
@@ -1180,7 +1180,7 @@
             <a:fld id="{ADA5A899-FE04-4992-84F0-79F7315CE005}" type="datetimeFigureOut">
               <a:rPr lang="ru-RU" smtClean="0"/>
               <a:pPr/>
-              <a:t>06.10.2022</a:t>
+              <a:t>07.10.2022</a:t>
             </a:fld>
             <a:endParaRPr lang="ru-RU"/>
           </a:p>
@@ -1191,7 +1191,7 @@
           <p:cNvPr id="5" name="Нижний колонтитул 4">
             <a:extLst>
               <a:ext uri="{FF2B5EF4-FFF2-40B4-BE49-F238E27FC236}">
-                <a16:creationId xmlns="" xmlns:a16="http://schemas.microsoft.com/office/drawing/2014/main" id="{EE82C732-66F5-ED99-E2D5-88A275B2C8F4}"/>
+                <a16:creationId xmlns:a16="http://schemas.microsoft.com/office/drawing/2014/main" xmlns="" id="{EE82C732-66F5-ED99-E2D5-88A275B2C8F4}"/>
               </a:ext>
             </a:extLst>
           </p:cNvPr>
@@ -1216,7 +1216,7 @@
           <p:cNvPr id="6" name="Номер слайда 5">
             <a:extLst>
               <a:ext uri="{FF2B5EF4-FFF2-40B4-BE49-F238E27FC236}">
-                <a16:creationId xmlns="" xmlns:a16="http://schemas.microsoft.com/office/drawing/2014/main" id="{205C899B-F1AC-1E34-CEFB-AAD93600D48D}"/>
+                <a16:creationId xmlns:a16="http://schemas.microsoft.com/office/drawing/2014/main" xmlns="" id="{205C899B-F1AC-1E34-CEFB-AAD93600D48D}"/>
               </a:ext>
             </a:extLst>
           </p:cNvPr>
@@ -1244,7 +1244,7 @@
     </p:spTree>
     <p:extLst>
       <p:ext uri="{BB962C8B-B14F-4D97-AF65-F5344CB8AC3E}">
-        <p14:creationId xmlns:p14="http://schemas.microsoft.com/office/powerpoint/2010/main" xmlns="" val="2414508979"/>
+        <p14:creationId xmlns="" xmlns:p14="http://schemas.microsoft.com/office/powerpoint/2010/main" val="2414508979"/>
       </p:ext>
     </p:extLst>
   </p:cSld>
@@ -1276,7 +1276,7 @@
           <p:cNvPr id="2" name="Заголовок 1">
             <a:extLst>
               <a:ext uri="{FF2B5EF4-FFF2-40B4-BE49-F238E27FC236}">
-                <a16:creationId xmlns="" xmlns:a16="http://schemas.microsoft.com/office/drawing/2014/main" id="{0E5C556E-5BA4-25DC-98DE-0A4949E29549}"/>
+                <a16:creationId xmlns:a16="http://schemas.microsoft.com/office/drawing/2014/main" xmlns="" id="{0E5C556E-5BA4-25DC-98DE-0A4949E29549}"/>
               </a:ext>
             </a:extLst>
           </p:cNvPr>
@@ -1304,7 +1304,7 @@
           <p:cNvPr id="3" name="Объект 2">
             <a:extLst>
               <a:ext uri="{FF2B5EF4-FFF2-40B4-BE49-F238E27FC236}">
-                <a16:creationId xmlns="" xmlns:a16="http://schemas.microsoft.com/office/drawing/2014/main" id="{7425C5BE-6896-0A4D-5AFA-1FAE69A97CAD}"/>
+                <a16:creationId xmlns:a16="http://schemas.microsoft.com/office/drawing/2014/main" xmlns="" id="{7425C5BE-6896-0A4D-5AFA-1FAE69A97CAD}"/>
               </a:ext>
             </a:extLst>
           </p:cNvPr>
@@ -1366,7 +1366,7 @@
           <p:cNvPr id="4" name="Объект 3">
             <a:extLst>
               <a:ext uri="{FF2B5EF4-FFF2-40B4-BE49-F238E27FC236}">
-                <a16:creationId xmlns="" xmlns:a16="http://schemas.microsoft.com/office/drawing/2014/main" id="{31C00418-E37A-2786-C67B-B50C3CE53231}"/>
+                <a16:creationId xmlns:a16="http://schemas.microsoft.com/office/drawing/2014/main" xmlns="" id="{31C00418-E37A-2786-C67B-B50C3CE53231}"/>
               </a:ext>
             </a:extLst>
           </p:cNvPr>
@@ -1428,7 +1428,7 @@
           <p:cNvPr id="5" name="Дата 4">
             <a:extLst>
               <a:ext uri="{FF2B5EF4-FFF2-40B4-BE49-F238E27FC236}">
-                <a16:creationId xmlns="" xmlns:a16="http://schemas.microsoft.com/office/drawing/2014/main" id="{82311B34-B094-DEA9-0487-CCE77AB53978}"/>
+                <a16:creationId xmlns:a16="http://schemas.microsoft.com/office/drawing/2014/main" xmlns="" id="{82311B34-B094-DEA9-0487-CCE77AB53978}"/>
               </a:ext>
             </a:extLst>
           </p:cNvPr>
@@ -1447,7 +1447,7 @@
             <a:fld id="{ADA5A899-FE04-4992-84F0-79F7315CE005}" type="datetimeFigureOut">
               <a:rPr lang="ru-RU" smtClean="0"/>
               <a:pPr/>
-              <a:t>06.10.2022</a:t>
+              <a:t>07.10.2022</a:t>
             </a:fld>
             <a:endParaRPr lang="ru-RU"/>
           </a:p>
@@ -1458,7 +1458,7 @@
           <p:cNvPr id="6" name="Нижний колонтитул 5">
             <a:extLst>
               <a:ext uri="{FF2B5EF4-FFF2-40B4-BE49-F238E27FC236}">
-                <a16:creationId xmlns="" xmlns:a16="http://schemas.microsoft.com/office/drawing/2014/main" id="{EA3A2682-2931-8785-4E08-0C676B293946}"/>
+                <a16:creationId xmlns:a16="http://schemas.microsoft.com/office/drawing/2014/main" xmlns="" id="{EA3A2682-2931-8785-4E08-0C676B293946}"/>
               </a:ext>
             </a:extLst>
           </p:cNvPr>
@@ -1483,7 +1483,7 @@
           <p:cNvPr id="7" name="Номер слайда 6">
             <a:extLst>
               <a:ext uri="{FF2B5EF4-FFF2-40B4-BE49-F238E27FC236}">
-                <a16:creationId xmlns="" xmlns:a16="http://schemas.microsoft.com/office/drawing/2014/main" id="{EE8B88A0-DA0B-ECEB-086B-CAD2B03B2577}"/>
+                <a16:creationId xmlns:a16="http://schemas.microsoft.com/office/drawing/2014/main" xmlns="" id="{EE8B88A0-DA0B-ECEB-086B-CAD2B03B2577}"/>
               </a:ext>
             </a:extLst>
           </p:cNvPr>
@@ -1511,7 +1511,7 @@
     </p:spTree>
     <p:extLst>
       <p:ext uri="{BB962C8B-B14F-4D97-AF65-F5344CB8AC3E}">
-        <p14:creationId xmlns:p14="http://schemas.microsoft.com/office/powerpoint/2010/main" xmlns="" val="2371532081"/>
+        <p14:creationId xmlns="" xmlns:p14="http://schemas.microsoft.com/office/powerpoint/2010/main" val="2371532081"/>
       </p:ext>
     </p:extLst>
   </p:cSld>
@@ -1543,7 +1543,7 @@
           <p:cNvPr id="2" name="Заголовок 1">
             <a:extLst>
               <a:ext uri="{FF2B5EF4-FFF2-40B4-BE49-F238E27FC236}">
-                <a16:creationId xmlns="" xmlns:a16="http://schemas.microsoft.com/office/drawing/2014/main" id="{A20B92AA-AEE3-B9EB-BFB8-CD638D676C96}"/>
+                <a16:creationId xmlns:a16="http://schemas.microsoft.com/office/drawing/2014/main" xmlns="" id="{A20B92AA-AEE3-B9EB-BFB8-CD638D676C96}"/>
               </a:ext>
             </a:extLst>
           </p:cNvPr>
@@ -1576,7 +1576,7 @@
           <p:cNvPr id="3" name="Текст 2">
             <a:extLst>
               <a:ext uri="{FF2B5EF4-FFF2-40B4-BE49-F238E27FC236}">
-                <a16:creationId xmlns="" xmlns:a16="http://schemas.microsoft.com/office/drawing/2014/main" id="{11896D86-1039-0B56-5FF6-1FD7F4DD5606}"/>
+                <a16:creationId xmlns:a16="http://schemas.microsoft.com/office/drawing/2014/main" xmlns="" id="{11896D86-1039-0B56-5FF6-1FD7F4DD5606}"/>
               </a:ext>
             </a:extLst>
           </p:cNvPr>
@@ -1647,7 +1647,7 @@
           <p:cNvPr id="4" name="Объект 3">
             <a:extLst>
               <a:ext uri="{FF2B5EF4-FFF2-40B4-BE49-F238E27FC236}">
-                <a16:creationId xmlns="" xmlns:a16="http://schemas.microsoft.com/office/drawing/2014/main" id="{288A1A6F-EBB8-8F7C-E989-86CCB98DDD97}"/>
+                <a16:creationId xmlns:a16="http://schemas.microsoft.com/office/drawing/2014/main" xmlns="" id="{288A1A6F-EBB8-8F7C-E989-86CCB98DDD97}"/>
               </a:ext>
             </a:extLst>
           </p:cNvPr>
@@ -1709,7 +1709,7 @@
           <p:cNvPr id="5" name="Текст 4">
             <a:extLst>
               <a:ext uri="{FF2B5EF4-FFF2-40B4-BE49-F238E27FC236}">
-                <a16:creationId xmlns="" xmlns:a16="http://schemas.microsoft.com/office/drawing/2014/main" id="{EF2A3D12-F19B-6769-DEC7-374A6840A3F8}"/>
+                <a16:creationId xmlns:a16="http://schemas.microsoft.com/office/drawing/2014/main" xmlns="" id="{EF2A3D12-F19B-6769-DEC7-374A6840A3F8}"/>
               </a:ext>
             </a:extLst>
           </p:cNvPr>
@@ -1780,7 +1780,7 @@
           <p:cNvPr id="6" name="Объект 5">
             <a:extLst>
               <a:ext uri="{FF2B5EF4-FFF2-40B4-BE49-F238E27FC236}">
-                <a16:creationId xmlns="" xmlns:a16="http://schemas.microsoft.com/office/drawing/2014/main" id="{F54F1F2F-BAD1-F721-B349-E472E8069CD0}"/>
+                <a16:creationId xmlns:a16="http://schemas.microsoft.com/office/drawing/2014/main" xmlns="" id="{F54F1F2F-BAD1-F721-B349-E472E8069CD0}"/>
               </a:ext>
             </a:extLst>
           </p:cNvPr>
@@ -1842,7 +1842,7 @@
           <p:cNvPr id="7" name="Дата 6">
             <a:extLst>
               <a:ext uri="{FF2B5EF4-FFF2-40B4-BE49-F238E27FC236}">
-                <a16:creationId xmlns="" xmlns:a16="http://schemas.microsoft.com/office/drawing/2014/main" id="{5BC14E07-3A8B-0586-4379-E86ADCA9223B}"/>
+                <a16:creationId xmlns:a16="http://schemas.microsoft.com/office/drawing/2014/main" xmlns="" id="{5BC14E07-3A8B-0586-4379-E86ADCA9223B}"/>
               </a:ext>
             </a:extLst>
           </p:cNvPr>
@@ -1861,7 +1861,7 @@
             <a:fld id="{ADA5A899-FE04-4992-84F0-79F7315CE005}" type="datetimeFigureOut">
               <a:rPr lang="ru-RU" smtClean="0"/>
               <a:pPr/>
-              <a:t>06.10.2022</a:t>
+              <a:t>07.10.2022</a:t>
             </a:fld>
             <a:endParaRPr lang="ru-RU"/>
           </a:p>
@@ -1872,7 +1872,7 @@
           <p:cNvPr id="8" name="Нижний колонтитул 7">
             <a:extLst>
               <a:ext uri="{FF2B5EF4-FFF2-40B4-BE49-F238E27FC236}">
-                <a16:creationId xmlns="" xmlns:a16="http://schemas.microsoft.com/office/drawing/2014/main" id="{8EA34202-CDA7-C42D-ED34-D1C59CE37313}"/>
+                <a16:creationId xmlns:a16="http://schemas.microsoft.com/office/drawing/2014/main" xmlns="" id="{8EA34202-CDA7-C42D-ED34-D1C59CE37313}"/>
               </a:ext>
             </a:extLst>
           </p:cNvPr>
@@ -1897,7 +1897,7 @@
           <p:cNvPr id="9" name="Номер слайда 8">
             <a:extLst>
               <a:ext uri="{FF2B5EF4-FFF2-40B4-BE49-F238E27FC236}">
-                <a16:creationId xmlns="" xmlns:a16="http://schemas.microsoft.com/office/drawing/2014/main" id="{21DEB446-9600-8D80-DFE6-ACB940F82EFF}"/>
+                <a16:creationId xmlns:a16="http://schemas.microsoft.com/office/drawing/2014/main" xmlns="" id="{21DEB446-9600-8D80-DFE6-ACB940F82EFF}"/>
               </a:ext>
             </a:extLst>
           </p:cNvPr>
@@ -1925,7 +1925,7 @@
     </p:spTree>
     <p:extLst>
       <p:ext uri="{BB962C8B-B14F-4D97-AF65-F5344CB8AC3E}">
-        <p14:creationId xmlns:p14="http://schemas.microsoft.com/office/powerpoint/2010/main" xmlns="" val="2086624801"/>
+        <p14:creationId xmlns="" xmlns:p14="http://schemas.microsoft.com/office/powerpoint/2010/main" val="2086624801"/>
       </p:ext>
     </p:extLst>
   </p:cSld>
@@ -1957,7 +1957,7 @@
           <p:cNvPr id="2" name="Заголовок 1">
             <a:extLst>
               <a:ext uri="{FF2B5EF4-FFF2-40B4-BE49-F238E27FC236}">
-                <a16:creationId xmlns="" xmlns:a16="http://schemas.microsoft.com/office/drawing/2014/main" id="{09F191D6-FC8F-4122-1E7A-CB7D91B594FA}"/>
+                <a16:creationId xmlns:a16="http://schemas.microsoft.com/office/drawing/2014/main" xmlns="" id="{09F191D6-FC8F-4122-1E7A-CB7D91B594FA}"/>
               </a:ext>
             </a:extLst>
           </p:cNvPr>
@@ -1985,7 +1985,7 @@
           <p:cNvPr id="3" name="Дата 2">
             <a:extLst>
               <a:ext uri="{FF2B5EF4-FFF2-40B4-BE49-F238E27FC236}">
-                <a16:creationId xmlns="" xmlns:a16="http://schemas.microsoft.com/office/drawing/2014/main" id="{B61B76AB-16A2-E802-C3FC-9FA43AF95803}"/>
+                <a16:creationId xmlns:a16="http://schemas.microsoft.com/office/drawing/2014/main" xmlns="" id="{B61B76AB-16A2-E802-C3FC-9FA43AF95803}"/>
               </a:ext>
             </a:extLst>
           </p:cNvPr>
@@ -2004,7 +2004,7 @@
             <a:fld id="{ADA5A899-FE04-4992-84F0-79F7315CE005}" type="datetimeFigureOut">
               <a:rPr lang="ru-RU" smtClean="0"/>
               <a:pPr/>
-              <a:t>06.10.2022</a:t>
+              <a:t>07.10.2022</a:t>
             </a:fld>
             <a:endParaRPr lang="ru-RU"/>
           </a:p>
@@ -2015,7 +2015,7 @@
           <p:cNvPr id="4" name="Нижний колонтитул 3">
             <a:extLst>
               <a:ext uri="{FF2B5EF4-FFF2-40B4-BE49-F238E27FC236}">
-                <a16:creationId xmlns="" xmlns:a16="http://schemas.microsoft.com/office/drawing/2014/main" id="{9F128097-44C9-BE96-6E6C-9F666CECC82E}"/>
+                <a16:creationId xmlns:a16="http://schemas.microsoft.com/office/drawing/2014/main" xmlns="" id="{9F128097-44C9-BE96-6E6C-9F666CECC82E}"/>
               </a:ext>
             </a:extLst>
           </p:cNvPr>
@@ -2040,7 +2040,7 @@
           <p:cNvPr id="5" name="Номер слайда 4">
             <a:extLst>
               <a:ext uri="{FF2B5EF4-FFF2-40B4-BE49-F238E27FC236}">
-                <a16:creationId xmlns="" xmlns:a16="http://schemas.microsoft.com/office/drawing/2014/main" id="{14EB260B-B2AF-E4CB-3F5F-CED1D6DBC088}"/>
+                <a16:creationId xmlns:a16="http://schemas.microsoft.com/office/drawing/2014/main" xmlns="" id="{14EB260B-B2AF-E4CB-3F5F-CED1D6DBC088}"/>
               </a:ext>
             </a:extLst>
           </p:cNvPr>
@@ -2068,7 +2068,7 @@
     </p:spTree>
     <p:extLst>
       <p:ext uri="{BB962C8B-B14F-4D97-AF65-F5344CB8AC3E}">
-        <p14:creationId xmlns:p14="http://schemas.microsoft.com/office/powerpoint/2010/main" xmlns="" val="1452925811"/>
+        <p14:creationId xmlns="" xmlns:p14="http://schemas.microsoft.com/office/powerpoint/2010/main" val="1452925811"/>
       </p:ext>
     </p:extLst>
   </p:cSld>
@@ -2100,7 +2100,7 @@
           <p:cNvPr id="2" name="Дата 1">
             <a:extLst>
               <a:ext uri="{FF2B5EF4-FFF2-40B4-BE49-F238E27FC236}">
-                <a16:creationId xmlns="" xmlns:a16="http://schemas.microsoft.com/office/drawing/2014/main" id="{C08BA097-9465-E7D4-8D20-56FBD4D856B4}"/>
+                <a16:creationId xmlns:a16="http://schemas.microsoft.com/office/drawing/2014/main" xmlns="" id="{C08BA097-9465-E7D4-8D20-56FBD4D856B4}"/>
               </a:ext>
             </a:extLst>
           </p:cNvPr>
@@ -2119,7 +2119,7 @@
             <a:fld id="{ADA5A899-FE04-4992-84F0-79F7315CE005}" type="datetimeFigureOut">
               <a:rPr lang="ru-RU" smtClean="0"/>
               <a:pPr/>
-              <a:t>06.10.2022</a:t>
+              <a:t>07.10.2022</a:t>
             </a:fld>
             <a:endParaRPr lang="ru-RU"/>
           </a:p>
@@ -2130,7 +2130,7 @@
           <p:cNvPr id="3" name="Нижний колонтитул 2">
             <a:extLst>
               <a:ext uri="{FF2B5EF4-FFF2-40B4-BE49-F238E27FC236}">
-                <a16:creationId xmlns="" xmlns:a16="http://schemas.microsoft.com/office/drawing/2014/main" id="{F1BA0DE9-56D7-206B-FC56-55D7F09F814C}"/>
+                <a16:creationId xmlns:a16="http://schemas.microsoft.com/office/drawing/2014/main" xmlns="" id="{F1BA0DE9-56D7-206B-FC56-55D7F09F814C}"/>
               </a:ext>
             </a:extLst>
           </p:cNvPr>
@@ -2155,7 +2155,7 @@
           <p:cNvPr id="4" name="Номер слайда 3">
             <a:extLst>
               <a:ext uri="{FF2B5EF4-FFF2-40B4-BE49-F238E27FC236}">
-                <a16:creationId xmlns="" xmlns:a16="http://schemas.microsoft.com/office/drawing/2014/main" id="{6771ACC4-5A37-479E-C3D9-3A5BFD7CFF40}"/>
+                <a16:creationId xmlns:a16="http://schemas.microsoft.com/office/drawing/2014/main" xmlns="" id="{6771ACC4-5A37-479E-C3D9-3A5BFD7CFF40}"/>
               </a:ext>
             </a:extLst>
           </p:cNvPr>
@@ -2183,7 +2183,7 @@
     </p:spTree>
     <p:extLst>
       <p:ext uri="{BB962C8B-B14F-4D97-AF65-F5344CB8AC3E}">
-        <p14:creationId xmlns:p14="http://schemas.microsoft.com/office/powerpoint/2010/main" xmlns="" val="414686634"/>
+        <p14:creationId xmlns="" xmlns:p14="http://schemas.microsoft.com/office/powerpoint/2010/main" val="414686634"/>
       </p:ext>
     </p:extLst>
   </p:cSld>
@@ -2215,7 +2215,7 @@
           <p:cNvPr id="2" name="Заголовок 1">
             <a:extLst>
               <a:ext uri="{FF2B5EF4-FFF2-40B4-BE49-F238E27FC236}">
-                <a16:creationId xmlns="" xmlns:a16="http://schemas.microsoft.com/office/drawing/2014/main" id="{8A29A7F3-D292-947B-9F72-953419EA0BE6}"/>
+                <a16:creationId xmlns:a16="http://schemas.microsoft.com/office/drawing/2014/main" xmlns="" id="{8A29A7F3-D292-947B-9F72-953419EA0BE6}"/>
               </a:ext>
             </a:extLst>
           </p:cNvPr>
@@ -2252,7 +2252,7 @@
           <p:cNvPr id="3" name="Объект 2">
             <a:extLst>
               <a:ext uri="{FF2B5EF4-FFF2-40B4-BE49-F238E27FC236}">
-                <a16:creationId xmlns="" xmlns:a16="http://schemas.microsoft.com/office/drawing/2014/main" id="{F93BD3E1-5A95-6E75-9C35-48B0178D0CE0}"/>
+                <a16:creationId xmlns:a16="http://schemas.microsoft.com/office/drawing/2014/main" xmlns="" id="{F93BD3E1-5A95-6E75-9C35-48B0178D0CE0}"/>
               </a:ext>
             </a:extLst>
           </p:cNvPr>
@@ -2342,7 +2342,7 @@
           <p:cNvPr id="4" name="Текст 3">
             <a:extLst>
               <a:ext uri="{FF2B5EF4-FFF2-40B4-BE49-F238E27FC236}">
-                <a16:creationId xmlns="" xmlns:a16="http://schemas.microsoft.com/office/drawing/2014/main" id="{F05B45C3-0F25-CDA6-E26C-437063A8C9B6}"/>
+                <a16:creationId xmlns:a16="http://schemas.microsoft.com/office/drawing/2014/main" xmlns="" id="{F05B45C3-0F25-CDA6-E26C-437063A8C9B6}"/>
               </a:ext>
             </a:extLst>
           </p:cNvPr>
@@ -2413,7 +2413,7 @@
           <p:cNvPr id="5" name="Дата 4">
             <a:extLst>
               <a:ext uri="{FF2B5EF4-FFF2-40B4-BE49-F238E27FC236}">
-                <a16:creationId xmlns="" xmlns:a16="http://schemas.microsoft.com/office/drawing/2014/main" id="{DFF78B1B-E2D0-5CC5-67A8-D0DBA9D4F69B}"/>
+                <a16:creationId xmlns:a16="http://schemas.microsoft.com/office/drawing/2014/main" xmlns="" id="{DFF78B1B-E2D0-5CC5-67A8-D0DBA9D4F69B}"/>
               </a:ext>
             </a:extLst>
           </p:cNvPr>
@@ -2432,7 +2432,7 @@
             <a:fld id="{ADA5A899-FE04-4992-84F0-79F7315CE005}" type="datetimeFigureOut">
               <a:rPr lang="ru-RU" smtClean="0"/>
               <a:pPr/>
-              <a:t>06.10.2022</a:t>
+              <a:t>07.10.2022</a:t>
             </a:fld>
             <a:endParaRPr lang="ru-RU"/>
           </a:p>
@@ -2443,7 +2443,7 @@
           <p:cNvPr id="6" name="Нижний колонтитул 5">
             <a:extLst>
               <a:ext uri="{FF2B5EF4-FFF2-40B4-BE49-F238E27FC236}">
-                <a16:creationId xmlns="" xmlns:a16="http://schemas.microsoft.com/office/drawing/2014/main" id="{DB59C205-F0AD-394B-8EFF-A63FB72ABA42}"/>
+                <a16:creationId xmlns:a16="http://schemas.microsoft.com/office/drawing/2014/main" xmlns="" id="{DB59C205-F0AD-394B-8EFF-A63FB72ABA42}"/>
               </a:ext>
             </a:extLst>
           </p:cNvPr>
@@ -2468,7 +2468,7 @@
           <p:cNvPr id="7" name="Номер слайда 6">
             <a:extLst>
               <a:ext uri="{FF2B5EF4-FFF2-40B4-BE49-F238E27FC236}">
-                <a16:creationId xmlns="" xmlns:a16="http://schemas.microsoft.com/office/drawing/2014/main" id="{AE043324-0615-A5FD-3FB7-0C8F9AA11EAB}"/>
+                <a16:creationId xmlns:a16="http://schemas.microsoft.com/office/drawing/2014/main" xmlns="" id="{AE043324-0615-A5FD-3FB7-0C8F9AA11EAB}"/>
               </a:ext>
             </a:extLst>
           </p:cNvPr>
@@ -2496,7 +2496,7 @@
     </p:spTree>
     <p:extLst>
       <p:ext uri="{BB962C8B-B14F-4D97-AF65-F5344CB8AC3E}">
-        <p14:creationId xmlns:p14="http://schemas.microsoft.com/office/powerpoint/2010/main" xmlns="" val="793283567"/>
+        <p14:creationId xmlns="" xmlns:p14="http://schemas.microsoft.com/office/powerpoint/2010/main" val="793283567"/>
       </p:ext>
     </p:extLst>
   </p:cSld>
@@ -2528,7 +2528,7 @@
           <p:cNvPr id="2" name="Заголовок 1">
             <a:extLst>
               <a:ext uri="{FF2B5EF4-FFF2-40B4-BE49-F238E27FC236}">
-                <a16:creationId xmlns="" xmlns:a16="http://schemas.microsoft.com/office/drawing/2014/main" id="{926A9D1B-012A-23C3-8320-8BFC69088265}"/>
+                <a16:creationId xmlns:a16="http://schemas.microsoft.com/office/drawing/2014/main" xmlns="" id="{926A9D1B-012A-23C3-8320-8BFC69088265}"/>
               </a:ext>
             </a:extLst>
           </p:cNvPr>
@@ -2565,7 +2565,7 @@
           <p:cNvPr id="3" name="Рисунок 2">
             <a:extLst>
               <a:ext uri="{FF2B5EF4-FFF2-40B4-BE49-F238E27FC236}">
-                <a16:creationId xmlns="" xmlns:a16="http://schemas.microsoft.com/office/drawing/2014/main" id="{9B7AA942-B3C9-D02D-42BE-A72809FBFC51}"/>
+                <a16:creationId xmlns:a16="http://schemas.microsoft.com/office/drawing/2014/main" xmlns="" id="{9B7AA942-B3C9-D02D-42BE-A72809FBFC51}"/>
               </a:ext>
             </a:extLst>
           </p:cNvPr>
@@ -2632,7 +2632,7 @@
           <p:cNvPr id="4" name="Текст 3">
             <a:extLst>
               <a:ext uri="{FF2B5EF4-FFF2-40B4-BE49-F238E27FC236}">
-                <a16:creationId xmlns="" xmlns:a16="http://schemas.microsoft.com/office/drawing/2014/main" id="{A173F51B-6622-77A6-AF90-3C6D2AB7AB9C}"/>
+                <a16:creationId xmlns:a16="http://schemas.microsoft.com/office/drawing/2014/main" xmlns="" id="{A173F51B-6622-77A6-AF90-3C6D2AB7AB9C}"/>
               </a:ext>
             </a:extLst>
           </p:cNvPr>
@@ -2703,7 +2703,7 @@
           <p:cNvPr id="5" name="Дата 4">
             <a:extLst>
               <a:ext uri="{FF2B5EF4-FFF2-40B4-BE49-F238E27FC236}">
-                <a16:creationId xmlns="" xmlns:a16="http://schemas.microsoft.com/office/drawing/2014/main" id="{325C1C5E-0053-54FB-A9CD-F501F889E70A}"/>
+                <a16:creationId xmlns:a16="http://schemas.microsoft.com/office/drawing/2014/main" xmlns="" id="{325C1C5E-0053-54FB-A9CD-F501F889E70A}"/>
               </a:ext>
             </a:extLst>
           </p:cNvPr>
@@ -2722,7 +2722,7 @@
             <a:fld id="{ADA5A899-FE04-4992-84F0-79F7315CE005}" type="datetimeFigureOut">
               <a:rPr lang="ru-RU" smtClean="0"/>
               <a:pPr/>
-              <a:t>06.10.2022</a:t>
+              <a:t>07.10.2022</a:t>
             </a:fld>
             <a:endParaRPr lang="ru-RU"/>
           </a:p>
@@ -2733,7 +2733,7 @@
           <p:cNvPr id="6" name="Нижний колонтитул 5">
             <a:extLst>
               <a:ext uri="{FF2B5EF4-FFF2-40B4-BE49-F238E27FC236}">
-                <a16:creationId xmlns="" xmlns:a16="http://schemas.microsoft.com/office/drawing/2014/main" id="{FBCD383E-F890-98A9-53F7-253522A76720}"/>
+                <a16:creationId xmlns:a16="http://schemas.microsoft.com/office/drawing/2014/main" xmlns="" id="{FBCD383E-F890-98A9-53F7-253522A76720}"/>
               </a:ext>
             </a:extLst>
           </p:cNvPr>
@@ -2758,7 +2758,7 @@
           <p:cNvPr id="7" name="Номер слайда 6">
             <a:extLst>
               <a:ext uri="{FF2B5EF4-FFF2-40B4-BE49-F238E27FC236}">
-                <a16:creationId xmlns="" xmlns:a16="http://schemas.microsoft.com/office/drawing/2014/main" id="{5F1C23E7-F475-FA57-9415-53B0F0516F16}"/>
+                <a16:creationId xmlns:a16="http://schemas.microsoft.com/office/drawing/2014/main" xmlns="" id="{5F1C23E7-F475-FA57-9415-53B0F0516F16}"/>
               </a:ext>
             </a:extLst>
           </p:cNvPr>
@@ -2786,7 +2786,7 @@
     </p:spTree>
     <p:extLst>
       <p:ext uri="{BB962C8B-B14F-4D97-AF65-F5344CB8AC3E}">
-        <p14:creationId xmlns:p14="http://schemas.microsoft.com/office/powerpoint/2010/main" xmlns="" val="2120612975"/>
+        <p14:creationId xmlns="" xmlns:p14="http://schemas.microsoft.com/office/powerpoint/2010/main" val="2120612975"/>
       </p:ext>
     </p:extLst>
   </p:cSld>
@@ -2850,7 +2850,7 @@
           <p:cNvPr id="2" name="Заголовок 1">
             <a:extLst>
               <a:ext uri="{FF2B5EF4-FFF2-40B4-BE49-F238E27FC236}">
-                <a16:creationId xmlns="" xmlns:a16="http://schemas.microsoft.com/office/drawing/2014/main" id="{6C768094-A90C-1C5F-6A20-08C258C4E5A0}"/>
+                <a16:creationId xmlns:a16="http://schemas.microsoft.com/office/drawing/2014/main" xmlns="" id="{6C768094-A90C-1C5F-6A20-08C258C4E5A0}"/>
               </a:ext>
             </a:extLst>
           </p:cNvPr>
@@ -2888,7 +2888,7 @@
           <p:cNvPr id="3" name="Текст 2">
             <a:extLst>
               <a:ext uri="{FF2B5EF4-FFF2-40B4-BE49-F238E27FC236}">
-                <a16:creationId xmlns="" xmlns:a16="http://schemas.microsoft.com/office/drawing/2014/main" id="{24B73A0C-C8E0-B34A-43C1-01FA2E140F51}"/>
+                <a16:creationId xmlns:a16="http://schemas.microsoft.com/office/drawing/2014/main" xmlns="" id="{24B73A0C-C8E0-B34A-43C1-01FA2E140F51}"/>
               </a:ext>
             </a:extLst>
           </p:cNvPr>
@@ -2955,7 +2955,7 @@
           <p:cNvPr id="4" name="Дата 3">
             <a:extLst>
               <a:ext uri="{FF2B5EF4-FFF2-40B4-BE49-F238E27FC236}">
-                <a16:creationId xmlns="" xmlns:a16="http://schemas.microsoft.com/office/drawing/2014/main" id="{FEA15550-9607-CAEA-366D-A6E55E89959A}"/>
+                <a16:creationId xmlns:a16="http://schemas.microsoft.com/office/drawing/2014/main" xmlns="" id="{FEA15550-9607-CAEA-366D-A6E55E89959A}"/>
               </a:ext>
             </a:extLst>
           </p:cNvPr>
@@ -2992,7 +2992,7 @@
             <a:fld id="{ADA5A899-FE04-4992-84F0-79F7315CE005}" type="datetimeFigureOut">
               <a:rPr lang="ru-RU" smtClean="0"/>
               <a:pPr/>
-              <a:t>06.10.2022</a:t>
+              <a:t>07.10.2022</a:t>
             </a:fld>
             <a:endParaRPr lang="ru-RU"/>
           </a:p>
@@ -3003,7 +3003,7 @@
           <p:cNvPr id="5" name="Нижний колонтитул 4">
             <a:extLst>
               <a:ext uri="{FF2B5EF4-FFF2-40B4-BE49-F238E27FC236}">
-                <a16:creationId xmlns="" xmlns:a16="http://schemas.microsoft.com/office/drawing/2014/main" id="{52C41BF5-131F-90F3-4AFF-6F80EB5D8CA4}"/>
+                <a16:creationId xmlns:a16="http://schemas.microsoft.com/office/drawing/2014/main" xmlns="" id="{52C41BF5-131F-90F3-4AFF-6F80EB5D8CA4}"/>
               </a:ext>
             </a:extLst>
           </p:cNvPr>
@@ -3046,7 +3046,7 @@
           <p:cNvPr id="6" name="Номер слайда 5">
             <a:extLst>
               <a:ext uri="{FF2B5EF4-FFF2-40B4-BE49-F238E27FC236}">
-                <a16:creationId xmlns="" xmlns:a16="http://schemas.microsoft.com/office/drawing/2014/main" id="{AF233121-A605-8E49-6A5A-3AD66077721D}"/>
+                <a16:creationId xmlns:a16="http://schemas.microsoft.com/office/drawing/2014/main" xmlns="" id="{AF233121-A605-8E49-6A5A-3AD66077721D}"/>
               </a:ext>
             </a:extLst>
           </p:cNvPr>
@@ -3092,7 +3092,7 @@
     </p:spTree>
     <p:extLst>
       <p:ext uri="{BB962C8B-B14F-4D97-AF65-F5344CB8AC3E}">
-        <p14:creationId xmlns:p14="http://schemas.microsoft.com/office/powerpoint/2010/main" xmlns="" val="2861233511"/>
+        <p14:creationId xmlns="" xmlns:p14="http://schemas.microsoft.com/office/powerpoint/2010/main" val="2861233511"/>
       </p:ext>
     </p:extLst>
   </p:cSld>
@@ -3415,7 +3415,7 @@
           <p:cNvPr id="2" name="Заголовок 1">
             <a:extLst>
               <a:ext uri="{FF2B5EF4-FFF2-40B4-BE49-F238E27FC236}">
-                <a16:creationId xmlns="" xmlns:a16="http://schemas.microsoft.com/office/drawing/2014/main" id="{7B21A4E4-2468-71F3-B3A2-6146175C7296}"/>
+                <a16:creationId xmlns:a16="http://schemas.microsoft.com/office/drawing/2014/main" xmlns="" id="{7B21A4E4-2468-71F3-B3A2-6146175C7296}"/>
               </a:ext>
             </a:extLst>
           </p:cNvPr>
@@ -3478,7 +3478,7 @@
           <p:cNvPr id="3" name="Подзаголовок 2">
             <a:extLst>
               <a:ext uri="{FF2B5EF4-FFF2-40B4-BE49-F238E27FC236}">
-                <a16:creationId xmlns="" xmlns:a16="http://schemas.microsoft.com/office/drawing/2014/main" id="{D0332376-343F-6982-64BD-324B4A47A20E}"/>
+                <a16:creationId xmlns:a16="http://schemas.microsoft.com/office/drawing/2014/main" xmlns="" id="{D0332376-343F-6982-64BD-324B4A47A20E}"/>
               </a:ext>
             </a:extLst>
           </p:cNvPr>
@@ -3544,7 +3544,7 @@
           <p:cNvPr id="4" name="Подзаголовок 2">
             <a:extLst>
               <a:ext uri="{FF2B5EF4-FFF2-40B4-BE49-F238E27FC236}">
-                <a16:creationId xmlns="" xmlns:a16="http://schemas.microsoft.com/office/drawing/2014/main" id="{6956DD50-2BBF-1F65-EEDD-FC462F117DA4}"/>
+                <a16:creationId xmlns:a16="http://schemas.microsoft.com/office/drawing/2014/main" xmlns="" id="{6956DD50-2BBF-1F65-EEDD-FC462F117DA4}"/>
               </a:ext>
             </a:extLst>
           </p:cNvPr>
@@ -3853,7 +3853,7 @@
     </p:spTree>
     <p:extLst>
       <p:ext uri="{BB962C8B-B14F-4D97-AF65-F5344CB8AC3E}">
-        <p14:creationId xmlns:p14="http://schemas.microsoft.com/office/powerpoint/2010/main" xmlns="" val="1553003342"/>
+        <p14:creationId xmlns="" xmlns:p14="http://schemas.microsoft.com/office/powerpoint/2010/main" val="1553003342"/>
       </p:ext>
     </p:extLst>
   </p:cSld>
@@ -3892,7 +3892,7 @@
           <p:cNvPr id="2" name="Заголовок 1">
             <a:extLst>
               <a:ext uri="{FF2B5EF4-FFF2-40B4-BE49-F238E27FC236}">
-                <a16:creationId xmlns="" xmlns:a16="http://schemas.microsoft.com/office/drawing/2014/main" id="{2E9213E6-749D-9992-D519-94F289222BF0}"/>
+                <a16:creationId xmlns:a16="http://schemas.microsoft.com/office/drawing/2014/main" xmlns="" id="{2E9213E6-749D-9992-D519-94F289222BF0}"/>
               </a:ext>
             </a:extLst>
           </p:cNvPr>
@@ -3938,7 +3938,7 @@
           <p:cNvPr id="5" name="Объект 4">
             <a:extLst>
               <a:ext uri="{FF2B5EF4-FFF2-40B4-BE49-F238E27FC236}">
-                <a16:creationId xmlns="" xmlns:a16="http://schemas.microsoft.com/office/drawing/2014/main" id="{7C76C821-45B2-DFFE-8A53-0CD78B84D34D}"/>
+                <a16:creationId xmlns:a16="http://schemas.microsoft.com/office/drawing/2014/main" xmlns="" id="{7C76C821-45B2-DFFE-8A53-0CD78B84D34D}"/>
               </a:ext>
             </a:extLst>
           </p:cNvPr>
@@ -4201,7 +4201,7 @@
     </p:spTree>
     <p:extLst>
       <p:ext uri="{BB962C8B-B14F-4D97-AF65-F5344CB8AC3E}">
-        <p14:creationId xmlns:p14="http://schemas.microsoft.com/office/powerpoint/2010/main" xmlns="" val="1949184756"/>
+        <p14:creationId xmlns="" xmlns:p14="http://schemas.microsoft.com/office/powerpoint/2010/main" val="1949184756"/>
       </p:ext>
     </p:extLst>
   </p:cSld>
@@ -4240,7 +4240,7 @@
           <p:cNvPr id="5" name="Объект 4">
             <a:extLst>
               <a:ext uri="{FF2B5EF4-FFF2-40B4-BE49-F238E27FC236}">
-                <a16:creationId xmlns="" xmlns:a16="http://schemas.microsoft.com/office/drawing/2014/main" id="{7C76C821-45B2-DFFE-8A53-0CD78B84D34D}"/>
+                <a16:creationId xmlns:a16="http://schemas.microsoft.com/office/drawing/2014/main" xmlns="" id="{7C76C821-45B2-DFFE-8A53-0CD78B84D34D}"/>
               </a:ext>
             </a:extLst>
           </p:cNvPr>
@@ -4324,7 +4324,7 @@
     </p:spTree>
     <p:extLst>
       <p:ext uri="{BB962C8B-B14F-4D97-AF65-F5344CB8AC3E}">
-        <p14:creationId xmlns:p14="http://schemas.microsoft.com/office/powerpoint/2010/main" xmlns="" val="940757705"/>
+        <p14:creationId xmlns="" xmlns:p14="http://schemas.microsoft.com/office/powerpoint/2010/main" val="940757705"/>
       </p:ext>
     </p:extLst>
   </p:cSld>
@@ -4363,7 +4363,7 @@
           <p:cNvPr id="2" name="Заголовок 1">
             <a:extLst>
               <a:ext uri="{FF2B5EF4-FFF2-40B4-BE49-F238E27FC236}">
-                <a16:creationId xmlns="" xmlns:a16="http://schemas.microsoft.com/office/drawing/2014/main" id="{2E9213E6-749D-9992-D519-94F289222BF0}"/>
+                <a16:creationId xmlns:a16="http://schemas.microsoft.com/office/drawing/2014/main" xmlns="" id="{2E9213E6-749D-9992-D519-94F289222BF0}"/>
               </a:ext>
             </a:extLst>
           </p:cNvPr>
@@ -5589,7 +5589,7 @@
     </p:spTree>
     <p:extLst>
       <p:ext uri="{BB962C8B-B14F-4D97-AF65-F5344CB8AC3E}">
-        <p14:creationId xmlns:p14="http://schemas.microsoft.com/office/powerpoint/2010/main" xmlns="" val="261818918"/>
+        <p14:creationId xmlns="" xmlns:p14="http://schemas.microsoft.com/office/powerpoint/2010/main" val="261818918"/>
       </p:ext>
     </p:extLst>
   </p:cSld>
@@ -5628,7 +5628,7 @@
           <p:cNvPr id="2" name="Заголовок 1">
             <a:extLst>
               <a:ext uri="{FF2B5EF4-FFF2-40B4-BE49-F238E27FC236}">
-                <a16:creationId xmlns="" xmlns:a16="http://schemas.microsoft.com/office/drawing/2014/main" id="{2E9213E6-749D-9992-D519-94F289222BF0}"/>
+                <a16:creationId xmlns:a16="http://schemas.microsoft.com/office/drawing/2014/main" xmlns="" id="{2E9213E6-749D-9992-D519-94F289222BF0}"/>
               </a:ext>
             </a:extLst>
           </p:cNvPr>
@@ -5893,7 +5893,7 @@
     </p:spTree>
     <p:extLst>
       <p:ext uri="{BB962C8B-B14F-4D97-AF65-F5344CB8AC3E}">
-        <p14:creationId xmlns:p14="http://schemas.microsoft.com/office/powerpoint/2010/main" xmlns="" val="550409415"/>
+        <p14:creationId xmlns="" xmlns:p14="http://schemas.microsoft.com/office/powerpoint/2010/main" val="550409415"/>
       </p:ext>
     </p:extLst>
   </p:cSld>
@@ -5932,7 +5932,7 @@
           <p:cNvPr id="2" name="Заголовок 1">
             <a:extLst>
               <a:ext uri="{FF2B5EF4-FFF2-40B4-BE49-F238E27FC236}">
-                <a16:creationId xmlns="" xmlns:a16="http://schemas.microsoft.com/office/drawing/2014/main" id="{2E9213E6-749D-9992-D519-94F289222BF0}"/>
+                <a16:creationId xmlns:a16="http://schemas.microsoft.com/office/drawing/2014/main" xmlns="" id="{2E9213E6-749D-9992-D519-94F289222BF0}"/>
               </a:ext>
             </a:extLst>
           </p:cNvPr>
@@ -5992,7 +5992,7 @@
           <p:cNvPr id="5" name="Объект 4">
             <a:extLst>
               <a:ext uri="{FF2B5EF4-FFF2-40B4-BE49-F238E27FC236}">
-                <a16:creationId xmlns="" xmlns:a16="http://schemas.microsoft.com/office/drawing/2014/main" id="{7C76C821-45B2-DFFE-8A53-0CD78B84D34D}"/>
+                <a16:creationId xmlns:a16="http://schemas.microsoft.com/office/drawing/2014/main" xmlns="" id="{7C76C821-45B2-DFFE-8A53-0CD78B84D34D}"/>
               </a:ext>
             </a:extLst>
           </p:cNvPr>
@@ -6052,7 +6052,7 @@
           <p:cNvPr id="9" name="Заголовок 1">
             <a:extLst>
               <a:ext uri="{FF2B5EF4-FFF2-40B4-BE49-F238E27FC236}">
-                <a16:creationId xmlns="" xmlns:a16="http://schemas.microsoft.com/office/drawing/2014/main" id="{2E9213E6-749D-9992-D519-94F289222BF0}"/>
+                <a16:creationId xmlns:a16="http://schemas.microsoft.com/office/drawing/2014/main" xmlns="" id="{2E9213E6-749D-9992-D519-94F289222BF0}"/>
               </a:ext>
             </a:extLst>
           </p:cNvPr>
@@ -7265,7 +7265,7 @@
     </p:spTree>
     <p:extLst>
       <p:ext uri="{BB962C8B-B14F-4D97-AF65-F5344CB8AC3E}">
-        <p14:creationId xmlns:p14="http://schemas.microsoft.com/office/powerpoint/2010/main" xmlns="" val="1444225727"/>
+        <p14:creationId xmlns="" xmlns:p14="http://schemas.microsoft.com/office/powerpoint/2010/main" val="1444225727"/>
       </p:ext>
     </p:extLst>
   </p:cSld>
@@ -7304,7 +7304,7 @@
           <p:cNvPr id="2" name="Заголовок 1">
             <a:extLst>
               <a:ext uri="{FF2B5EF4-FFF2-40B4-BE49-F238E27FC236}">
-                <a16:creationId xmlns="" xmlns:a16="http://schemas.microsoft.com/office/drawing/2014/main" id="{2E9213E6-749D-9992-D519-94F289222BF0}"/>
+                <a16:creationId xmlns:a16="http://schemas.microsoft.com/office/drawing/2014/main" xmlns="" id="{2E9213E6-749D-9992-D519-94F289222BF0}"/>
               </a:ext>
             </a:extLst>
           </p:cNvPr>
@@ -7728,7 +7728,7 @@
     </p:spTree>
     <p:extLst>
       <p:ext uri="{BB962C8B-B14F-4D97-AF65-F5344CB8AC3E}">
-        <p14:creationId xmlns:p14="http://schemas.microsoft.com/office/powerpoint/2010/main" xmlns="" val="261818918"/>
+        <p14:creationId xmlns="" xmlns:p14="http://schemas.microsoft.com/office/powerpoint/2010/main" val="261818918"/>
       </p:ext>
     </p:extLst>
   </p:cSld>
@@ -7767,7 +7767,7 @@
           <p:cNvPr id="5" name="Объект 4">
             <a:extLst>
               <a:ext uri="{FF2B5EF4-FFF2-40B4-BE49-F238E27FC236}">
-                <a16:creationId xmlns="" xmlns:a16="http://schemas.microsoft.com/office/drawing/2014/main" id="{7C76C821-45B2-DFFE-8A53-0CD78B84D34D}"/>
+                <a16:creationId xmlns:a16="http://schemas.microsoft.com/office/drawing/2014/main" xmlns="" id="{7C76C821-45B2-DFFE-8A53-0CD78B84D34D}"/>
               </a:ext>
             </a:extLst>
           </p:cNvPr>
@@ -8337,7 +8337,7 @@
     </p:spTree>
     <p:extLst>
       <p:ext uri="{BB962C8B-B14F-4D97-AF65-F5344CB8AC3E}">
-        <p14:creationId xmlns:p14="http://schemas.microsoft.com/office/powerpoint/2010/main" xmlns="" val="2209134722"/>
+        <p14:creationId xmlns="" xmlns:p14="http://schemas.microsoft.com/office/powerpoint/2010/main" val="2209134722"/>
       </p:ext>
     </p:extLst>
   </p:cSld>
@@ -8376,7 +8376,7 @@
           <p:cNvPr id="2" name="Заголовок 1">
             <a:extLst>
               <a:ext uri="{FF2B5EF4-FFF2-40B4-BE49-F238E27FC236}">
-                <a16:creationId xmlns="" xmlns:a16="http://schemas.microsoft.com/office/drawing/2014/main" id="{2E9213E6-749D-9992-D519-94F289222BF0}"/>
+                <a16:creationId xmlns:a16="http://schemas.microsoft.com/office/drawing/2014/main" xmlns="" id="{2E9213E6-749D-9992-D519-94F289222BF0}"/>
               </a:ext>
             </a:extLst>
           </p:cNvPr>
@@ -8428,7 +8428,7 @@
           <p:cNvPr id="5" name="Объект 4">
             <a:extLst>
               <a:ext uri="{FF2B5EF4-FFF2-40B4-BE49-F238E27FC236}">
-                <a16:creationId xmlns="" xmlns:a16="http://schemas.microsoft.com/office/drawing/2014/main" id="{7C76C821-45B2-DFFE-8A53-0CD78B84D34D}"/>
+                <a16:creationId xmlns:a16="http://schemas.microsoft.com/office/drawing/2014/main" xmlns="" id="{7C76C821-45B2-DFFE-8A53-0CD78B84D34D}"/>
               </a:ext>
             </a:extLst>
           </p:cNvPr>
@@ -8488,7 +8488,7 @@
           <p:cNvPr id="9" name="Заголовок 1">
             <a:extLst>
               <a:ext uri="{FF2B5EF4-FFF2-40B4-BE49-F238E27FC236}">
-                <a16:creationId xmlns="" xmlns:a16="http://schemas.microsoft.com/office/drawing/2014/main" id="{2E9213E6-749D-9992-D519-94F289222BF0}"/>
+                <a16:creationId xmlns:a16="http://schemas.microsoft.com/office/drawing/2014/main" xmlns="" id="{2E9213E6-749D-9992-D519-94F289222BF0}"/>
               </a:ext>
             </a:extLst>
           </p:cNvPr>
@@ -8574,10 +8574,43 @@
           </a:p>
         </p:txBody>
       </p:sp>
+      <p:pic>
+        <p:nvPicPr>
+          <p:cNvPr id="1026" name="Picture 2"/>
+          <p:cNvPicPr>
+            <a:picLocks noChangeAspect="1" noChangeArrowheads="1"/>
+          </p:cNvPicPr>
+          <p:nvPr/>
+        </p:nvPicPr>
+        <p:blipFill>
+          <a:blip r:embed="rId2"/>
+          <a:srcRect/>
+          <a:stretch>
+            <a:fillRect/>
+          </a:stretch>
+        </p:blipFill>
+        <p:spPr bwMode="auto">
+          <a:xfrm>
+            <a:off x="0" y="1256234"/>
+            <a:ext cx="12191999" cy="5601766"/>
+          </a:xfrm>
+          <a:prstGeom prst="rect">
+            <a:avLst/>
+          </a:prstGeom>
+          <a:noFill/>
+          <a:ln w="9525">
+            <a:noFill/>
+            <a:miter lim="800000"/>
+            <a:headEnd/>
+            <a:tailEnd/>
+          </a:ln>
+          <a:effectLst/>
+        </p:spPr>
+      </p:pic>
     </p:spTree>
     <p:extLst>
       <p:ext uri="{BB962C8B-B14F-4D97-AF65-F5344CB8AC3E}">
-        <p14:creationId xmlns:p14="http://schemas.microsoft.com/office/powerpoint/2010/main" xmlns="" val="1444225727"/>
+        <p14:creationId xmlns="" xmlns:p14="http://schemas.microsoft.com/office/powerpoint/2010/main" val="1444225727"/>
       </p:ext>
     </p:extLst>
   </p:cSld>
@@ -8616,7 +8649,7 @@
           <p:cNvPr id="2" name="Заголовок 1">
             <a:extLst>
               <a:ext uri="{FF2B5EF4-FFF2-40B4-BE49-F238E27FC236}">
-                <a16:creationId xmlns="" xmlns:a16="http://schemas.microsoft.com/office/drawing/2014/main" id="{2E9213E6-749D-9992-D519-94F289222BF0}"/>
+                <a16:creationId xmlns:a16="http://schemas.microsoft.com/office/drawing/2014/main" xmlns="" id="{2E9213E6-749D-9992-D519-94F289222BF0}"/>
               </a:ext>
             </a:extLst>
           </p:cNvPr>
@@ -8674,7 +8707,7 @@
           <p:cNvPr id="5" name="Объект 4">
             <a:extLst>
               <a:ext uri="{FF2B5EF4-FFF2-40B4-BE49-F238E27FC236}">
-                <a16:creationId xmlns="" xmlns:a16="http://schemas.microsoft.com/office/drawing/2014/main" id="{7C76C821-45B2-DFFE-8A53-0CD78B84D34D}"/>
+                <a16:creationId xmlns:a16="http://schemas.microsoft.com/office/drawing/2014/main" xmlns="" id="{7C76C821-45B2-DFFE-8A53-0CD78B84D34D}"/>
               </a:ext>
             </a:extLst>
           </p:cNvPr>
@@ -8734,7 +8767,7 @@
           <p:cNvPr id="9" name="Заголовок 1">
             <a:extLst>
               <a:ext uri="{FF2B5EF4-FFF2-40B4-BE49-F238E27FC236}">
-                <a16:creationId xmlns="" xmlns:a16="http://schemas.microsoft.com/office/drawing/2014/main" id="{2E9213E6-749D-9992-D519-94F289222BF0}"/>
+                <a16:creationId xmlns:a16="http://schemas.microsoft.com/office/drawing/2014/main" xmlns="" id="{2E9213E6-749D-9992-D519-94F289222BF0}"/>
               </a:ext>
             </a:extLst>
           </p:cNvPr>
@@ -8985,7 +9018,7 @@
     </p:spTree>
     <p:extLst>
       <p:ext uri="{BB962C8B-B14F-4D97-AF65-F5344CB8AC3E}">
-        <p14:creationId xmlns:p14="http://schemas.microsoft.com/office/powerpoint/2010/main" xmlns="" val="1444225727"/>
+        <p14:creationId xmlns="" xmlns:p14="http://schemas.microsoft.com/office/powerpoint/2010/main" val="1444225727"/>
       </p:ext>
     </p:extLst>
   </p:cSld>
@@ -9291,7 +9324,7 @@
   <a:extraClrSchemeLst/>
   <a:extLst>
     <a:ext uri="{05A4C25C-085E-4340-85A3-A5531E510DB2}">
-      <thm15:themeFamily xmlns:thm15="http://schemas.microsoft.com/office/thememl/2012/main" xmlns="" name="Office Theme" id="{62F939B6-93AF-4DB8-9C6B-D6C7DFDC589F}" vid="{4A3C46E8-61CC-4603-A589-7422A47A8E4A}"/>
+      <thm15:themeFamily xmlns="" xmlns:thm15="http://schemas.microsoft.com/office/thememl/2012/main" name="Office Theme" id="{62F939B6-93AF-4DB8-9C6B-D6C7DFDC589F}" vid="{4A3C46E8-61CC-4603-A589-7422A47A8E4A}"/>
     </a:ext>
   </a:extLst>
 </a:theme>
